--- a/images/paper_structure_v2(1).pptx
+++ b/images/paper_structure_v2(1).pptx
@@ -4213,9 +4213,69 @@
           <a:chExt cx="0" cy="0"/>
         </a:xfrm>
       </p:grpSpPr>
+      <p:sp>
+        <p:nvSpPr>
+          <p:cNvPr id="3" name="2 - Τίτλος"/>
+          <p:cNvSpPr>
+            <a:spLocks noGrp="1"/>
+          </p:cNvSpPr>
+          <p:nvPr>
+            <p:ph type="title"/>
+          </p:nvPr>
+        </p:nvSpPr>
+        <p:spPr/>
+        <p:txBody>
+          <a:bodyPr vert="horz" lIns="91440" tIns="45720" rIns="91440" bIns="45720" rtlCol="0" anchor="ctr">
+            <a:normAutofit fontScale="90000"/>
+          </a:bodyPr>
+          <a:lstStyle/>
+          <a:p>
+            <a:pPr indent="-228600">
+              <a:buClr>
+                <a:srgbClr val="938779"/>
+              </a:buClr>
+            </a:pPr>
+            <a:r>
+              <a:rPr lang="en-US" sz="4400" dirty="0" smtClean="0"/>
+              <a:t>3. Solution overview</a:t>
+            </a:r>
+            <a:endParaRPr lang="el-GR" sz="4400" dirty="0"/>
+          </a:p>
+        </p:txBody>
+      </p:sp>
+      <p:sp>
+        <p:nvSpPr>
+          <p:cNvPr id="3082" name="AutoShape 10" descr="Αποτέλεσμα εικόνας για google charts logo"/>
+          <p:cNvSpPr>
+            <a:spLocks noChangeAspect="1" noChangeArrowheads="1"/>
+          </p:cNvSpPr>
+          <p:nvPr/>
+        </p:nvSpPr>
+        <p:spPr bwMode="auto">
+          <a:xfrm>
+            <a:off x="116681" y="-144463"/>
+            <a:ext cx="228600" cy="304801"/>
+          </a:xfrm>
+          <a:prstGeom prst="rect">
+            <a:avLst/>
+          </a:prstGeom>
+          <a:noFill/>
+        </p:spPr>
+        <p:txBody>
+          <a:bodyPr vert="horz" wrap="square" lIns="91440" tIns="45720" rIns="91440" bIns="45720" numCol="1" anchor="t" anchorCtr="0" compatLnSpc="1">
+            <a:prstTxWarp prst="textNoShape">
+              <a:avLst/>
+            </a:prstTxWarp>
+          </a:bodyPr>
+          <a:lstStyle/>
+          <a:p>
+            <a:endParaRPr lang="el-GR" sz="1200"/>
+          </a:p>
+        </p:txBody>
+      </p:sp>
       <p:pic>
         <p:nvPicPr>
-          <p:cNvPr id="37" name="Picture 2" descr="Αποτέλεσμα εικόνας για json"/>
+          <p:cNvPr id="55" name="Picture 2" descr="Αποτέλεσμα εικόνας για json"/>
           <p:cNvPicPr>
             <a:picLocks noChangeAspect="1" noChangeArrowheads="1"/>
           </p:cNvPicPr>
@@ -4241,67 +4301,7 @@
       </p:pic>
       <p:sp>
         <p:nvSpPr>
-          <p:cNvPr id="3" name="2 - Τίτλος"/>
-          <p:cNvSpPr>
-            <a:spLocks noGrp="1"/>
-          </p:cNvSpPr>
-          <p:nvPr>
-            <p:ph type="title"/>
-          </p:nvPr>
-        </p:nvSpPr>
-        <p:spPr/>
-        <p:txBody>
-          <a:bodyPr vert="horz" lIns="91440" tIns="45720" rIns="91440" bIns="45720" rtlCol="0" anchor="ctr">
-            <a:normAutofit fontScale="90000"/>
-          </a:bodyPr>
-          <a:lstStyle/>
-          <a:p>
-            <a:pPr indent="-228600">
-              <a:buClr>
-                <a:srgbClr val="938779"/>
-              </a:buClr>
-            </a:pPr>
-            <a:r>
-              <a:rPr lang="en-US" sz="4400" dirty="0" smtClean="0"/>
-              <a:t>3. Solution overview</a:t>
-            </a:r>
-            <a:endParaRPr lang="el-GR" sz="4400" dirty="0"/>
-          </a:p>
-        </p:txBody>
-      </p:sp>
-      <p:sp>
-        <p:nvSpPr>
-          <p:cNvPr id="3082" name="AutoShape 10" descr="Αποτέλεσμα εικόνας για google charts logo"/>
-          <p:cNvSpPr>
-            <a:spLocks noChangeAspect="1" noChangeArrowheads="1"/>
-          </p:cNvSpPr>
-          <p:nvPr/>
-        </p:nvSpPr>
-        <p:spPr bwMode="auto">
-          <a:xfrm>
-            <a:off x="116681" y="-144463"/>
-            <a:ext cx="228600" cy="304801"/>
-          </a:xfrm>
-          <a:prstGeom prst="rect">
-            <a:avLst/>
-          </a:prstGeom>
-          <a:noFill/>
-        </p:spPr>
-        <p:txBody>
-          <a:bodyPr vert="horz" wrap="square" lIns="91440" tIns="45720" rIns="91440" bIns="45720" numCol="1" anchor="t" anchorCtr="0" compatLnSpc="1">
-            <a:prstTxWarp prst="textNoShape">
-              <a:avLst/>
-            </a:prstTxWarp>
-          </a:bodyPr>
-          <a:lstStyle/>
-          <a:p>
-            <a:endParaRPr lang="el-GR" sz="1200"/>
-          </a:p>
-        </p:txBody>
-      </p:sp>
-      <p:sp>
-        <p:nvSpPr>
-          <p:cNvPr id="30" name="TextBox 21"/>
+          <p:cNvPr id="61" name="TextBox 21"/>
           <p:cNvSpPr txBox="1"/>
           <p:nvPr/>
         </p:nvSpPr>
@@ -4345,7 +4345,7 @@
       </p:sp>
       <p:sp>
         <p:nvSpPr>
-          <p:cNvPr id="39" name="38 - Βέλος προς τα κάτω"/>
+          <p:cNvPr id="64" name="38 - Βέλος προς τα κάτω"/>
           <p:cNvSpPr/>
           <p:nvPr/>
         </p:nvSpPr>
@@ -4383,7 +4383,7 @@
       </p:sp>
       <p:sp>
         <p:nvSpPr>
-          <p:cNvPr id="40" name="39 - Ορθογώνιο"/>
+          <p:cNvPr id="65" name="39 - Ορθογώνιο"/>
           <p:cNvSpPr/>
           <p:nvPr/>
         </p:nvSpPr>
@@ -4426,7 +4426,7 @@
       </p:sp>
       <p:sp>
         <p:nvSpPr>
-          <p:cNvPr id="44" name="Shape 205"/>
+          <p:cNvPr id="66" name="Shape 205"/>
           <p:cNvSpPr/>
           <p:nvPr/>
         </p:nvSpPr>
@@ -4470,7 +4470,7 @@
       </p:sp>
       <p:sp>
         <p:nvSpPr>
-          <p:cNvPr id="45" name="Shape 205"/>
+          <p:cNvPr id="67" name="Shape 205"/>
           <p:cNvSpPr/>
           <p:nvPr/>
         </p:nvSpPr>
@@ -4514,7 +4514,7 @@
       </p:sp>
       <p:sp>
         <p:nvSpPr>
-          <p:cNvPr id="47" name="TextBox 22"/>
+          <p:cNvPr id="68" name="TextBox 22"/>
           <p:cNvSpPr txBox="1"/>
           <p:nvPr/>
         </p:nvSpPr>
@@ -4558,7 +4558,7 @@
       </p:sp>
       <p:sp>
         <p:nvSpPr>
-          <p:cNvPr id="48" name="47 - Ορθογώνιο"/>
+          <p:cNvPr id="69" name="47 - Ορθογώνιο"/>
           <p:cNvSpPr/>
           <p:nvPr/>
         </p:nvSpPr>
@@ -4587,7 +4587,7 @@
       </p:sp>
       <p:sp>
         <p:nvSpPr>
-          <p:cNvPr id="49" name="Shape 205"/>
+          <p:cNvPr id="71" name="Shape 205"/>
           <p:cNvSpPr/>
           <p:nvPr/>
         </p:nvSpPr>
@@ -4637,7 +4637,7 @@
       </p:sp>
       <p:sp>
         <p:nvSpPr>
-          <p:cNvPr id="51" name="Shape 205"/>
+          <p:cNvPr id="85" name="Shape 205"/>
           <p:cNvSpPr/>
           <p:nvPr/>
         </p:nvSpPr>
@@ -4697,7 +4697,7 @@
       </p:sp>
       <p:sp>
         <p:nvSpPr>
-          <p:cNvPr id="52" name="51 - TextBox"/>
+          <p:cNvPr id="86" name="51 - TextBox"/>
           <p:cNvSpPr txBox="1"/>
           <p:nvPr/>
         </p:nvSpPr>
@@ -4747,7 +4747,7 @@
       </p:sp>
       <p:sp>
         <p:nvSpPr>
-          <p:cNvPr id="53" name="TextBox 22"/>
+          <p:cNvPr id="87" name="TextBox 22"/>
           <p:cNvSpPr txBox="1"/>
           <p:nvPr/>
         </p:nvSpPr>
@@ -4803,7 +4803,7 @@
       </p:sp>
       <p:sp>
         <p:nvSpPr>
-          <p:cNvPr id="54" name="TextBox 22"/>
+          <p:cNvPr id="88" name="TextBox 22"/>
           <p:cNvSpPr txBox="1"/>
           <p:nvPr/>
         </p:nvSpPr>
@@ -4859,7 +4859,7 @@
       </p:sp>
       <p:sp>
         <p:nvSpPr>
-          <p:cNvPr id="56" name="TextBox 22"/>
+          <p:cNvPr id="89" name="TextBox 22"/>
           <p:cNvSpPr txBox="1"/>
           <p:nvPr/>
         </p:nvSpPr>
@@ -4915,7 +4915,7 @@
       </p:sp>
       <p:sp>
         <p:nvSpPr>
-          <p:cNvPr id="57" name="TextBox 22"/>
+          <p:cNvPr id="90" name="TextBox 22"/>
           <p:cNvSpPr txBox="1"/>
           <p:nvPr/>
         </p:nvSpPr>
@@ -4971,7 +4971,7 @@
       </p:sp>
       <p:sp>
         <p:nvSpPr>
-          <p:cNvPr id="59" name="TextBox 22"/>
+          <p:cNvPr id="91" name="TextBox 22"/>
           <p:cNvSpPr txBox="1"/>
           <p:nvPr/>
         </p:nvSpPr>
@@ -5027,7 +5027,7 @@
       </p:sp>
       <p:sp>
         <p:nvSpPr>
-          <p:cNvPr id="60" name="TextBox 22"/>
+          <p:cNvPr id="94" name="TextBox 22"/>
           <p:cNvSpPr txBox="1"/>
           <p:nvPr/>
         </p:nvSpPr>
@@ -5083,7 +5083,7 @@
       </p:sp>
       <p:pic>
         <p:nvPicPr>
-          <p:cNvPr id="31" name="Picture 12" descr="Αποτέλεσμα εικόνας για google charts logo"/>
+          <p:cNvPr id="95" name="Picture 12" descr="Αποτέλεσμα εικόνας για google charts logo"/>
           <p:cNvPicPr>
             <a:picLocks noChangeAspect="1" noChangeArrowheads="1"/>
           </p:cNvPicPr>
@@ -5107,7 +5107,7 @@
       </p:pic>
       <p:pic>
         <p:nvPicPr>
-          <p:cNvPr id="32" name="Picture 4" descr="Αποτέλεσμα εικόνας για D3.js logo"/>
+          <p:cNvPr id="96" name="Picture 4" descr="Αποτέλεσμα εικόνας για D3.js logo"/>
           <p:cNvPicPr>
             <a:picLocks noChangeAspect="1" noChangeArrowheads="1"/>
           </p:cNvPicPr>
@@ -5133,7 +5133,7 @@
       </p:pic>
       <p:pic>
         <p:nvPicPr>
-          <p:cNvPr id="33" name="Picture 6" descr="Αποτέλεσμα εικόνας για Chart.js logo"/>
+          <p:cNvPr id="97" name="Picture 6" descr="Αποτέλεσμα εικόνας για Chart.js logo"/>
           <p:cNvPicPr>
             <a:picLocks noChangeAspect="1" noChangeArrowheads="1"/>
           </p:cNvPicPr>
@@ -5159,7 +5159,7 @@
       </p:pic>
       <p:pic>
         <p:nvPicPr>
-          <p:cNvPr id="34" name="Picture 8" descr="Αποτέλεσμα εικόνας για fusion charts"/>
+          <p:cNvPr id="98" name="Picture 8" descr="Αποτέλεσμα εικόνας για fusion charts"/>
           <p:cNvPicPr>
             <a:picLocks noChangeAspect="1" noChangeArrowheads="1"/>
           </p:cNvPicPr>
@@ -5183,7 +5183,7 @@
       </p:pic>
       <p:sp>
         <p:nvSpPr>
-          <p:cNvPr id="43" name="42 - Βέλος προς τα κάτω"/>
+          <p:cNvPr id="99" name="42 - Βέλος προς τα κάτω"/>
           <p:cNvSpPr/>
           <p:nvPr/>
         </p:nvSpPr>
@@ -5221,7 +5221,7 @@
       </p:sp>
       <p:sp>
         <p:nvSpPr>
-          <p:cNvPr id="50" name="49 - TextBox"/>
+          <p:cNvPr id="100" name="49 - TextBox"/>
           <p:cNvSpPr txBox="1"/>
           <p:nvPr/>
         </p:nvSpPr>
@@ -5251,7 +5251,7 @@
       </p:sp>
       <p:sp>
         <p:nvSpPr>
-          <p:cNvPr id="58" name="57 - TextBox"/>
+          <p:cNvPr id="101" name="57 - TextBox"/>
           <p:cNvSpPr txBox="1"/>
           <p:nvPr/>
         </p:nvSpPr>
@@ -5281,7 +5281,7 @@
       </p:sp>
       <p:sp>
         <p:nvSpPr>
-          <p:cNvPr id="62" name="61 - Ορθογώνιο"/>
+          <p:cNvPr id="102" name="61 - Ορθογώνιο"/>
           <p:cNvSpPr/>
           <p:nvPr/>
         </p:nvSpPr>
@@ -5324,14 +5324,14 @@
       </p:sp>
       <p:sp>
         <p:nvSpPr>
-          <p:cNvPr id="63" name="62 - Ορθογώνιο"/>
+          <p:cNvPr id="103" name="62 - Ορθογώνιο"/>
           <p:cNvSpPr/>
           <p:nvPr/>
         </p:nvSpPr>
         <p:spPr>
           <a:xfrm>
             <a:off x="1415770" y="2848944"/>
-            <a:ext cx="1249573" cy="276999"/>
+            <a:ext cx="913968" cy="276999"/>
           </a:xfrm>
           <a:prstGeom prst="rect">
             <a:avLst/>
@@ -5345,7 +5345,7 @@
           <a:p>
             <a:r>
               <a:rPr lang="en-GB" sz="1200" dirty="0" smtClean="0"/>
-              <a:t>API  specification</a:t>
+              <a:t>Data access</a:t>
             </a:r>
             <a:endParaRPr lang="el-GR" sz="1200" dirty="0"/>
           </a:p>
@@ -5353,13 +5353,13 @@
       </p:sp>
       <p:grpSp>
         <p:nvGrpSpPr>
-          <p:cNvPr id="74" name="80 - Ομάδα"/>
+          <p:cNvPr id="104" name="80 - Ομάδα"/>
           <p:cNvGrpSpPr/>
           <p:nvPr/>
         </p:nvGrpSpPr>
         <p:grpSpPr>
           <a:xfrm>
-            <a:off x="5076056" y="3819757"/>
+            <a:off x="3697280" y="4968397"/>
             <a:ext cx="1080120" cy="257315"/>
             <a:chOff x="2181751" y="5194330"/>
             <a:chExt cx="1721177" cy="328254"/>
@@ -5367,7 +5367,7 @@
         </p:grpSpPr>
         <p:pic>
           <p:nvPicPr>
-            <p:cNvPr id="75" name="Picture 31"/>
+            <p:cNvPr id="105" name="Picture 31"/>
             <p:cNvPicPr>
               <a:picLocks noChangeAspect="1"/>
             </p:cNvPicPr>
@@ -5391,7 +5391,7 @@
         </p:pic>
         <p:sp>
           <p:nvSpPr>
-            <p:cNvPr id="76" name="TextBox 32"/>
+            <p:cNvPr id="106" name="TextBox 32"/>
             <p:cNvSpPr txBox="1"/>
             <p:nvPr/>
           </p:nvSpPr>
@@ -5438,14 +5438,14 @@
       </p:grpSp>
       <p:cxnSp>
         <p:nvCxnSpPr>
-          <p:cNvPr id="35" name="34 - Ευθεία γραμμή σύνδεσης"/>
+          <p:cNvPr id="107" name="34 - Ευθεία γραμμή σύνδεσης"/>
           <p:cNvCxnSpPr/>
           <p:nvPr/>
         </p:nvCxnSpPr>
         <p:spPr>
           <a:xfrm flipV="1">
-            <a:off x="3851920" y="4509120"/>
-            <a:ext cx="203200" cy="216022"/>
+            <a:off x="3511112" y="4733365"/>
+            <a:ext cx="372335" cy="341795"/>
           </a:xfrm>
           <a:prstGeom prst="line">
             <a:avLst/>
@@ -5475,13 +5475,13 @@
       </p:cxnSp>
       <p:sp>
         <p:nvSpPr>
-          <p:cNvPr id="70" name="69 - Ορθογώνιο"/>
+          <p:cNvPr id="108" name="69 - Ορθογώνιο"/>
           <p:cNvSpPr/>
           <p:nvPr/>
         </p:nvSpPr>
         <p:spPr>
           <a:xfrm>
-            <a:off x="3203848" y="5301208"/>
+            <a:off x="3118026" y="5744289"/>
             <a:ext cx="2390078" cy="276999"/>
           </a:xfrm>
           <a:prstGeom prst="rect">
@@ -5504,13 +5504,13 @@
       </p:sp>
       <p:cxnSp>
         <p:nvCxnSpPr>
-          <p:cNvPr id="72" name="71 - Ευθεία γραμμή σύνδεσης"/>
+          <p:cNvPr id="109" name="71 - Ευθεία γραμμή σύνδεσης"/>
           <p:cNvCxnSpPr/>
           <p:nvPr/>
         </p:nvCxnSpPr>
         <p:spPr>
           <a:xfrm>
-            <a:off x="4067944" y="5013176"/>
+            <a:off x="3982122" y="5445223"/>
             <a:ext cx="563116" cy="1"/>
           </a:xfrm>
           <a:prstGeom prst="line">
@@ -5541,14 +5541,16 @@
       </p:cxnSp>
       <p:cxnSp>
         <p:nvCxnSpPr>
-          <p:cNvPr id="73" name="72 - Ευθεία γραμμή σύνδεσης"/>
-          <p:cNvCxnSpPr/>
+          <p:cNvPr id="110" name="72 - Ευθεία γραμμή σύνδεσης"/>
+          <p:cNvCxnSpPr>
+            <a:endCxn id="118" idx="0"/>
+          </p:cNvCxnSpPr>
           <p:nvPr/>
         </p:nvCxnSpPr>
         <p:spPr>
           <a:xfrm>
-            <a:off x="4644008" y="4509120"/>
-            <a:ext cx="216024" cy="216024"/>
+            <a:off x="4603680" y="4760702"/>
+            <a:ext cx="458562" cy="341869"/>
           </a:xfrm>
           <a:prstGeom prst="line">
             <a:avLst/>
@@ -5578,13 +5580,13 @@
       </p:cxnSp>
       <p:grpSp>
         <p:nvGrpSpPr>
-          <p:cNvPr id="84" name="83 - Ομάδα"/>
+          <p:cNvPr id="111" name="83 - Ομάδα"/>
           <p:cNvGrpSpPr/>
           <p:nvPr/>
         </p:nvGrpSpPr>
         <p:grpSpPr>
           <a:xfrm>
-            <a:off x="3995936" y="4005064"/>
+            <a:off x="3838106" y="4221088"/>
             <a:ext cx="720080" cy="630685"/>
             <a:chOff x="1691680" y="4166467"/>
             <a:chExt cx="720080" cy="630685"/>
@@ -5592,7 +5594,7 @@
         </p:grpSpPr>
         <p:pic>
           <p:nvPicPr>
-            <p:cNvPr id="77" name="Picture 22" descr="https://cdn1.iconfinder.com/data/icons/ColoBrush_Pack/256/database.png"/>
+            <p:cNvPr id="112" name="Picture 22" descr="https://cdn1.iconfinder.com/data/icons/ColoBrush_Pack/256/database.png"/>
             <p:cNvPicPr>
               <a:picLocks noChangeAspect="1" noChangeArrowheads="1"/>
             </p:cNvPicPr>
@@ -5618,7 +5620,7 @@
         </p:pic>
         <p:pic>
           <p:nvPicPr>
-            <p:cNvPr id="79" name="Picture 24" descr="http://www.fadyart.com/en/images/stories/rdf.png"/>
+            <p:cNvPr id="113" name="Picture 24" descr="http://www.fadyart.com/en/images/stories/rdf.png"/>
             <p:cNvPicPr>
               <a:picLocks noChangeAspect="1" noChangeArrowheads="1"/>
             </p:cNvPicPr>
@@ -5645,13 +5647,13 @@
       </p:grpSp>
       <p:grpSp>
         <p:nvGrpSpPr>
-          <p:cNvPr id="82" name="81 - Ομάδα"/>
+          <p:cNvPr id="114" name="81 - Ομάδα"/>
           <p:cNvGrpSpPr/>
           <p:nvPr/>
         </p:nvGrpSpPr>
         <p:grpSpPr>
           <a:xfrm>
-            <a:off x="3275856" y="4742531"/>
+            <a:off x="3046018" y="5102571"/>
             <a:ext cx="720080" cy="630685"/>
             <a:chOff x="1187624" y="4958555"/>
             <a:chExt cx="720080" cy="630685"/>
@@ -5659,7 +5661,7 @@
         </p:grpSpPr>
         <p:pic>
           <p:nvPicPr>
-            <p:cNvPr id="78" name="Picture 22" descr="https://cdn1.iconfinder.com/data/icons/ColoBrush_Pack/256/database.png"/>
+            <p:cNvPr id="115" name="Picture 22" descr="https://cdn1.iconfinder.com/data/icons/ColoBrush_Pack/256/database.png"/>
             <p:cNvPicPr>
               <a:picLocks noChangeAspect="1" noChangeArrowheads="1"/>
             </p:cNvPicPr>
@@ -5685,7 +5687,7 @@
         </p:pic>
         <p:pic>
           <p:nvPicPr>
-            <p:cNvPr id="80" name="Picture 24" descr="http://www.fadyart.com/en/images/stories/rdf.png"/>
+            <p:cNvPr id="116" name="Picture 24" descr="http://www.fadyart.com/en/images/stories/rdf.png"/>
             <p:cNvPicPr>
               <a:picLocks noChangeAspect="1" noChangeArrowheads="1"/>
             </p:cNvPicPr>
@@ -5712,13 +5714,13 @@
       </p:grpSp>
       <p:grpSp>
         <p:nvGrpSpPr>
-          <p:cNvPr id="83" name="82 - Ομάδα"/>
+          <p:cNvPr id="117" name="82 - Ομάδα"/>
           <p:cNvGrpSpPr/>
           <p:nvPr/>
         </p:nvGrpSpPr>
         <p:grpSpPr>
           <a:xfrm>
-            <a:off x="4644008" y="4725144"/>
+            <a:off x="4702202" y="5102571"/>
             <a:ext cx="720080" cy="630685"/>
             <a:chOff x="2195736" y="4941168"/>
             <a:chExt cx="720080" cy="630685"/>
@@ -5726,7 +5728,7 @@
         </p:grpSpPr>
         <p:pic>
           <p:nvPicPr>
-            <p:cNvPr id="46" name="Picture 22" descr="https://cdn1.iconfinder.com/data/icons/ColoBrush_Pack/256/database.png"/>
+            <p:cNvPr id="118" name="Picture 22" descr="https://cdn1.iconfinder.com/data/icons/ColoBrush_Pack/256/database.png"/>
             <p:cNvPicPr>
               <a:picLocks noChangeAspect="1" noChangeArrowheads="1"/>
             </p:cNvPicPr>
@@ -5752,7 +5754,7 @@
         </p:pic>
         <p:pic>
           <p:nvPicPr>
-            <p:cNvPr id="81" name="Picture 24" descr="http://www.fadyart.com/en/images/stories/rdf.png"/>
+            <p:cNvPr id="119" name="Picture 24" descr="http://www.fadyart.com/en/images/stories/rdf.png"/>
             <p:cNvPicPr>
               <a:picLocks noChangeAspect="1" noChangeArrowheads="1"/>
             </p:cNvPicPr>
@@ -5779,14 +5781,14 @@
       </p:grpSp>
       <p:sp>
         <p:nvSpPr>
-          <p:cNvPr id="92" name="91 - Βέλος προς τα κάτω"/>
+          <p:cNvPr id="120" name="92 - Βέλος προς τα κάτω"/>
           <p:cNvSpPr/>
           <p:nvPr/>
         </p:nvSpPr>
         <p:spPr>
-          <a:xfrm rot="10800000">
-            <a:off x="4788023" y="3717033"/>
-            <a:ext cx="283633" cy="360038"/>
+          <a:xfrm rot="10800000" flipV="1">
+            <a:off x="4067945" y="3697028"/>
+            <a:ext cx="288032" cy="380043"/>
           </a:xfrm>
           <a:prstGeom prst="downArrow">
             <a:avLst/>
@@ -5815,47 +5817,9 @@
           </a:p>
         </p:txBody>
       </p:sp>
-      <p:sp>
-        <p:nvSpPr>
-          <p:cNvPr id="93" name="92 - Βέλος προς τα κάτω"/>
-          <p:cNvSpPr/>
-          <p:nvPr/>
-        </p:nvSpPr>
-        <p:spPr>
-          <a:xfrm rot="10800000" flipV="1">
-            <a:off x="3563889" y="3697028"/>
-            <a:ext cx="288032" cy="380043"/>
-          </a:xfrm>
-          <a:prstGeom prst="downArrow">
-            <a:avLst/>
-          </a:prstGeom>
-        </p:spPr>
-        <p:style>
-          <a:lnRef idx="1">
-            <a:schemeClr val="accent3"/>
-          </a:lnRef>
-          <a:fillRef idx="2">
-            <a:schemeClr val="accent3"/>
-          </a:fillRef>
-          <a:effectRef idx="1">
-            <a:schemeClr val="accent3"/>
-          </a:effectRef>
-          <a:fontRef idx="minor">
-            <a:schemeClr val="dk1"/>
-          </a:fontRef>
-        </p:style>
-        <p:txBody>
-          <a:bodyPr rtlCol="0" anchor="ctr"/>
-          <a:lstStyle/>
-          <a:p>
-            <a:pPr algn="ctr"/>
-            <a:endParaRPr lang="el-GR" sz="1200"/>
-          </a:p>
-        </p:txBody>
-      </p:sp>
       <p:pic>
         <p:nvPicPr>
-          <p:cNvPr id="7170" name="Picture 2" descr="Αποτέλεσμα εικόνας για sparql"/>
+          <p:cNvPr id="121" name="Picture 2" descr="Αποτέλεσμα εικόνας για sparql"/>
           <p:cNvPicPr>
             <a:picLocks noChangeAspect="1" noChangeArrowheads="1"/>
           </p:cNvPicPr>
@@ -5870,7 +5834,7 @@
         </p:blipFill>
         <p:spPr bwMode="auto">
           <a:xfrm>
-            <a:off x="3059832" y="3717032"/>
+            <a:off x="3563888" y="3717032"/>
             <a:ext cx="432048" cy="432048"/>
           </a:xfrm>
           <a:prstGeom prst="rect">

--- a/images/paper_structure_v2(1).pptx
+++ b/images/paper_structure_v2(1).pptx
@@ -116,7 +116,7 @@
   </p:defaultTextStyle>
   <p:extLst>
     <p:ext uri="{EFAFB233-063F-42B5-8137-9DF3F51BA10A}">
-      <p15:sldGuideLst xmlns:p15="http://schemas.microsoft.com/office/powerpoint/2012/main">
+      <p15:sldGuideLst xmlns:p15="http://schemas.microsoft.com/office/powerpoint/2012/main" xmlns="">
         <p15:guide id="1" orient="horz" pos="2160">
           <p15:clr>
             <a:srgbClr val="A4A3A4"/>
@@ -862,20 +862,20 @@
     </p:spTree>
     <p:extLst>
       <p:ext uri="{BB962C8B-B14F-4D97-AF65-F5344CB8AC3E}">
-        <p14:creationId xmlns:p14="http://schemas.microsoft.com/office/powerpoint/2010/main" val="1818076121"/>
+        <p14:creationId xmlns:p14="http://schemas.microsoft.com/office/powerpoint/2010/main" xmlns="" val="1818076121"/>
       </p:ext>
     </p:extLst>
   </p:cSld>
   <p:clrMapOvr>
     <a:masterClrMapping/>
   </p:clrMapOvr>
-  <mc:AlternateContent xmlns:mc="http://schemas.openxmlformats.org/markup-compatibility/2006" xmlns:p14="http://schemas.microsoft.com/office/powerpoint/2010/main">
-    <mc:Choice Requires="p14">
+  <mc:AlternateContent xmlns:mc="http://schemas.openxmlformats.org/markup-compatibility/2006">
+    <mc:Choice xmlns:p14="http://schemas.microsoft.com/office/powerpoint/2010/main" xmlns="" Requires="p14">
       <p:transition spd="med" p14:dur="700">
         <p:fade/>
       </p:transition>
     </mc:Choice>
-    <mc:Fallback xmlns="">
+    <mc:Fallback>
       <p:transition spd="med">
         <p:fade/>
       </p:transition>
@@ -1258,20 +1258,20 @@
     </p:spTree>
     <p:extLst>
       <p:ext uri="{BB962C8B-B14F-4D97-AF65-F5344CB8AC3E}">
-        <p14:creationId xmlns:p14="http://schemas.microsoft.com/office/powerpoint/2010/main" val="2510624659"/>
+        <p14:creationId xmlns:p14="http://schemas.microsoft.com/office/powerpoint/2010/main" xmlns="" val="2510624659"/>
       </p:ext>
     </p:extLst>
   </p:cSld>
   <p:clrMapOvr>
     <a:masterClrMapping/>
   </p:clrMapOvr>
-  <mc:AlternateContent xmlns:mc="http://schemas.openxmlformats.org/markup-compatibility/2006" xmlns:p14="http://schemas.microsoft.com/office/powerpoint/2010/main">
-    <mc:Choice Requires="p14">
+  <mc:AlternateContent xmlns:mc="http://schemas.openxmlformats.org/markup-compatibility/2006">
+    <mc:Choice xmlns:p14="http://schemas.microsoft.com/office/powerpoint/2010/main" xmlns="" Requires="p14">
       <p:transition spd="med" p14:dur="700">
         <p:fade/>
       </p:transition>
     </mc:Choice>
-    <mc:Fallback xmlns="">
+    <mc:Fallback>
       <p:transition spd="med">
         <p:fade/>
       </p:transition>
@@ -3783,13 +3783,13 @@
   <p:clrMapOvr>
     <a:masterClrMapping/>
   </p:clrMapOvr>
-  <mc:AlternateContent xmlns:mc="http://schemas.openxmlformats.org/markup-compatibility/2006" xmlns:p14="http://schemas.microsoft.com/office/powerpoint/2010/main">
-    <mc:Choice Requires="p14">
+  <mc:AlternateContent xmlns:mc="http://schemas.openxmlformats.org/markup-compatibility/2006">
+    <mc:Choice xmlns:p14="http://schemas.microsoft.com/office/powerpoint/2010/main" xmlns="" Requires="p14">
       <p:transition spd="med" p14:dur="700">
         <p:fade/>
       </p:transition>
     </mc:Choice>
-    <mc:Fallback xmlns="">
+    <mc:Fallback>
       <p:transition spd="med">
         <p:fade/>
       </p:transition>
@@ -3869,13 +3869,13 @@
   <p:clrMapOvr>
     <a:masterClrMapping/>
   </p:clrMapOvr>
-  <mc:AlternateContent xmlns:mc="http://schemas.openxmlformats.org/markup-compatibility/2006" xmlns:p14="http://schemas.microsoft.com/office/powerpoint/2010/main">
-    <mc:Choice Requires="p14">
+  <mc:AlternateContent xmlns:mc="http://schemas.openxmlformats.org/markup-compatibility/2006">
+    <mc:Choice xmlns:p14="http://schemas.microsoft.com/office/powerpoint/2010/main" xmlns="" Requires="p14">
       <p:transition spd="med" p14:dur="700">
         <p:fade/>
       </p:transition>
     </mc:Choice>
-    <mc:Fallback xmlns="">
+    <mc:Fallback>
       <p:transition spd="med">
         <p:fade/>
       </p:transition>
@@ -5846,20 +5846,20 @@
     </p:spTree>
     <p:extLst>
       <p:ext uri="{BB962C8B-B14F-4D97-AF65-F5344CB8AC3E}">
-        <p14:creationId xmlns:p14="http://schemas.microsoft.com/office/powerpoint/2010/main" val="631353064"/>
+        <p14:creationId xmlns:p14="http://schemas.microsoft.com/office/powerpoint/2010/main" xmlns="" val="631353064"/>
       </p:ext>
     </p:extLst>
   </p:cSld>
   <p:clrMapOvr>
     <a:masterClrMapping/>
   </p:clrMapOvr>
-  <mc:AlternateContent xmlns:mc="http://schemas.openxmlformats.org/markup-compatibility/2006" xmlns:p14="http://schemas.microsoft.com/office/powerpoint/2010/main">
-    <mc:Choice Requires="p14">
+  <mc:AlternateContent xmlns:mc="http://schemas.openxmlformats.org/markup-compatibility/2006">
+    <mc:Choice xmlns:p14="http://schemas.microsoft.com/office/powerpoint/2010/main" xmlns="" Requires="p14">
       <p:transition spd="med" p14:dur="700">
         <p:fade/>
       </p:transition>
     </mc:Choice>
-    <mc:Fallback xmlns="">
+    <mc:Fallback>
       <p:transition spd="med">
         <p:fade/>
       </p:transition>
@@ -5894,49 +5894,6 @@
       </p:grpSpPr>
       <p:sp>
         <p:nvSpPr>
-          <p:cNvPr id="4" name="20 - Ορθογώνιο"/>
-          <p:cNvSpPr/>
-          <p:nvPr/>
-        </p:nvSpPr>
-        <p:spPr>
-          <a:xfrm>
-            <a:off x="1763688" y="1196752"/>
-            <a:ext cx="5665929" cy="2252539"/>
-          </a:xfrm>
-          <a:prstGeom prst="rect">
-            <a:avLst/>
-          </a:prstGeom>
-          <a:noFill/>
-          <a:ln w="19050">
-            <a:prstDash val="dash"/>
-          </a:ln>
-          <a:effectLst/>
-        </p:spPr>
-        <p:style>
-          <a:lnRef idx="1">
-            <a:schemeClr val="accent3"/>
-          </a:lnRef>
-          <a:fillRef idx="2">
-            <a:schemeClr val="accent3"/>
-          </a:fillRef>
-          <a:effectRef idx="1">
-            <a:schemeClr val="accent3"/>
-          </a:effectRef>
-          <a:fontRef idx="minor">
-            <a:schemeClr val="dk1"/>
-          </a:fontRef>
-        </p:style>
-        <p:txBody>
-          <a:bodyPr rtlCol="0" anchor="ctr"/>
-          <a:lstStyle/>
-          <a:p>
-            <a:pPr algn="ctr"/>
-            <a:endParaRPr lang="el-GR"/>
-          </a:p>
-        </p:txBody>
-      </p:sp>
-      <p:sp>
-        <p:nvSpPr>
           <p:cNvPr id="5" name="Shape 205"/>
           <p:cNvSpPr/>
           <p:nvPr/>
@@ -6025,35 +5982,6 @@
       </p:sp>
       <p:sp>
         <p:nvSpPr>
-          <p:cNvPr id="7" name="49 - Ορθογώνιο"/>
-          <p:cNvSpPr/>
-          <p:nvPr/>
-        </p:nvSpPr>
-        <p:spPr>
-          <a:xfrm>
-            <a:off x="1734380" y="1136058"/>
-            <a:ext cx="1393779" cy="369332"/>
-          </a:xfrm>
-          <a:prstGeom prst="rect">
-            <a:avLst/>
-          </a:prstGeom>
-        </p:spPr>
-        <p:txBody>
-          <a:bodyPr wrap="none">
-            <a:spAutoFit/>
-          </a:bodyPr>
-          <a:lstStyle/>
-          <a:p>
-            <a:r>
-              <a:rPr lang="en-GB" dirty="0" smtClean="0"/>
-              <a:t>Custom apps</a:t>
-            </a:r>
-            <a:endParaRPr lang="el-GR" dirty="0"/>
-          </a:p>
-        </p:txBody>
-      </p:sp>
-      <p:sp>
-        <p:nvSpPr>
           <p:cNvPr id="8" name="Shape 205"/>
           <p:cNvSpPr/>
           <p:nvPr/>
@@ -6061,7 +5989,7 @@
         <p:spPr>
           <a:xfrm>
             <a:off x="3856820" y="1642799"/>
-            <a:ext cx="1445921" cy="267626"/>
+            <a:ext cx="1507268" cy="267626"/>
           </a:xfrm>
           <a:prstGeom prst="flowChartProcess">
             <a:avLst/>
@@ -6083,7 +6011,7 @@
           <a:p>
             <a:pPr algn="ctr"/>
             <a:r>
-              <a:rPr lang="en-GB" sz="1600" kern="0" dirty="0" smtClean="0">
+              <a:rPr lang="en-US" sz="1600" kern="0" dirty="0" smtClean="0">
                 <a:solidFill>
                   <a:srgbClr val="000000"/>
                 </a:solidFill>
@@ -6093,14 +6021,24 @@
               <a:t>Cube </a:t>
             </a:r>
             <a:r>
-              <a:rPr lang="en-GB" sz="1600" kern="0" dirty="0" err="1" smtClean="0">
+              <a:rPr lang="en-US" sz="1600" kern="0" dirty="0" smtClean="0">
                 <a:solidFill>
                   <a:srgbClr val="000000"/>
                 </a:solidFill>
                 <a:cs typeface="Arial"/>
                 <a:sym typeface="Arial"/>
               </a:rPr>
-              <a:t>Visualizer</a:t>
+              <a:t>Browser</a:t>
+            </a:r>
+            <a:r>
+              <a:rPr lang="el-GR" sz="1600" kern="0" dirty="0" smtClean="0">
+                <a:solidFill>
+                  <a:srgbClr val="000000"/>
+                </a:solidFill>
+                <a:cs typeface="Arial"/>
+                <a:sym typeface="Arial"/>
+              </a:rPr>
+              <a:t> 2</a:t>
             </a:r>
             <a:endParaRPr lang="el-GR" sz="1600" kern="0" dirty="0" smtClean="0">
               <a:solidFill>
@@ -6150,9 +6088,19 @@
                 <a:cs typeface="Arial"/>
                 <a:sym typeface="Arial"/>
               </a:rPr>
-              <a:t>OLAP Browser</a:t>
-            </a:r>
-            <a:endParaRPr lang="el-GR" sz="1600" kern="0" dirty="0" err="1" smtClean="0">
+              <a:t>Cube Browser</a:t>
+            </a:r>
+            <a:r>
+              <a:rPr lang="el-GR" sz="1600" kern="0" dirty="0" smtClean="0">
+                <a:solidFill>
+                  <a:srgbClr val="000000"/>
+                </a:solidFill>
+                <a:cs typeface="Arial"/>
+                <a:sym typeface="Arial"/>
+              </a:rPr>
+              <a:t> 1</a:t>
+            </a:r>
+            <a:endParaRPr lang="el-GR" sz="1600" kern="0" dirty="0" smtClean="0">
               <a:solidFill>
                 <a:srgbClr val="000000"/>
               </a:solidFill>
@@ -6311,16 +6259,26 @@
               </a:spcAft>
             </a:pPr>
             <a:r>
-              <a:rPr lang="en-GB" sz="1600" kern="0" dirty="0" smtClean="0">
+              <a:rPr lang="en-GB" sz="1600" b="1" kern="0" dirty="0" smtClean="0">
                 <a:solidFill>
                   <a:srgbClr val="000000"/>
                 </a:solidFill>
                 <a:cs typeface="Arial"/>
                 <a:sym typeface="Arial"/>
               </a:rPr>
-              <a:t>Data access</a:t>
-            </a:r>
-            <a:endParaRPr lang="en-US" sz="1600" kern="0" dirty="0" smtClean="0">
+              <a:t>Data </a:t>
+            </a:r>
+            <a:r>
+              <a:rPr lang="en-GB" sz="1600" b="1" kern="0" dirty="0" smtClean="0">
+                <a:solidFill>
+                  <a:srgbClr val="000000"/>
+                </a:solidFill>
+                <a:cs typeface="Arial"/>
+                <a:sym typeface="Arial"/>
+              </a:rPr>
+              <a:t>access 1</a:t>
+            </a:r>
+            <a:endParaRPr lang="en-US" sz="1600" b="1" kern="0" dirty="0" smtClean="0">
               <a:solidFill>
                 <a:srgbClr val="000000"/>
               </a:solidFill>
@@ -6338,7 +6296,7 @@
         </p:nvSpPr>
         <p:spPr>
           <a:xfrm rot="10800000">
-            <a:off x="2571185" y="3571979"/>
+            <a:off x="2571185" y="3356992"/>
             <a:ext cx="378177" cy="349386"/>
           </a:xfrm>
           <a:prstGeom prst="downArrow">
@@ -6517,16 +6475,26 @@
               </a:spcAft>
             </a:pPr>
             <a:r>
-              <a:rPr lang="en-GB" sz="1600" kern="0" dirty="0" smtClean="0">
+              <a:rPr lang="en-GB" sz="1600" b="1" kern="0" dirty="0" smtClean="0">
                 <a:solidFill>
                   <a:srgbClr val="000000"/>
                 </a:solidFill>
                 <a:cs typeface="Arial"/>
                 <a:sym typeface="Arial"/>
               </a:rPr>
-              <a:t>Data access</a:t>
-            </a:r>
-            <a:endParaRPr lang="en-US" sz="1600" kern="0" dirty="0" smtClean="0">
+              <a:t>Data </a:t>
+            </a:r>
+            <a:r>
+              <a:rPr lang="en-GB" sz="1600" b="1" kern="0" dirty="0" smtClean="0">
+                <a:solidFill>
+                  <a:srgbClr val="000000"/>
+                </a:solidFill>
+                <a:cs typeface="Arial"/>
+                <a:sym typeface="Arial"/>
+              </a:rPr>
+              <a:t>access 2</a:t>
+            </a:r>
+            <a:endParaRPr lang="en-US" sz="1600" b="1" kern="0" dirty="0" smtClean="0">
               <a:solidFill>
                 <a:srgbClr val="000000"/>
               </a:solidFill>
@@ -6611,14 +6579,34 @@
           <a:p>
             <a:pPr algn="ctr"/>
             <a:r>
-              <a:rPr lang="en-GB" sz="1600" kern="0" dirty="0" smtClean="0">
+              <a:rPr lang="en-US" sz="1600" kern="0" dirty="0" smtClean="0">
                 <a:solidFill>
                   <a:srgbClr val="000000"/>
                 </a:solidFill>
                 <a:cs typeface="Arial"/>
                 <a:sym typeface="Arial"/>
               </a:rPr>
-              <a:t>Data Cube Explorer</a:t>
+              <a:t>Cube </a:t>
+            </a:r>
+            <a:r>
+              <a:rPr lang="en-US" sz="1600" kern="0" dirty="0" smtClean="0">
+                <a:solidFill>
+                  <a:srgbClr val="000000"/>
+                </a:solidFill>
+                <a:cs typeface="Arial"/>
+                <a:sym typeface="Arial"/>
+              </a:rPr>
+              <a:t>Browser</a:t>
+            </a:r>
+            <a:r>
+              <a:rPr lang="el-GR" sz="1600" kern="0" dirty="0" smtClean="0">
+                <a:solidFill>
+                  <a:srgbClr val="000000"/>
+                </a:solidFill>
+                <a:cs typeface="Arial"/>
+                <a:sym typeface="Arial"/>
+              </a:rPr>
+              <a:t> 3</a:t>
             </a:r>
             <a:endParaRPr lang="el-GR" sz="1600" kern="0" dirty="0" smtClean="0">
               <a:solidFill>
@@ -6779,16 +6767,36 @@
               </a:spcAft>
             </a:pPr>
             <a:r>
-              <a:rPr lang="en-GB" sz="1600" kern="0" dirty="0" smtClean="0">
+              <a:rPr lang="en-GB" sz="1600" b="1" kern="0" dirty="0" smtClean="0">
                 <a:solidFill>
                   <a:srgbClr val="000000"/>
                 </a:solidFill>
                 <a:cs typeface="Arial"/>
                 <a:sym typeface="Arial"/>
               </a:rPr>
-              <a:t>Data access</a:t>
-            </a:r>
-            <a:endParaRPr lang="en-US" sz="1600" kern="0" dirty="0" smtClean="0">
+              <a:t>Data </a:t>
+            </a:r>
+            <a:r>
+              <a:rPr lang="en-GB" sz="1600" b="1" kern="0" dirty="0" smtClean="0">
+                <a:solidFill>
+                  <a:srgbClr val="000000"/>
+                </a:solidFill>
+                <a:cs typeface="Arial"/>
+                <a:sym typeface="Arial"/>
+              </a:rPr>
+              <a:t>access</a:t>
+            </a:r>
+            <a:r>
+              <a:rPr lang="el-GR" sz="1600" b="1" kern="0" dirty="0" smtClean="0">
+                <a:solidFill>
+                  <a:srgbClr val="000000"/>
+                </a:solidFill>
+                <a:cs typeface="Arial"/>
+                <a:sym typeface="Arial"/>
+              </a:rPr>
+              <a:t> 3</a:t>
+            </a:r>
+            <a:endParaRPr lang="en-US" sz="1600" b="1" kern="0" dirty="0" smtClean="0">
               <a:solidFill>
                 <a:srgbClr val="000000"/>
               </a:solidFill>
@@ -6806,7 +6814,7 @@
         </p:nvSpPr>
         <p:spPr>
           <a:xfrm rot="10800000">
-            <a:off x="4390691" y="3579100"/>
+            <a:off x="4390691" y="3364113"/>
             <a:ext cx="378177" cy="349386"/>
           </a:xfrm>
           <a:prstGeom prst="downArrow">
@@ -6844,7 +6852,7 @@
         </p:nvSpPr>
         <p:spPr>
           <a:xfrm rot="10800000">
-            <a:off x="6229282" y="3572452"/>
+            <a:off x="6229282" y="3357465"/>
             <a:ext cx="378177" cy="349386"/>
           </a:xfrm>
           <a:prstGeom prst="downArrow">
@@ -6882,7 +6890,7 @@
         </p:nvGrpSpPr>
         <p:grpSpPr>
           <a:xfrm>
-            <a:off x="4015842" y="4022569"/>
+            <a:off x="4015842" y="3807582"/>
             <a:ext cx="1146958" cy="918856"/>
             <a:chOff x="7536926" y="2723330"/>
             <a:chExt cx="1146958" cy="918856"/>
@@ -7008,7 +7016,7 @@
         </p:nvGrpSpPr>
         <p:grpSpPr>
           <a:xfrm>
-            <a:off x="2186794" y="4019165"/>
+            <a:off x="2186794" y="3804178"/>
             <a:ext cx="1146958" cy="918856"/>
             <a:chOff x="7536926" y="2723330"/>
             <a:chExt cx="1146958" cy="918856"/>
@@ -7048,10 +7056,10 @@
           </p:nvGrpSpPr>
           <p:grpSpPr>
             <a:xfrm>
-              <a:off x="7536926" y="3074839"/>
-              <a:ext cx="1146958" cy="260302"/>
-              <a:chOff x="2181750" y="5194300"/>
-              <a:chExt cx="1721178" cy="349205"/>
+              <a:off x="7536926" y="3069268"/>
+              <a:ext cx="1146958" cy="253273"/>
+              <a:chOff x="2181750" y="5186821"/>
+              <a:chExt cx="1721178" cy="339775"/>
             </a:xfrm>
           </p:grpSpPr>
           <p:pic>
@@ -7086,8 +7094,8 @@
             </p:nvSpPr>
             <p:spPr>
               <a:xfrm>
-                <a:off x="2531328" y="5203729"/>
-                <a:ext cx="1371600" cy="339776"/>
+                <a:off x="2531329" y="5186821"/>
+                <a:ext cx="1371599" cy="339775"/>
               </a:xfrm>
               <a:prstGeom prst="rect">
                 <a:avLst/>
@@ -7134,7 +7142,7 @@
         </p:nvGrpSpPr>
         <p:grpSpPr>
           <a:xfrm>
-            <a:off x="5835561" y="4027673"/>
+            <a:off x="5835561" y="3812686"/>
             <a:ext cx="1146958" cy="918856"/>
             <a:chOff x="7536926" y="2723330"/>
             <a:chExt cx="1146958" cy="918856"/>
@@ -7260,7 +7268,7 @@
         </p:nvSpPr>
         <p:spPr>
           <a:xfrm>
-            <a:off x="2441350" y="4936110"/>
+            <a:off x="2441350" y="4587043"/>
             <a:ext cx="668645" cy="276999"/>
           </a:xfrm>
           <a:prstGeom prst="rect">
@@ -7289,7 +7297,7 @@
         </p:nvSpPr>
         <p:spPr>
           <a:xfrm>
-            <a:off x="4289172" y="4930195"/>
+            <a:off x="4289172" y="4581128"/>
             <a:ext cx="668645" cy="276999"/>
           </a:xfrm>
           <a:prstGeom prst="rect">
@@ -7318,7 +7326,7 @@
         </p:nvSpPr>
         <p:spPr>
           <a:xfrm>
-            <a:off x="6108891" y="4930195"/>
+            <a:off x="6108891" y="4581128"/>
             <a:ext cx="668645" cy="276999"/>
           </a:xfrm>
           <a:prstGeom prst="rect">
@@ -7339,23 +7347,319 @@
           </a:p>
         </p:txBody>
       </p:sp>
+      <p:sp>
+        <p:nvSpPr>
+          <p:cNvPr id="42" name="39 - Ορθογώνιο"/>
+          <p:cNvSpPr/>
+          <p:nvPr/>
+        </p:nvSpPr>
+        <p:spPr>
+          <a:xfrm>
+            <a:off x="1835696" y="2780928"/>
+            <a:ext cx="5616624" cy="576064"/>
+          </a:xfrm>
+          <a:prstGeom prst="rect">
+            <a:avLst/>
+          </a:prstGeom>
+          <a:noFill/>
+          <a:ln w="19050">
+            <a:solidFill>
+              <a:schemeClr val="tx1">
+                <a:lumMod val="50000"/>
+                <a:lumOff val="50000"/>
+              </a:schemeClr>
+            </a:solidFill>
+            <a:prstDash val="dash"/>
+          </a:ln>
+          <a:effectLst/>
+        </p:spPr>
+        <p:style>
+          <a:lnRef idx="1">
+            <a:schemeClr val="accent3"/>
+          </a:lnRef>
+          <a:fillRef idx="2">
+            <a:schemeClr val="accent3"/>
+          </a:fillRef>
+          <a:effectRef idx="1">
+            <a:schemeClr val="accent3"/>
+          </a:effectRef>
+          <a:fontRef idx="minor">
+            <a:schemeClr val="dk1"/>
+          </a:fontRef>
+        </p:style>
+        <p:txBody>
+          <a:bodyPr rtlCol="0" anchor="ctr"/>
+          <a:lstStyle/>
+          <a:p>
+            <a:pPr algn="ctr"/>
+            <a:endParaRPr lang="el-GR" sz="1200"/>
+          </a:p>
+        </p:txBody>
+      </p:sp>
+      <p:sp>
+        <p:nvSpPr>
+          <p:cNvPr id="43" name="42 - TextBox"/>
+          <p:cNvSpPr txBox="1"/>
+          <p:nvPr/>
+        </p:nvSpPr>
+        <p:spPr>
+          <a:xfrm>
+            <a:off x="7740352" y="2204864"/>
+            <a:ext cx="1656184" cy="1169551"/>
+          </a:xfrm>
+          <a:prstGeom prst="rect">
+            <a:avLst/>
+          </a:prstGeom>
+          <a:solidFill>
+            <a:srgbClr val="FFC000"/>
+          </a:solidFill>
+        </p:spPr>
+        <p:txBody>
+          <a:bodyPr wrap="square" rtlCol="0">
+            <a:spAutoFit/>
+          </a:bodyPr>
+          <a:lstStyle/>
+          <a:p>
+            <a:r>
+              <a:rPr lang="en-US" sz="1400" dirty="0" smtClean="0"/>
+              <a:t>- The same app needs different data access layers </a:t>
+            </a:r>
+          </a:p>
+          <a:p>
+            <a:r>
+              <a:rPr lang="en-US" sz="1400" dirty="0" smtClean="0"/>
+              <a:t>- LOSD development skills required </a:t>
+            </a:r>
+            <a:endParaRPr lang="el-GR" sz="1400" dirty="0"/>
+          </a:p>
+        </p:txBody>
+      </p:sp>
+      <p:sp>
+        <p:nvSpPr>
+          <p:cNvPr id="45" name="37 - Βέλος προς τα κάτω"/>
+          <p:cNvSpPr/>
+          <p:nvPr/>
+        </p:nvSpPr>
+        <p:spPr>
+          <a:xfrm rot="16200000">
+            <a:off x="7500262" y="2972886"/>
+            <a:ext cx="216024" cy="264156"/>
+          </a:xfrm>
+          <a:prstGeom prst="downArrow">
+            <a:avLst/>
+          </a:prstGeom>
+        </p:spPr>
+        <p:style>
+          <a:lnRef idx="1">
+            <a:schemeClr val="accent3"/>
+          </a:lnRef>
+          <a:fillRef idx="2">
+            <a:schemeClr val="accent3"/>
+          </a:fillRef>
+          <a:effectRef idx="1">
+            <a:schemeClr val="accent3"/>
+          </a:effectRef>
+          <a:fontRef idx="minor">
+            <a:schemeClr val="dk1"/>
+          </a:fontRef>
+        </p:style>
+        <p:txBody>
+          <a:bodyPr rtlCol="0" anchor="ctr"/>
+          <a:lstStyle/>
+          <a:p>
+            <a:pPr algn="ctr"/>
+            <a:endParaRPr lang="el-GR"/>
+          </a:p>
+        </p:txBody>
+      </p:sp>
+      <p:sp>
+        <p:nvSpPr>
+          <p:cNvPr id="47" name="Shape 205"/>
+          <p:cNvSpPr/>
+          <p:nvPr/>
+        </p:nvSpPr>
+        <p:spPr>
+          <a:xfrm>
+            <a:off x="5580112" y="5229200"/>
+            <a:ext cx="1691249" cy="385906"/>
+          </a:xfrm>
+          <a:prstGeom prst="flowChartProcess">
+            <a:avLst/>
+          </a:prstGeom>
+          <a:solidFill>
+            <a:srgbClr val="E44690"/>
+          </a:solidFill>
+          <a:ln w="12700" cap="flat" cmpd="sng">
+            <a:solidFill>
+              <a:schemeClr val="tx1"/>
+            </a:solidFill>
+            <a:prstDash val="solid"/>
+            <a:round/>
+            <a:headEnd type="none" w="med" len="med"/>
+            <a:tailEnd type="none" w="med" len="med"/>
+          </a:ln>
+        </p:spPr>
+        <p:txBody>
+          <a:bodyPr lIns="91425" tIns="91425" rIns="91425" bIns="91425" anchor="ctr" anchorCtr="0">
+            <a:noAutofit/>
+          </a:bodyPr>
+          <a:lstStyle/>
+          <a:p>
+            <a:pPr algn="ctr"/>
+            <a:r>
+              <a:rPr lang="en-US" sz="1600" kern="0" dirty="0" smtClean="0">
+                <a:solidFill>
+                  <a:srgbClr val="000000"/>
+                </a:solidFill>
+                <a:cs typeface="Arial"/>
+                <a:sym typeface="Arial"/>
+              </a:rPr>
+              <a:t>Data publishing</a:t>
+            </a:r>
+            <a:endParaRPr lang="el-GR" sz="1600" kern="0" dirty="0" smtClean="0">
+              <a:solidFill>
+                <a:srgbClr val="000000"/>
+              </a:solidFill>
+              <a:cs typeface="Arial"/>
+              <a:sym typeface="Arial"/>
+            </a:endParaRPr>
+          </a:p>
+        </p:txBody>
+      </p:sp>
+      <p:sp>
+        <p:nvSpPr>
+          <p:cNvPr id="48" name="37 - Βέλος προς τα κάτω"/>
+          <p:cNvSpPr/>
+          <p:nvPr/>
+        </p:nvSpPr>
+        <p:spPr>
+          <a:xfrm rot="10800000">
+            <a:off x="6228185" y="4807805"/>
+            <a:ext cx="378177" cy="349386"/>
+          </a:xfrm>
+          <a:prstGeom prst="downArrow">
+            <a:avLst/>
+          </a:prstGeom>
+        </p:spPr>
+        <p:style>
+          <a:lnRef idx="1">
+            <a:schemeClr val="accent3"/>
+          </a:lnRef>
+          <a:fillRef idx="2">
+            <a:schemeClr val="accent3"/>
+          </a:fillRef>
+          <a:effectRef idx="1">
+            <a:schemeClr val="accent3"/>
+          </a:effectRef>
+          <a:fontRef idx="minor">
+            <a:schemeClr val="dk1"/>
+          </a:fontRef>
+        </p:style>
+        <p:txBody>
+          <a:bodyPr rtlCol="0" anchor="ctr"/>
+          <a:lstStyle/>
+          <a:p>
+            <a:pPr algn="ctr"/>
+            <a:endParaRPr lang="el-GR"/>
+          </a:p>
+        </p:txBody>
+      </p:sp>
+      <p:sp>
+        <p:nvSpPr>
+          <p:cNvPr id="49" name="39 - Ορθογώνιο"/>
+          <p:cNvSpPr/>
+          <p:nvPr/>
+        </p:nvSpPr>
+        <p:spPr>
+          <a:xfrm>
+            <a:off x="5508104" y="1556792"/>
+            <a:ext cx="1872208" cy="4176464"/>
+          </a:xfrm>
+          <a:prstGeom prst="rect">
+            <a:avLst/>
+          </a:prstGeom>
+          <a:noFill/>
+          <a:ln w="19050">
+            <a:solidFill>
+              <a:schemeClr val="tx1">
+                <a:lumMod val="50000"/>
+                <a:lumOff val="50000"/>
+              </a:schemeClr>
+            </a:solidFill>
+            <a:prstDash val="dash"/>
+          </a:ln>
+          <a:effectLst/>
+        </p:spPr>
+        <p:style>
+          <a:lnRef idx="1">
+            <a:schemeClr val="accent3"/>
+          </a:lnRef>
+          <a:fillRef idx="2">
+            <a:schemeClr val="accent3"/>
+          </a:fillRef>
+          <a:effectRef idx="1">
+            <a:schemeClr val="accent3"/>
+          </a:effectRef>
+          <a:fontRef idx="minor">
+            <a:schemeClr val="dk1"/>
+          </a:fontRef>
+        </p:style>
+        <p:txBody>
+          <a:bodyPr rtlCol="0" anchor="ctr"/>
+          <a:lstStyle/>
+          <a:p>
+            <a:pPr algn="ctr"/>
+            <a:endParaRPr lang="el-GR" sz="1200"/>
+          </a:p>
+        </p:txBody>
+      </p:sp>
+      <p:sp>
+        <p:nvSpPr>
+          <p:cNvPr id="50" name="49 - TextBox"/>
+          <p:cNvSpPr txBox="1"/>
+          <p:nvPr/>
+        </p:nvSpPr>
+        <p:spPr>
+          <a:xfrm>
+            <a:off x="5724128" y="5754742"/>
+            <a:ext cx="1656184" cy="338554"/>
+          </a:xfrm>
+          <a:prstGeom prst="rect">
+            <a:avLst/>
+          </a:prstGeom>
+          <a:noFill/>
+        </p:spPr>
+        <p:txBody>
+          <a:bodyPr wrap="square" rtlCol="0">
+            <a:spAutoFit/>
+          </a:bodyPr>
+          <a:lstStyle/>
+          <a:p>
+            <a:r>
+              <a:rPr lang="en-US" sz="1600" b="1" dirty="0" smtClean="0"/>
+              <a:t>LOSD platform</a:t>
+            </a:r>
+            <a:endParaRPr lang="el-GR" sz="1600" b="1" dirty="0"/>
+          </a:p>
+        </p:txBody>
+      </p:sp>
     </p:spTree>
     <p:extLst>
       <p:ext uri="{BB962C8B-B14F-4D97-AF65-F5344CB8AC3E}">
-        <p14:creationId xmlns:p14="http://schemas.microsoft.com/office/powerpoint/2010/main" val="855257497"/>
+        <p14:creationId xmlns:p14="http://schemas.microsoft.com/office/powerpoint/2010/main" xmlns="" val="855257497"/>
       </p:ext>
     </p:extLst>
   </p:cSld>
   <p:clrMapOvr>
     <a:masterClrMapping/>
   </p:clrMapOvr>
-  <mc:AlternateContent xmlns:mc="http://schemas.openxmlformats.org/markup-compatibility/2006" xmlns:p14="http://schemas.microsoft.com/office/powerpoint/2010/main">
-    <mc:Choice Requires="p14">
+  <mc:AlternateContent xmlns:mc="http://schemas.openxmlformats.org/markup-compatibility/2006">
+    <mc:Choice xmlns:p14="http://schemas.microsoft.com/office/powerpoint/2010/main" xmlns="" Requires="p14">
       <p:transition spd="med" p14:dur="700">
         <p:fade/>
       </p:transition>
     </mc:Choice>
-    <mc:Fallback xmlns="">
+    <mc:Fallback>
       <p:transition spd="med">
         <p:fade/>
       </p:transition>
@@ -7504,13 +7808,13 @@
   <p:clrMapOvr>
     <a:masterClrMapping/>
   </p:clrMapOvr>
-  <mc:AlternateContent xmlns:mc="http://schemas.openxmlformats.org/markup-compatibility/2006" xmlns:p14="http://schemas.microsoft.com/office/powerpoint/2010/main">
-    <mc:Choice Requires="p14">
+  <mc:AlternateContent xmlns:mc="http://schemas.openxmlformats.org/markup-compatibility/2006">
+    <mc:Choice xmlns:p14="http://schemas.microsoft.com/office/powerpoint/2010/main" xmlns="" Requires="p14">
       <p:transition spd="med" p14:dur="700">
         <p:fade/>
       </p:transition>
     </mc:Choice>
-    <mc:Fallback xmlns="">
+    <mc:Fallback>
       <p:transition spd="med">
         <p:fade/>
       </p:transition>
@@ -7805,13 +8109,13 @@
   <p:clrMapOvr>
     <a:masterClrMapping/>
   </p:clrMapOvr>
-  <mc:AlternateContent xmlns:mc="http://schemas.openxmlformats.org/markup-compatibility/2006" xmlns:p14="http://schemas.microsoft.com/office/powerpoint/2010/main">
-    <mc:Choice Requires="p14">
+  <mc:AlternateContent xmlns:mc="http://schemas.openxmlformats.org/markup-compatibility/2006">
+    <mc:Choice xmlns:p14="http://schemas.microsoft.com/office/powerpoint/2010/main" xmlns="" Requires="p14">
       <p:transition spd="med" p14:dur="700">
         <p:fade/>
       </p:transition>
     </mc:Choice>
-    <mc:Fallback xmlns="">
+    <mc:Fallback>
       <p:transition spd="med">
         <p:fade/>
       </p:transition>
@@ -8270,13 +8574,13 @@
   <p:clrMapOvr>
     <a:masterClrMapping/>
   </p:clrMapOvr>
-  <mc:AlternateContent xmlns:mc="http://schemas.openxmlformats.org/markup-compatibility/2006" xmlns:p14="http://schemas.microsoft.com/office/powerpoint/2010/main">
-    <mc:Choice Requires="p14">
+  <mc:AlternateContent xmlns:mc="http://schemas.openxmlformats.org/markup-compatibility/2006">
+    <mc:Choice xmlns:p14="http://schemas.microsoft.com/office/powerpoint/2010/main" xmlns="" Requires="p14">
       <p:transition spd="med" p14:dur="700">
         <p:fade/>
       </p:transition>
     </mc:Choice>
-    <mc:Fallback xmlns="">
+    <mc:Fallback>
       <p:transition spd="med">
         <p:fade/>
       </p:transition>
@@ -8491,13 +8795,13 @@
   <p:clrMapOvr>
     <a:masterClrMapping/>
   </p:clrMapOvr>
-  <mc:AlternateContent xmlns:mc="http://schemas.openxmlformats.org/markup-compatibility/2006" xmlns:p14="http://schemas.microsoft.com/office/powerpoint/2010/main">
-    <mc:Choice Requires="p14">
+  <mc:AlternateContent xmlns:mc="http://schemas.openxmlformats.org/markup-compatibility/2006">
+    <mc:Choice xmlns:p14="http://schemas.microsoft.com/office/powerpoint/2010/main" xmlns="" Requires="p14">
       <p:transition spd="med" p14:dur="700">
         <p:fade/>
       </p:transition>
     </mc:Choice>
-    <mc:Fallback xmlns="">
+    <mc:Fallback>
       <p:transition spd="med">
         <p:fade/>
       </p:transition>

--- a/images/paper_structure_v2(1).pptx
+++ b/images/paper_structure_v2(1).pptx
@@ -10,12 +10,13 @@
     <p:sldId id="275" r:id="rId4"/>
     <p:sldId id="259" r:id="rId5"/>
     <p:sldId id="280" r:id="rId6"/>
-    <p:sldId id="276" r:id="rId7"/>
-    <p:sldId id="262" r:id="rId8"/>
-    <p:sldId id="273" r:id="rId9"/>
-    <p:sldId id="278" r:id="rId10"/>
-    <p:sldId id="279" r:id="rId11"/>
-    <p:sldId id="270" r:id="rId12"/>
+    <p:sldId id="281" r:id="rId7"/>
+    <p:sldId id="276" r:id="rId8"/>
+    <p:sldId id="262" r:id="rId9"/>
+    <p:sldId id="273" r:id="rId10"/>
+    <p:sldId id="278" r:id="rId11"/>
+    <p:sldId id="279" r:id="rId12"/>
+    <p:sldId id="270" r:id="rId13"/>
   </p:sldIdLst>
   <p:sldSz cx="9144000" cy="6858000" type="screen4x3"/>
   <p:notesSz cx="6858000" cy="9144000"/>
@@ -116,7 +117,7 @@
   </p:defaultTextStyle>
   <p:extLst>
     <p:ext uri="{EFAFB233-063F-42B5-8137-9DF3F51BA10A}">
-      <p15:sldGuideLst xmlns:p15="http://schemas.microsoft.com/office/powerpoint/2012/main" xmlns="">
+      <p15:sldGuideLst xmlns="" xmlns:p15="http://schemas.microsoft.com/office/powerpoint/2012/main">
         <p15:guide id="1" orient="horz" pos="2160">
           <p15:clr>
             <a:srgbClr val="A4A3A4"/>
@@ -315,7 +316,7 @@
             <a:fld id="{2342CEA3-3058-4D43-AE35-B3DA76CB4003}" type="datetimeFigureOut">
               <a:rPr lang="el-GR" smtClean="0"/>
               <a:pPr/>
-              <a:t>28/7/2017</a:t>
+              <a:t>1/8/2017</a:t>
             </a:fld>
             <a:endParaRPr lang="el-GR"/>
           </a:p>
@@ -482,7 +483,7 @@
             <a:fld id="{2342CEA3-3058-4D43-AE35-B3DA76CB4003}" type="datetimeFigureOut">
               <a:rPr lang="el-GR" smtClean="0"/>
               <a:pPr/>
-              <a:t>28/7/2017</a:t>
+              <a:t>1/8/2017</a:t>
             </a:fld>
             <a:endParaRPr lang="el-GR"/>
           </a:p>
@@ -659,7 +660,7 @@
             <a:fld id="{2342CEA3-3058-4D43-AE35-B3DA76CB4003}" type="datetimeFigureOut">
               <a:rPr lang="el-GR" smtClean="0"/>
               <a:pPr/>
-              <a:t>28/7/2017</a:t>
+              <a:t>1/8/2017</a:t>
             </a:fld>
             <a:endParaRPr lang="el-GR"/>
           </a:p>
@@ -862,7 +863,7 @@
     </p:spTree>
     <p:extLst>
       <p:ext uri="{BB962C8B-B14F-4D97-AF65-F5344CB8AC3E}">
-        <p14:creationId xmlns:p14="http://schemas.microsoft.com/office/powerpoint/2010/main" xmlns="" val="1818076121"/>
+        <p14:creationId xmlns="" xmlns:p14="http://schemas.microsoft.com/office/powerpoint/2010/main" val="1818076121"/>
       </p:ext>
     </p:extLst>
   </p:cSld>
@@ -870,7 +871,7 @@
     <a:masterClrMapping/>
   </p:clrMapOvr>
   <mc:AlternateContent xmlns:mc="http://schemas.openxmlformats.org/markup-compatibility/2006">
-    <mc:Choice xmlns:p14="http://schemas.microsoft.com/office/powerpoint/2010/main" xmlns="" Requires="p14">
+    <mc:Choice xmlns="" xmlns:p14="http://schemas.microsoft.com/office/powerpoint/2010/main" Requires="p14">
       <p:transition spd="med" p14:dur="700">
         <p:fade/>
       </p:transition>
@@ -1258,7 +1259,7 @@
     </p:spTree>
     <p:extLst>
       <p:ext uri="{BB962C8B-B14F-4D97-AF65-F5344CB8AC3E}">
-        <p14:creationId xmlns:p14="http://schemas.microsoft.com/office/powerpoint/2010/main" xmlns="" val="2510624659"/>
+        <p14:creationId xmlns="" xmlns:p14="http://schemas.microsoft.com/office/powerpoint/2010/main" val="2510624659"/>
       </p:ext>
     </p:extLst>
   </p:cSld>
@@ -1266,7 +1267,7 @@
     <a:masterClrMapping/>
   </p:clrMapOvr>
   <mc:AlternateContent xmlns:mc="http://schemas.openxmlformats.org/markup-compatibility/2006">
-    <mc:Choice xmlns:p14="http://schemas.microsoft.com/office/powerpoint/2010/main" xmlns="" Requires="p14">
+    <mc:Choice xmlns="" xmlns:p14="http://schemas.microsoft.com/office/powerpoint/2010/main" Requires="p14">
       <p:transition spd="med" p14:dur="700">
         <p:fade/>
       </p:transition>
@@ -1397,7 +1398,7 @@
             <a:fld id="{2342CEA3-3058-4D43-AE35-B3DA76CB4003}" type="datetimeFigureOut">
               <a:rPr lang="el-GR" smtClean="0"/>
               <a:pPr/>
-              <a:t>28/7/2017</a:t>
+              <a:t>1/8/2017</a:t>
             </a:fld>
             <a:endParaRPr lang="el-GR"/>
           </a:p>
@@ -1640,7 +1641,7 @@
             <a:fld id="{2342CEA3-3058-4D43-AE35-B3DA76CB4003}" type="datetimeFigureOut">
               <a:rPr lang="el-GR" smtClean="0"/>
               <a:pPr/>
-              <a:t>28/7/2017</a:t>
+              <a:t>1/8/2017</a:t>
             </a:fld>
             <a:endParaRPr lang="el-GR"/>
           </a:p>
@@ -1925,7 +1926,7 @@
             <a:fld id="{2342CEA3-3058-4D43-AE35-B3DA76CB4003}" type="datetimeFigureOut">
               <a:rPr lang="el-GR" smtClean="0"/>
               <a:pPr/>
-              <a:t>28/7/2017</a:t>
+              <a:t>1/8/2017</a:t>
             </a:fld>
             <a:endParaRPr lang="el-GR"/>
           </a:p>
@@ -2344,7 +2345,7 @@
             <a:fld id="{2342CEA3-3058-4D43-AE35-B3DA76CB4003}" type="datetimeFigureOut">
               <a:rPr lang="el-GR" smtClean="0"/>
               <a:pPr/>
-              <a:t>28/7/2017</a:t>
+              <a:t>1/8/2017</a:t>
             </a:fld>
             <a:endParaRPr lang="el-GR"/>
           </a:p>
@@ -2459,7 +2460,7 @@
             <a:fld id="{2342CEA3-3058-4D43-AE35-B3DA76CB4003}" type="datetimeFigureOut">
               <a:rPr lang="el-GR" smtClean="0"/>
               <a:pPr/>
-              <a:t>28/7/2017</a:t>
+              <a:t>1/8/2017</a:t>
             </a:fld>
             <a:endParaRPr lang="el-GR"/>
           </a:p>
@@ -2551,7 +2552,7 @@
             <a:fld id="{2342CEA3-3058-4D43-AE35-B3DA76CB4003}" type="datetimeFigureOut">
               <a:rPr lang="el-GR" smtClean="0"/>
               <a:pPr/>
-              <a:t>28/7/2017</a:t>
+              <a:t>1/8/2017</a:t>
             </a:fld>
             <a:endParaRPr lang="el-GR"/>
           </a:p>
@@ -2825,7 +2826,7 @@
             <a:fld id="{2342CEA3-3058-4D43-AE35-B3DA76CB4003}" type="datetimeFigureOut">
               <a:rPr lang="el-GR" smtClean="0"/>
               <a:pPr/>
-              <a:t>28/7/2017</a:t>
+              <a:t>1/8/2017</a:t>
             </a:fld>
             <a:endParaRPr lang="el-GR"/>
           </a:p>
@@ -3075,7 +3076,7 @@
             <a:fld id="{2342CEA3-3058-4D43-AE35-B3DA76CB4003}" type="datetimeFigureOut">
               <a:rPr lang="el-GR" smtClean="0"/>
               <a:pPr/>
-              <a:t>28/7/2017</a:t>
+              <a:t>1/8/2017</a:t>
             </a:fld>
             <a:endParaRPr lang="el-GR"/>
           </a:p>
@@ -3285,7 +3286,7 @@
             <a:fld id="{2342CEA3-3058-4D43-AE35-B3DA76CB4003}" type="datetimeFigureOut">
               <a:rPr lang="el-GR" smtClean="0"/>
               <a:pPr/>
-              <a:t>28/7/2017</a:t>
+              <a:t>1/8/2017</a:t>
             </a:fld>
             <a:endParaRPr lang="el-GR"/>
           </a:p>
@@ -3744,14 +3745,152 @@
         </p:nvSpPr>
         <p:spPr/>
         <p:txBody>
-          <a:bodyPr/>
-          <a:lstStyle/>
-          <a:p>
-            <a:r>
-              <a:rPr lang="en-US" dirty="0" smtClean="0"/>
-              <a:t>???</a:t>
-            </a:r>
-            <a:endParaRPr lang="el-GR" dirty="0"/>
+          <a:bodyPr>
+            <a:normAutofit fontScale="85000" lnSpcReduction="20000"/>
+          </a:bodyPr>
+          <a:lstStyle/>
+          <a:p>
+            <a:pPr>
+              <a:buNone/>
+            </a:pPr>
+            <a:r>
+              <a:rPr lang="en-US" sz="2400" dirty="0" smtClean="0"/>
+              <a:t>{ "observations": [ </a:t>
+            </a:r>
+          </a:p>
+          <a:p>
+            <a:pPr>
+              <a:buNone/>
+            </a:pPr>
+            <a:r>
+              <a:rPr lang="en-US" sz="2400" dirty="0" smtClean="0"/>
+              <a:t>	{ "Average Cost": "1182", </a:t>
+            </a:r>
+          </a:p>
+          <a:p>
+            <a:pPr>
+              <a:buNone/>
+            </a:pPr>
+            <a:r>
+              <a:rPr lang="en-US" sz="2400" dirty="0" smtClean="0"/>
+              <a:t>   	  "Date": "1-1-2013", </a:t>
+            </a:r>
+          </a:p>
+          <a:p>
+            <a:pPr>
+              <a:buNone/>
+            </a:pPr>
+            <a:r>
+              <a:rPr lang="en-US" sz="2400" dirty="0" smtClean="0"/>
+              <a:t>	  "Day": "Tuesday", </a:t>
+            </a:r>
+          </a:p>
+          <a:p>
+            <a:pPr>
+              <a:buNone/>
+            </a:pPr>
+            <a:r>
+              <a:rPr lang="en-US" sz="2400" dirty="0" smtClean="0"/>
+              <a:t>	  "Number of crashes": "5",</a:t>
+            </a:r>
+          </a:p>
+          <a:p>
+            <a:pPr>
+              <a:buNone/>
+            </a:pPr>
+            <a:r>
+              <a:rPr lang="en-US" sz="2400" dirty="0" smtClean="0"/>
+              <a:t>	  "Time": "No available time",</a:t>
+            </a:r>
+          </a:p>
+          <a:p>
+            <a:pPr>
+              <a:buNone/>
+            </a:pPr>
+            <a:r>
+              <a:rPr lang="en-US" sz="2400" dirty="0" smtClean="0"/>
+              <a:t>	   "Total Cost": "5908", </a:t>
+            </a:r>
+            <a:br>
+              <a:rPr lang="en-US" sz="2400" dirty="0" smtClean="0"/>
+            </a:br>
+            <a:r>
+              <a:rPr lang="en-US" sz="2400" dirty="0" smtClean="0"/>
+              <a:t>   "@id": http://id.mkm.ee/observation/1" }, </a:t>
+            </a:r>
+          </a:p>
+          <a:p>
+            <a:pPr>
+              <a:buNone/>
+            </a:pPr>
+            <a:r>
+              <a:rPr lang="en-US" sz="2400" dirty="0" smtClean="0"/>
+              <a:t>	{ "Average Cost": "400",</a:t>
+            </a:r>
+          </a:p>
+          <a:p>
+            <a:pPr>
+              <a:buNone/>
+            </a:pPr>
+            <a:r>
+              <a:rPr lang="en-US" sz="2400" dirty="0" smtClean="0"/>
+              <a:t>	  "Date": "1-1-2013",</a:t>
+            </a:r>
+          </a:p>
+          <a:p>
+            <a:pPr>
+              <a:buNone/>
+            </a:pPr>
+            <a:r>
+              <a:rPr lang="en-US" sz="2400" dirty="0" smtClean="0"/>
+              <a:t>	  "Day": "Tuesday",</a:t>
+            </a:r>
+          </a:p>
+          <a:p>
+            <a:pPr>
+              <a:buNone/>
+            </a:pPr>
+            <a:r>
+              <a:rPr lang="en-US" sz="2400" dirty="0" smtClean="0"/>
+              <a:t>	  "Number of crashes": "1",</a:t>
+            </a:r>
+          </a:p>
+          <a:p>
+            <a:pPr>
+              <a:buNone/>
+            </a:pPr>
+            <a:r>
+              <a:rPr lang="en-US" sz="2400" dirty="0" smtClean="0"/>
+              <a:t>	  "Time": "24:00",</a:t>
+            </a:r>
+          </a:p>
+          <a:p>
+            <a:pPr>
+              <a:buNone/>
+            </a:pPr>
+            <a:r>
+              <a:rPr lang="en-US" sz="2400" dirty="0" smtClean="0"/>
+              <a:t> 	  "Total Cost": "400",</a:t>
+            </a:r>
+          </a:p>
+          <a:p>
+            <a:pPr>
+              <a:buNone/>
+            </a:pPr>
+            <a:r>
+              <a:rPr lang="en-US" sz="2400" dirty="0" smtClean="0"/>
+              <a:t>	  "@id": "http://id.mkm.ee/observation/2" }</a:t>
+            </a:r>
+          </a:p>
+          <a:p>
+            <a:pPr>
+              <a:buNone/>
+            </a:pPr>
+            <a:r>
+              <a:rPr lang="en-US" sz="2400" dirty="0" smtClean="0"/>
+              <a:t>]}</a:t>
+            </a:r>
+            <a:endParaRPr lang="el-GR" sz="2400" dirty="0"/>
           </a:p>
         </p:txBody>
       </p:sp>
@@ -3772,7 +3911,7 @@
           <a:p>
             <a:r>
               <a:rPr lang="en-US" dirty="0" smtClean="0"/>
-              <a:t>6. Implementation</a:t>
+              <a:t>5.2 Output specification</a:t>
             </a:r>
             <a:endParaRPr lang="el-GR" dirty="0"/>
           </a:p>
@@ -3784,7 +3923,7 @@
     <a:masterClrMapping/>
   </p:clrMapOvr>
   <mc:AlternateContent xmlns:mc="http://schemas.openxmlformats.org/markup-compatibility/2006">
-    <mc:Choice xmlns:p14="http://schemas.microsoft.com/office/powerpoint/2010/main" xmlns="" Requires="p14">
+    <mc:Choice xmlns="" xmlns:p14="http://schemas.microsoft.com/office/powerpoint/2010/main" Requires="p14">
       <p:transition spd="med" p14:dur="700">
         <p:fade/>
       </p:transition>
@@ -3832,11 +3971,8 @@
           <a:p>
             <a:r>
               <a:rPr lang="en-US" dirty="0" smtClean="0"/>
-              <a:t>++</a:t>
-            </a:r>
-            <a:endParaRPr lang="el-GR" sz="2400" dirty="0" smtClean="0"/>
-          </a:p>
-          <a:p>
+              <a:t>???</a:t>
+            </a:r>
             <a:endParaRPr lang="el-GR" dirty="0"/>
           </a:p>
         </p:txBody>
@@ -3858,7 +3994,7 @@
           <a:p>
             <a:r>
               <a:rPr lang="en-US" dirty="0" smtClean="0"/>
-              <a:t>7. Conclusion</a:t>
+              <a:t>6. Implementation</a:t>
             </a:r>
             <a:endParaRPr lang="el-GR" dirty="0"/>
           </a:p>
@@ -3870,7 +4006,93 @@
     <a:masterClrMapping/>
   </p:clrMapOvr>
   <mc:AlternateContent xmlns:mc="http://schemas.openxmlformats.org/markup-compatibility/2006">
-    <mc:Choice xmlns:p14="http://schemas.microsoft.com/office/powerpoint/2010/main" xmlns="" Requires="p14">
+    <mc:Choice xmlns="" xmlns:p14="http://schemas.microsoft.com/office/powerpoint/2010/main" Requires="p14">
+      <p:transition spd="med" p14:dur="700">
+        <p:fade/>
+      </p:transition>
+    </mc:Choice>
+    <mc:Fallback>
+      <p:transition spd="med">
+        <p:fade/>
+      </p:transition>
+    </mc:Fallback>
+  </mc:AlternateContent>
+</p:sld>
+</file>
+
+<file path=ppt/slides/slide12.xml><?xml version="1.0" encoding="utf-8"?>
+<p:sld xmlns:a="http://schemas.openxmlformats.org/drawingml/2006/main" xmlns:r="http://schemas.openxmlformats.org/officeDocument/2006/relationships" xmlns:p="http://schemas.openxmlformats.org/presentationml/2006/main">
+  <p:cSld>
+    <p:spTree>
+      <p:nvGrpSpPr>
+        <p:cNvPr id="1" name=""/>
+        <p:cNvGrpSpPr/>
+        <p:nvPr/>
+      </p:nvGrpSpPr>
+      <p:grpSpPr>
+        <a:xfrm>
+          <a:off x="0" y="0"/>
+          <a:ext cx="0" cy="0"/>
+          <a:chOff x="0" y="0"/>
+          <a:chExt cx="0" cy="0"/>
+        </a:xfrm>
+      </p:grpSpPr>
+      <p:sp>
+        <p:nvSpPr>
+          <p:cNvPr id="2" name="1 - Θέση περιεχομένου"/>
+          <p:cNvSpPr>
+            <a:spLocks noGrp="1"/>
+          </p:cNvSpPr>
+          <p:nvPr>
+            <p:ph idx="1"/>
+          </p:nvPr>
+        </p:nvSpPr>
+        <p:spPr/>
+        <p:txBody>
+          <a:bodyPr/>
+          <a:lstStyle/>
+          <a:p>
+            <a:r>
+              <a:rPr lang="en-US" dirty="0" smtClean="0"/>
+              <a:t>++</a:t>
+            </a:r>
+            <a:endParaRPr lang="el-GR" sz="2400" dirty="0" smtClean="0"/>
+          </a:p>
+          <a:p>
+            <a:endParaRPr lang="el-GR" dirty="0"/>
+          </a:p>
+        </p:txBody>
+      </p:sp>
+      <p:sp>
+        <p:nvSpPr>
+          <p:cNvPr id="3" name="2 - Τίτλος"/>
+          <p:cNvSpPr>
+            <a:spLocks noGrp="1"/>
+          </p:cNvSpPr>
+          <p:nvPr>
+            <p:ph type="title"/>
+          </p:nvPr>
+        </p:nvSpPr>
+        <p:spPr/>
+        <p:txBody>
+          <a:bodyPr/>
+          <a:lstStyle/>
+          <a:p>
+            <a:r>
+              <a:rPr lang="en-US" dirty="0" smtClean="0"/>
+              <a:t>7. Conclusion</a:t>
+            </a:r>
+            <a:endParaRPr lang="el-GR" dirty="0"/>
+          </a:p>
+        </p:txBody>
+      </p:sp>
+    </p:spTree>
+  </p:cSld>
+  <p:clrMapOvr>
+    <a:masterClrMapping/>
+  </p:clrMapOvr>
+  <mc:AlternateContent xmlns:mc="http://schemas.openxmlformats.org/markup-compatibility/2006">
+    <mc:Choice xmlns="" xmlns:p14="http://schemas.microsoft.com/office/powerpoint/2010/main" Requires="p14">
       <p:transition spd="med" p14:dur="700">
         <p:fade/>
       </p:transition>
@@ -5846,7 +6068,7 @@
     </p:spTree>
     <p:extLst>
       <p:ext uri="{BB962C8B-B14F-4D97-AF65-F5344CB8AC3E}">
-        <p14:creationId xmlns:p14="http://schemas.microsoft.com/office/powerpoint/2010/main" xmlns="" val="631353064"/>
+        <p14:creationId xmlns="" xmlns:p14="http://schemas.microsoft.com/office/powerpoint/2010/main" val="631353064"/>
       </p:ext>
     </p:extLst>
   </p:cSld>
@@ -5854,7 +6076,7 @@
     <a:masterClrMapping/>
   </p:clrMapOvr>
   <mc:AlternateContent xmlns:mc="http://schemas.openxmlformats.org/markup-compatibility/2006">
-    <mc:Choice xmlns:p14="http://schemas.microsoft.com/office/powerpoint/2010/main" xmlns="" Requires="p14">
+    <mc:Choice xmlns="" xmlns:p14="http://schemas.microsoft.com/office/powerpoint/2010/main" Requires="p14">
       <p:transition spd="med" p14:dur="700">
         <p:fade/>
       </p:transition>
@@ -6018,17 +6240,7 @@
                 <a:cs typeface="Arial"/>
                 <a:sym typeface="Arial"/>
               </a:rPr>
-              <a:t>Cube </a:t>
-            </a:r>
-            <a:r>
-              <a:rPr lang="en-US" sz="1600" kern="0" dirty="0" smtClean="0">
-                <a:solidFill>
-                  <a:srgbClr val="000000"/>
-                </a:solidFill>
-                <a:cs typeface="Arial"/>
-                <a:sym typeface="Arial"/>
-              </a:rPr>
-              <a:t>Browser</a:t>
+              <a:t>Cube Browser</a:t>
             </a:r>
             <a:r>
               <a:rPr lang="el-GR" sz="1600" kern="0" dirty="0" smtClean="0">
@@ -6040,13 +6252,6 @@
               </a:rPr>
               <a:t> 2</a:t>
             </a:r>
-            <a:endParaRPr lang="el-GR" sz="1600" kern="0" dirty="0" smtClean="0">
-              <a:solidFill>
-                <a:srgbClr val="000000"/>
-              </a:solidFill>
-              <a:cs typeface="Arial"/>
-              <a:sym typeface="Arial"/>
-            </a:endParaRPr>
           </a:p>
         </p:txBody>
       </p:sp>
@@ -6100,13 +6305,6 @@
               </a:rPr>
               <a:t> 1</a:t>
             </a:r>
-            <a:endParaRPr lang="el-GR" sz="1600" kern="0" dirty="0" smtClean="0">
-              <a:solidFill>
-                <a:srgbClr val="000000"/>
-              </a:solidFill>
-              <a:cs typeface="Arial"/>
-              <a:sym typeface="Arial"/>
-            </a:endParaRPr>
           </a:p>
         </p:txBody>
       </p:sp>
@@ -6266,17 +6464,7 @@
                 <a:cs typeface="Arial"/>
                 <a:sym typeface="Arial"/>
               </a:rPr>
-              <a:t>Data </a:t>
-            </a:r>
-            <a:r>
-              <a:rPr lang="en-GB" sz="1600" b="1" kern="0" dirty="0" smtClean="0">
-                <a:solidFill>
-                  <a:srgbClr val="000000"/>
-                </a:solidFill>
-                <a:cs typeface="Arial"/>
-                <a:sym typeface="Arial"/>
-              </a:rPr>
-              <a:t>access 1</a:t>
+              <a:t>Data access 1</a:t>
             </a:r>
             <a:endParaRPr lang="en-US" sz="1600" b="1" kern="0" dirty="0" smtClean="0">
               <a:solidFill>
@@ -6482,17 +6670,7 @@
                 <a:cs typeface="Arial"/>
                 <a:sym typeface="Arial"/>
               </a:rPr>
-              <a:t>Data </a:t>
-            </a:r>
-            <a:r>
-              <a:rPr lang="en-GB" sz="1600" b="1" kern="0" dirty="0" smtClean="0">
-                <a:solidFill>
-                  <a:srgbClr val="000000"/>
-                </a:solidFill>
-                <a:cs typeface="Arial"/>
-                <a:sym typeface="Arial"/>
-              </a:rPr>
-              <a:t>access 2</a:t>
+              <a:t>Data access 2</a:t>
             </a:r>
             <a:endParaRPr lang="en-US" sz="1600" b="1" kern="0" dirty="0" smtClean="0">
               <a:solidFill>
@@ -6586,17 +6764,7 @@
                 <a:cs typeface="Arial"/>
                 <a:sym typeface="Arial"/>
               </a:rPr>
-              <a:t>Cube </a:t>
-            </a:r>
-            <a:r>
-              <a:rPr lang="en-US" sz="1600" kern="0" dirty="0" smtClean="0">
-                <a:solidFill>
-                  <a:srgbClr val="000000"/>
-                </a:solidFill>
-                <a:cs typeface="Arial"/>
-                <a:sym typeface="Arial"/>
-              </a:rPr>
-              <a:t>Browser</a:t>
+              <a:t>Cube Browser</a:t>
             </a:r>
             <a:r>
               <a:rPr lang="el-GR" sz="1600" kern="0" dirty="0" smtClean="0">
@@ -6608,13 +6776,6 @@
               </a:rPr>
               <a:t> 3</a:t>
             </a:r>
-            <a:endParaRPr lang="el-GR" sz="1600" kern="0" dirty="0" smtClean="0">
-              <a:solidFill>
-                <a:srgbClr val="000000"/>
-              </a:solidFill>
-              <a:cs typeface="Arial"/>
-              <a:sym typeface="Arial"/>
-            </a:endParaRPr>
           </a:p>
         </p:txBody>
       </p:sp>
@@ -6774,17 +6935,7 @@
                 <a:cs typeface="Arial"/>
                 <a:sym typeface="Arial"/>
               </a:rPr>
-              <a:t>Data </a:t>
-            </a:r>
-            <a:r>
-              <a:rPr lang="en-GB" sz="1600" b="1" kern="0" dirty="0" smtClean="0">
-                <a:solidFill>
-                  <a:srgbClr val="000000"/>
-                </a:solidFill>
-                <a:cs typeface="Arial"/>
-                <a:sym typeface="Arial"/>
-              </a:rPr>
-              <a:t>access</a:t>
+              <a:t>Data access</a:t>
             </a:r>
             <a:r>
               <a:rPr lang="el-GR" sz="1600" b="1" kern="0" dirty="0" smtClean="0">
@@ -7646,7 +7797,7 @@
     </p:spTree>
     <p:extLst>
       <p:ext uri="{BB962C8B-B14F-4D97-AF65-F5344CB8AC3E}">
-        <p14:creationId xmlns:p14="http://schemas.microsoft.com/office/powerpoint/2010/main" xmlns="" val="855257497"/>
+        <p14:creationId xmlns="" xmlns:p14="http://schemas.microsoft.com/office/powerpoint/2010/main" val="855257497"/>
       </p:ext>
     </p:extLst>
   </p:cSld>
@@ -7654,7 +7805,7 @@
     <a:masterClrMapping/>
   </p:clrMapOvr>
   <mc:AlternateContent xmlns:mc="http://schemas.openxmlformats.org/markup-compatibility/2006">
-    <mc:Choice xmlns:p14="http://schemas.microsoft.com/office/powerpoint/2010/main" xmlns="" Requires="p14">
+    <mc:Choice xmlns="" xmlns:p14="http://schemas.microsoft.com/office/powerpoint/2010/main" Requires="p14">
       <p:transition spd="med" p14:dur="700">
         <p:fade/>
       </p:transition>
@@ -7687,129 +7838,1621 @@
       </p:grpSpPr>
       <p:sp>
         <p:nvSpPr>
-          <p:cNvPr id="2" name="1 - Θέση περιεχομένου"/>
-          <p:cNvSpPr>
-            <a:spLocks noGrp="1"/>
-          </p:cNvSpPr>
-          <p:nvPr>
-            <p:ph idx="1"/>
-          </p:nvPr>
-        </p:nvSpPr>
-        <p:spPr/>
-        <p:txBody>
-          <a:bodyPr>
-            <a:normAutofit fontScale="77500" lnSpcReduction="20000"/>
+          <p:cNvPr id="5" name="Shape 205"/>
+          <p:cNvSpPr/>
+          <p:nvPr/>
+        </p:nvSpPr>
+        <p:spPr>
+          <a:xfrm>
+            <a:off x="2357099" y="1619432"/>
+            <a:ext cx="1691249" cy="1610042"/>
+          </a:xfrm>
+          <a:prstGeom prst="flowChartProcess">
+            <a:avLst/>
+          </a:prstGeom>
+          <a:solidFill>
+            <a:srgbClr val="E44690"/>
+          </a:solidFill>
+          <a:ln w="12700" cap="flat" cmpd="sng">
+            <a:solidFill>
+              <a:schemeClr val="tx1"/>
+            </a:solidFill>
+            <a:prstDash val="solid"/>
+            <a:round/>
+            <a:headEnd type="none" w="med" len="med"/>
+            <a:tailEnd type="none" w="med" len="med"/>
+          </a:ln>
+        </p:spPr>
+        <p:txBody>
+          <a:bodyPr lIns="91425" tIns="91425" rIns="91425" bIns="91425" anchor="ctr" anchorCtr="0">
+            <a:noAutofit/>
           </a:bodyPr>
           <a:lstStyle/>
           <a:p>
-            <a:r>
-              <a:rPr lang="en-US" dirty="0" smtClean="0"/>
-              <a:t>need to know what datasets are available</a:t>
-            </a:r>
-            <a:endParaRPr lang="el-GR" dirty="0" smtClean="0"/>
-          </a:p>
-          <a:p>
-            <a:r>
-              <a:rPr lang="en-US" dirty="0" smtClean="0"/>
-              <a:t>need to know about structure to subset the observations</a:t>
-            </a:r>
-            <a:endParaRPr lang="el-GR" dirty="0" smtClean="0"/>
-          </a:p>
-          <a:p>
-            <a:r>
-              <a:rPr lang="en-US" dirty="0" smtClean="0"/>
-              <a:t>in order not to return everything, need to subset</a:t>
-            </a:r>
-          </a:p>
-          <a:p>
-            <a:r>
-              <a:rPr lang="en-US" dirty="0" smtClean="0"/>
-              <a:t>don't necessarily need a n-array/ tabular response - array of observations is sufficient</a:t>
-            </a:r>
-          </a:p>
-          <a:p>
-            <a:pPr lvl="1"/>
-            <a:r>
-              <a:rPr lang="en-US" dirty="0" smtClean="0"/>
-              <a:t>can always get back to the table</a:t>
-            </a:r>
-          </a:p>
-          <a:p>
-            <a:r>
-              <a:rPr lang="en-US" dirty="0" smtClean="0"/>
-              <a:t>Filtering</a:t>
-            </a:r>
-          </a:p>
-          <a:p>
-            <a:r>
-              <a:rPr lang="en-US" dirty="0" err="1" smtClean="0"/>
-              <a:t>Multilinguality</a:t>
-            </a:r>
-            <a:endParaRPr lang="en-US" dirty="0" smtClean="0"/>
-          </a:p>
-          <a:p>
-            <a:r>
-              <a:rPr lang="en-US" dirty="0" smtClean="0"/>
-              <a:t>Ordering &amp; paging</a:t>
-            </a:r>
-          </a:p>
-          <a:p>
-            <a:r>
-              <a:rPr lang="en-US" dirty="0" smtClean="0"/>
-              <a:t>merging, aggregations</a:t>
-            </a:r>
-          </a:p>
-          <a:p>
-            <a:r>
-              <a:rPr lang="en-US" dirty="0" err="1" smtClean="0"/>
-              <a:t>json</a:t>
-            </a:r>
-            <a:r>
-              <a:rPr lang="en-US" dirty="0" smtClean="0"/>
-              <a:t>-ld representation is sufficient for query and response format</a:t>
-            </a:r>
-          </a:p>
-          <a:p>
-            <a:r>
-              <a:rPr lang="en-US" sz="2800" dirty="0" smtClean="0"/>
-              <a:t>++</a:t>
-            </a:r>
-          </a:p>
-          <a:p>
-            <a:endParaRPr lang="el-GR" dirty="0"/>
-          </a:p>
-        </p:txBody>
-      </p:sp>
-      <p:sp>
-        <p:nvSpPr>
-          <p:cNvPr id="3" name="2 - Τίτλος"/>
-          <p:cNvSpPr>
-            <a:spLocks noGrp="1"/>
-          </p:cNvSpPr>
-          <p:nvPr>
-            <p:ph type="title"/>
-          </p:nvPr>
-        </p:nvSpPr>
-        <p:spPr/>
-        <p:txBody>
-          <a:bodyPr/>
-          <a:lstStyle/>
-          <a:p>
-            <a:r>
-              <a:rPr lang="en-US" dirty="0" smtClean="0"/>
-              <a:t>4. Requirements</a:t>
-            </a:r>
-            <a:endParaRPr lang="el-GR" dirty="0"/>
+            <a:pPr algn="ctr"/>
+            <a:endParaRPr lang="el-GR" sz="1600" kern="0" dirty="0" smtClean="0">
+              <a:solidFill>
+                <a:srgbClr val="000000"/>
+              </a:solidFill>
+              <a:cs typeface="Arial"/>
+              <a:sym typeface="Arial"/>
+            </a:endParaRPr>
+          </a:p>
+        </p:txBody>
+      </p:sp>
+      <p:sp>
+        <p:nvSpPr>
+          <p:cNvPr id="6" name="TextBox 22"/>
+          <p:cNvSpPr txBox="1"/>
+          <p:nvPr/>
+        </p:nvSpPr>
+        <p:spPr>
+          <a:xfrm>
+            <a:off x="539552" y="1608561"/>
+            <a:ext cx="1679996" cy="1620914"/>
+          </a:xfrm>
+          <a:prstGeom prst="rect">
+            <a:avLst/>
+          </a:prstGeom>
+          <a:solidFill>
+            <a:srgbClr val="E44690"/>
+          </a:solidFill>
+          <a:ln w="12700" cap="flat" cmpd="sng">
+            <a:solidFill>
+              <a:schemeClr val="tx1"/>
+            </a:solidFill>
+            <a:prstDash val="solid"/>
+            <a:round/>
+            <a:headEnd type="none" w="med" len="med"/>
+            <a:tailEnd type="none" w="med" len="med"/>
+          </a:ln>
+        </p:spPr>
+        <p:txBody>
+          <a:bodyPr lIns="91425" tIns="91425" rIns="91425" bIns="91425" anchor="ctr" anchorCtr="0">
+            <a:noAutofit/>
+          </a:bodyPr>
+          <a:lstStyle/>
+          <a:p>
+            <a:pPr algn="ctr"/>
+            <a:endParaRPr lang="el-GR" sz="1600" kern="0" dirty="0" smtClean="0">
+              <a:solidFill>
+                <a:srgbClr val="000000"/>
+              </a:solidFill>
+              <a:cs typeface="Arial"/>
+              <a:sym typeface="Arial"/>
+            </a:endParaRPr>
+          </a:p>
+        </p:txBody>
+      </p:sp>
+      <p:sp>
+        <p:nvSpPr>
+          <p:cNvPr id="8" name="Shape 205"/>
+          <p:cNvSpPr/>
+          <p:nvPr/>
+        </p:nvSpPr>
+        <p:spPr>
+          <a:xfrm>
+            <a:off x="2391702" y="1612552"/>
+            <a:ext cx="1579276" cy="267626"/>
+          </a:xfrm>
+          <a:prstGeom prst="flowChartProcess">
+            <a:avLst/>
+          </a:prstGeom>
+          <a:noFill/>
+          <a:ln w="12700" cap="flat" cmpd="sng">
+            <a:noFill/>
+            <a:prstDash val="solid"/>
+            <a:round/>
+            <a:headEnd type="none" w="med" len="med"/>
+            <a:tailEnd type="none" w="med" len="med"/>
+          </a:ln>
+        </p:spPr>
+        <p:txBody>
+          <a:bodyPr lIns="91425" tIns="91425" rIns="91425" bIns="91425" anchor="ctr" anchorCtr="0">
+            <a:noAutofit/>
+          </a:bodyPr>
+          <a:lstStyle/>
+          <a:p>
+            <a:pPr algn="ctr"/>
+            <a:r>
+              <a:rPr lang="en-US" sz="1600" kern="0" dirty="0" smtClean="0">
+                <a:solidFill>
+                  <a:srgbClr val="000000"/>
+                </a:solidFill>
+                <a:cs typeface="Arial"/>
+                <a:sym typeface="Arial"/>
+              </a:rPr>
+              <a:t>Cube </a:t>
+            </a:r>
+            <a:r>
+              <a:rPr lang="en-US" sz="1600" kern="0" dirty="0" smtClean="0">
+                <a:solidFill>
+                  <a:srgbClr val="000000"/>
+                </a:solidFill>
+                <a:cs typeface="Arial"/>
+                <a:sym typeface="Arial"/>
+              </a:rPr>
+              <a:t>Visualize 1</a:t>
+            </a:r>
+            <a:endParaRPr lang="el-GR" sz="1600" kern="0" dirty="0" smtClean="0">
+              <a:solidFill>
+                <a:srgbClr val="000000"/>
+              </a:solidFill>
+              <a:cs typeface="Arial"/>
+              <a:sym typeface="Arial"/>
+            </a:endParaRPr>
+          </a:p>
+        </p:txBody>
+      </p:sp>
+      <p:sp>
+        <p:nvSpPr>
+          <p:cNvPr id="9" name="24 - TextBox"/>
+          <p:cNvSpPr txBox="1"/>
+          <p:nvPr/>
+        </p:nvSpPr>
+        <p:spPr>
+          <a:xfrm>
+            <a:off x="558032" y="1556792"/>
+            <a:ext cx="1628064" cy="379149"/>
+          </a:xfrm>
+          <a:prstGeom prst="rect">
+            <a:avLst/>
+          </a:prstGeom>
+          <a:noFill/>
+          <a:ln w="12700" cap="flat" cmpd="sng">
+            <a:noFill/>
+            <a:prstDash val="solid"/>
+            <a:round/>
+            <a:headEnd type="none" w="med" len="med"/>
+            <a:tailEnd type="none" w="med" len="med"/>
+          </a:ln>
+        </p:spPr>
+        <p:txBody>
+          <a:bodyPr lIns="91425" tIns="91425" rIns="91425" bIns="91425" anchor="ctr" anchorCtr="0">
+            <a:noAutofit/>
+          </a:bodyPr>
+          <a:lstStyle/>
+          <a:p>
+            <a:pPr algn="ctr"/>
+            <a:r>
+              <a:rPr lang="en-US" sz="1600" kern="0" dirty="0" smtClean="0">
+                <a:solidFill>
+                  <a:srgbClr val="000000"/>
+                </a:solidFill>
+                <a:cs typeface="Arial"/>
+                <a:sym typeface="Arial"/>
+              </a:rPr>
+              <a:t>Cube Browser</a:t>
+            </a:r>
+            <a:r>
+              <a:rPr lang="el-GR" sz="1600" kern="0" dirty="0" smtClean="0">
+                <a:solidFill>
+                  <a:srgbClr val="000000"/>
+                </a:solidFill>
+                <a:cs typeface="Arial"/>
+                <a:sym typeface="Arial"/>
+              </a:rPr>
+              <a:t> 1</a:t>
+            </a:r>
+          </a:p>
+        </p:txBody>
+      </p:sp>
+      <p:sp>
+        <p:nvSpPr>
+          <p:cNvPr id="10" name="TextBox 22"/>
+          <p:cNvSpPr txBox="1"/>
+          <p:nvPr/>
+        </p:nvSpPr>
+        <p:spPr>
+          <a:xfrm>
+            <a:off x="655740" y="1969174"/>
+            <a:ext cx="1463447" cy="338554"/>
+          </a:xfrm>
+          <a:prstGeom prst="rect">
+            <a:avLst/>
+          </a:prstGeom>
+          <a:solidFill>
+            <a:schemeClr val="bg1">
+              <a:lumMod val="85000"/>
+            </a:schemeClr>
+          </a:solidFill>
+          <a:ln>
+            <a:solidFill>
+              <a:schemeClr val="tx1"/>
+            </a:solidFill>
+          </a:ln>
+        </p:spPr>
+        <p:txBody>
+          <a:bodyPr wrap="square" rtlCol="0" anchor="ctr">
+            <a:spAutoFit/>
+          </a:bodyPr>
+          <a:lstStyle/>
+          <a:p>
+            <a:pPr algn="ctr">
+              <a:spcAft>
+                <a:spcPts val="600"/>
+              </a:spcAft>
+            </a:pPr>
+            <a:r>
+              <a:rPr lang="en-GB" sz="1600" kern="0" dirty="0" smtClean="0">
+                <a:solidFill>
+                  <a:srgbClr val="000000"/>
+                </a:solidFill>
+                <a:cs typeface="Arial"/>
+                <a:sym typeface="Arial"/>
+              </a:rPr>
+              <a:t>UI</a:t>
+            </a:r>
+            <a:endParaRPr lang="en-US" sz="1600" kern="0" dirty="0" smtClean="0">
+              <a:solidFill>
+                <a:srgbClr val="000000"/>
+              </a:solidFill>
+              <a:cs typeface="Arial"/>
+              <a:sym typeface="Arial"/>
+            </a:endParaRPr>
+          </a:p>
+        </p:txBody>
+      </p:sp>
+      <p:sp>
+        <p:nvSpPr>
+          <p:cNvPr id="11" name="TextBox 22"/>
+          <p:cNvSpPr txBox="1"/>
+          <p:nvPr/>
+        </p:nvSpPr>
+        <p:spPr>
+          <a:xfrm>
+            <a:off x="663176" y="2366902"/>
+            <a:ext cx="1456012" cy="338554"/>
+          </a:xfrm>
+          <a:prstGeom prst="rect">
+            <a:avLst/>
+          </a:prstGeom>
+          <a:solidFill>
+            <a:schemeClr val="bg1">
+              <a:lumMod val="85000"/>
+            </a:schemeClr>
+          </a:solidFill>
+          <a:ln>
+            <a:solidFill>
+              <a:schemeClr val="tx1"/>
+            </a:solidFill>
+          </a:ln>
+        </p:spPr>
+        <p:txBody>
+          <a:bodyPr wrap="square" rtlCol="0" anchor="ctr">
+            <a:spAutoFit/>
+          </a:bodyPr>
+          <a:lstStyle/>
+          <a:p>
+            <a:pPr algn="ctr">
+              <a:spcAft>
+                <a:spcPts val="600"/>
+              </a:spcAft>
+            </a:pPr>
+            <a:r>
+              <a:rPr lang="en-GB" sz="1600" kern="0" dirty="0" smtClean="0">
+                <a:solidFill>
+                  <a:srgbClr val="000000"/>
+                </a:solidFill>
+                <a:cs typeface="Arial"/>
+                <a:sym typeface="Arial"/>
+              </a:rPr>
+              <a:t>Business logic</a:t>
+            </a:r>
+            <a:endParaRPr lang="en-US" sz="1600" kern="0" dirty="0" smtClean="0">
+              <a:solidFill>
+                <a:srgbClr val="000000"/>
+              </a:solidFill>
+              <a:cs typeface="Arial"/>
+              <a:sym typeface="Arial"/>
+            </a:endParaRPr>
+          </a:p>
+        </p:txBody>
+      </p:sp>
+      <p:sp>
+        <p:nvSpPr>
+          <p:cNvPr id="12" name="TextBox 22"/>
+          <p:cNvSpPr txBox="1"/>
+          <p:nvPr/>
+        </p:nvSpPr>
+        <p:spPr>
+          <a:xfrm>
+            <a:off x="659462" y="2786923"/>
+            <a:ext cx="1459726" cy="338554"/>
+          </a:xfrm>
+          <a:prstGeom prst="rect">
+            <a:avLst/>
+          </a:prstGeom>
+          <a:solidFill>
+            <a:schemeClr val="bg1">
+              <a:lumMod val="85000"/>
+            </a:schemeClr>
+          </a:solidFill>
+          <a:ln>
+            <a:solidFill>
+              <a:schemeClr val="tx1"/>
+            </a:solidFill>
+          </a:ln>
+        </p:spPr>
+        <p:txBody>
+          <a:bodyPr wrap="square" rtlCol="0" anchor="ctr">
+            <a:spAutoFit/>
+          </a:bodyPr>
+          <a:lstStyle/>
+          <a:p>
+            <a:pPr algn="ctr">
+              <a:spcAft>
+                <a:spcPts val="600"/>
+              </a:spcAft>
+            </a:pPr>
+            <a:r>
+              <a:rPr lang="en-GB" sz="1600" b="1" kern="0" dirty="0" smtClean="0">
+                <a:solidFill>
+                  <a:srgbClr val="000000"/>
+                </a:solidFill>
+                <a:cs typeface="Arial"/>
+                <a:sym typeface="Arial"/>
+              </a:rPr>
+              <a:t>Data access 1</a:t>
+            </a:r>
+            <a:endParaRPr lang="en-US" sz="1600" b="1" kern="0" dirty="0" smtClean="0">
+              <a:solidFill>
+                <a:srgbClr val="000000"/>
+              </a:solidFill>
+              <a:cs typeface="Arial"/>
+              <a:sym typeface="Arial"/>
+            </a:endParaRPr>
+          </a:p>
+        </p:txBody>
+      </p:sp>
+      <p:sp>
+        <p:nvSpPr>
+          <p:cNvPr id="13" name="37 - Βέλος προς τα κάτω"/>
+          <p:cNvSpPr/>
+          <p:nvPr/>
+        </p:nvSpPr>
+        <p:spPr>
+          <a:xfrm rot="10800000">
+            <a:off x="2076071" y="3362110"/>
+            <a:ext cx="378177" cy="349386"/>
+          </a:xfrm>
+          <a:prstGeom prst="downArrow">
+            <a:avLst/>
+          </a:prstGeom>
+        </p:spPr>
+        <p:style>
+          <a:lnRef idx="1">
+            <a:schemeClr val="accent3"/>
+          </a:lnRef>
+          <a:fillRef idx="2">
+            <a:schemeClr val="accent3"/>
+          </a:fillRef>
+          <a:effectRef idx="1">
+            <a:schemeClr val="accent3"/>
+          </a:effectRef>
+          <a:fontRef idx="minor">
+            <a:schemeClr val="dk1"/>
+          </a:fontRef>
+        </p:style>
+        <p:txBody>
+          <a:bodyPr rtlCol="0" anchor="ctr"/>
+          <a:lstStyle/>
+          <a:p>
+            <a:pPr algn="ctr"/>
+            <a:endParaRPr lang="el-GR"/>
+          </a:p>
+        </p:txBody>
+      </p:sp>
+      <p:sp>
+        <p:nvSpPr>
+          <p:cNvPr id="14" name="TextBox 22"/>
+          <p:cNvSpPr txBox="1"/>
+          <p:nvPr/>
+        </p:nvSpPr>
+        <p:spPr>
+          <a:xfrm>
+            <a:off x="2469639" y="1976611"/>
+            <a:ext cx="1463447" cy="338554"/>
+          </a:xfrm>
+          <a:prstGeom prst="rect">
+            <a:avLst/>
+          </a:prstGeom>
+          <a:solidFill>
+            <a:schemeClr val="bg1">
+              <a:lumMod val="85000"/>
+            </a:schemeClr>
+          </a:solidFill>
+          <a:ln>
+            <a:solidFill>
+              <a:schemeClr val="tx1"/>
+            </a:solidFill>
+          </a:ln>
+        </p:spPr>
+        <p:txBody>
+          <a:bodyPr wrap="square" rtlCol="0" anchor="ctr">
+            <a:spAutoFit/>
+          </a:bodyPr>
+          <a:lstStyle/>
+          <a:p>
+            <a:pPr algn="ctr">
+              <a:spcAft>
+                <a:spcPts val="600"/>
+              </a:spcAft>
+            </a:pPr>
+            <a:r>
+              <a:rPr lang="en-GB" sz="1600" kern="0" dirty="0" smtClean="0">
+                <a:solidFill>
+                  <a:srgbClr val="000000"/>
+                </a:solidFill>
+                <a:cs typeface="Arial"/>
+                <a:sym typeface="Arial"/>
+              </a:rPr>
+              <a:t>UI</a:t>
+            </a:r>
+            <a:endParaRPr lang="en-US" sz="1600" kern="0" dirty="0" smtClean="0">
+              <a:solidFill>
+                <a:srgbClr val="000000"/>
+              </a:solidFill>
+              <a:cs typeface="Arial"/>
+              <a:sym typeface="Arial"/>
+            </a:endParaRPr>
+          </a:p>
+        </p:txBody>
+      </p:sp>
+      <p:sp>
+        <p:nvSpPr>
+          <p:cNvPr id="15" name="TextBox 22"/>
+          <p:cNvSpPr txBox="1"/>
+          <p:nvPr/>
+        </p:nvSpPr>
+        <p:spPr>
+          <a:xfrm>
+            <a:off x="2477075" y="2374339"/>
+            <a:ext cx="1456012" cy="338554"/>
+          </a:xfrm>
+          <a:prstGeom prst="rect">
+            <a:avLst/>
+          </a:prstGeom>
+          <a:solidFill>
+            <a:schemeClr val="bg1">
+              <a:lumMod val="85000"/>
+            </a:schemeClr>
+          </a:solidFill>
+          <a:ln>
+            <a:solidFill>
+              <a:schemeClr val="tx1"/>
+            </a:solidFill>
+          </a:ln>
+        </p:spPr>
+        <p:txBody>
+          <a:bodyPr wrap="square" rtlCol="0" anchor="ctr">
+            <a:spAutoFit/>
+          </a:bodyPr>
+          <a:lstStyle/>
+          <a:p>
+            <a:pPr algn="ctr">
+              <a:spcAft>
+                <a:spcPts val="600"/>
+              </a:spcAft>
+            </a:pPr>
+            <a:r>
+              <a:rPr lang="en-GB" sz="1600" kern="0" dirty="0" smtClean="0">
+                <a:solidFill>
+                  <a:srgbClr val="000000"/>
+                </a:solidFill>
+                <a:cs typeface="Arial"/>
+                <a:sym typeface="Arial"/>
+              </a:rPr>
+              <a:t>Business logic</a:t>
+            </a:r>
+            <a:endParaRPr lang="en-US" sz="1600" kern="0" dirty="0" smtClean="0">
+              <a:solidFill>
+                <a:srgbClr val="000000"/>
+              </a:solidFill>
+              <a:cs typeface="Arial"/>
+              <a:sym typeface="Arial"/>
+            </a:endParaRPr>
+          </a:p>
+        </p:txBody>
+      </p:sp>
+      <p:sp>
+        <p:nvSpPr>
+          <p:cNvPr id="16" name="TextBox 22"/>
+          <p:cNvSpPr txBox="1"/>
+          <p:nvPr/>
+        </p:nvSpPr>
+        <p:spPr>
+          <a:xfrm>
+            <a:off x="2473361" y="2794360"/>
+            <a:ext cx="1459726" cy="338554"/>
+          </a:xfrm>
+          <a:prstGeom prst="rect">
+            <a:avLst/>
+          </a:prstGeom>
+          <a:solidFill>
+            <a:schemeClr val="bg1">
+              <a:lumMod val="85000"/>
+            </a:schemeClr>
+          </a:solidFill>
+          <a:ln>
+            <a:solidFill>
+              <a:schemeClr val="tx1"/>
+            </a:solidFill>
+          </a:ln>
+        </p:spPr>
+        <p:txBody>
+          <a:bodyPr wrap="square" rtlCol="0" anchor="ctr">
+            <a:spAutoFit/>
+          </a:bodyPr>
+          <a:lstStyle/>
+          <a:p>
+            <a:pPr algn="ctr">
+              <a:spcAft>
+                <a:spcPts val="600"/>
+              </a:spcAft>
+            </a:pPr>
+            <a:r>
+              <a:rPr lang="en-GB" sz="1600" b="1" kern="0" dirty="0" smtClean="0">
+                <a:solidFill>
+                  <a:srgbClr val="000000"/>
+                </a:solidFill>
+                <a:cs typeface="Arial"/>
+                <a:sym typeface="Arial"/>
+              </a:rPr>
+              <a:t>Data access </a:t>
+            </a:r>
+            <a:r>
+              <a:rPr lang="en-GB" sz="1600" b="1" kern="0" dirty="0" smtClean="0">
+                <a:solidFill>
+                  <a:srgbClr val="000000"/>
+                </a:solidFill>
+                <a:cs typeface="Arial"/>
+                <a:sym typeface="Arial"/>
+              </a:rPr>
+              <a:t>1</a:t>
+            </a:r>
+            <a:endParaRPr lang="en-US" sz="1600" b="1" kern="0" dirty="0" smtClean="0">
+              <a:solidFill>
+                <a:srgbClr val="000000"/>
+              </a:solidFill>
+              <a:cs typeface="Arial"/>
+              <a:sym typeface="Arial"/>
+            </a:endParaRPr>
+          </a:p>
+        </p:txBody>
+      </p:sp>
+      <p:sp>
+        <p:nvSpPr>
+          <p:cNvPr id="22" name="37 - Βέλος προς τα κάτω"/>
+          <p:cNvSpPr/>
+          <p:nvPr/>
+        </p:nvSpPr>
+        <p:spPr>
+          <a:xfrm rot="10800000">
+            <a:off x="6012160" y="3429000"/>
+            <a:ext cx="378177" cy="349386"/>
+          </a:xfrm>
+          <a:prstGeom prst="downArrow">
+            <a:avLst/>
+          </a:prstGeom>
+        </p:spPr>
+        <p:style>
+          <a:lnRef idx="1">
+            <a:schemeClr val="accent3"/>
+          </a:lnRef>
+          <a:fillRef idx="2">
+            <a:schemeClr val="accent3"/>
+          </a:fillRef>
+          <a:effectRef idx="1">
+            <a:schemeClr val="accent3"/>
+          </a:effectRef>
+          <a:fontRef idx="minor">
+            <a:schemeClr val="dk1"/>
+          </a:fontRef>
+        </p:style>
+        <p:txBody>
+          <a:bodyPr rtlCol="0" anchor="ctr"/>
+          <a:lstStyle/>
+          <a:p>
+            <a:pPr algn="ctr"/>
+            <a:endParaRPr lang="el-GR"/>
+          </a:p>
+        </p:txBody>
+      </p:sp>
+      <p:grpSp>
+        <p:nvGrpSpPr>
+          <p:cNvPr id="2" name="Group 23"/>
+          <p:cNvGrpSpPr/>
+          <p:nvPr/>
+        </p:nvGrpSpPr>
+        <p:grpSpPr>
+          <a:xfrm>
+            <a:off x="5585282" y="3789040"/>
+            <a:ext cx="1146958" cy="918856"/>
+            <a:chOff x="7536926" y="2723330"/>
+            <a:chExt cx="1146958" cy="918856"/>
+          </a:xfrm>
+        </p:grpSpPr>
+        <p:pic>
+          <p:nvPicPr>
+            <p:cNvPr id="25" name="Picture 22" descr="https://cdn1.iconfinder.com/data/icons/ColoBrush_Pack/256/database.png"/>
+            <p:cNvPicPr>
+              <a:picLocks noChangeAspect="1" noChangeArrowheads="1"/>
+            </p:cNvPicPr>
+            <p:nvPr/>
+          </p:nvPicPr>
+          <p:blipFill>
+            <a:blip r:embed="rId2" cstate="print"/>
+            <a:srcRect/>
+            <a:stretch>
+              <a:fillRect/>
+            </a:stretch>
+          </p:blipFill>
+          <p:spPr bwMode="auto">
+            <a:xfrm>
+              <a:off x="7620031" y="2723330"/>
+              <a:ext cx="1049097" cy="918856"/>
+            </a:xfrm>
+            <a:prstGeom prst="rect">
+              <a:avLst/>
+            </a:prstGeom>
+            <a:noFill/>
+          </p:spPr>
+        </p:pic>
+        <p:grpSp>
+          <p:nvGrpSpPr>
+            <p:cNvPr id="3" name="80 - Ομάδα"/>
+            <p:cNvGrpSpPr/>
+            <p:nvPr/>
+          </p:nvGrpSpPr>
+          <p:grpSpPr>
+            <a:xfrm>
+              <a:off x="7536926" y="3074839"/>
+              <a:ext cx="1146958" cy="260302"/>
+              <a:chOff x="2181750" y="5194300"/>
+              <a:chExt cx="1721178" cy="349205"/>
+            </a:xfrm>
+          </p:grpSpPr>
+          <p:pic>
+            <p:nvPicPr>
+              <p:cNvPr id="27" name="Picture 31"/>
+              <p:cNvPicPr>
+                <a:picLocks noChangeAspect="1"/>
+              </p:cNvPicPr>
+              <p:nvPr/>
+            </p:nvPicPr>
+            <p:blipFill>
+              <a:blip r:embed="rId3" cstate="print"/>
+              <a:stretch>
+                <a:fillRect/>
+              </a:stretch>
+            </p:blipFill>
+            <p:spPr>
+              <a:xfrm>
+                <a:off x="2181750" y="5194300"/>
+                <a:ext cx="365693" cy="328252"/>
+              </a:xfrm>
+              <a:prstGeom prst="rect">
+                <a:avLst/>
+              </a:prstGeom>
+            </p:spPr>
+          </p:pic>
+          <p:sp>
+            <p:nvSpPr>
+              <p:cNvPr id="28" name="TextBox 32"/>
+              <p:cNvSpPr txBox="1"/>
+              <p:nvPr/>
+            </p:nvSpPr>
+            <p:spPr>
+              <a:xfrm>
+                <a:off x="2531328" y="5203729"/>
+                <a:ext cx="1371600" cy="339776"/>
+              </a:xfrm>
+              <a:prstGeom prst="rect">
+                <a:avLst/>
+              </a:prstGeom>
+              <a:solidFill>
+                <a:schemeClr val="tx1"/>
+              </a:solidFill>
+              <a:ln>
+                <a:noFill/>
+              </a:ln>
+            </p:spPr>
+            <p:txBody>
+              <a:bodyPr wrap="square" rtlCol="0" anchor="ctr">
+                <a:spAutoFit/>
+              </a:bodyPr>
+              <a:lstStyle/>
+              <a:p>
+                <a:pPr algn="ctr">
+                  <a:spcAft>
+                    <a:spcPts val="600"/>
+                  </a:spcAft>
+                </a:pPr>
+                <a:r>
+                  <a:rPr lang="en-US" sz="1000" kern="0" dirty="0" smtClean="0">
+                    <a:solidFill>
+                      <a:schemeClr val="bg1"/>
+                    </a:solidFill>
+                    <a:latin typeface="Arial Black" pitchFamily="34" charset="0"/>
+                    <a:cs typeface="Arial"/>
+                    <a:sym typeface="Arial"/>
+                  </a:rPr>
+                  <a:t>Data Cube</a:t>
+                </a:r>
+              </a:p>
+            </p:txBody>
+          </p:sp>
+        </p:grpSp>
+      </p:grpSp>
+      <p:grpSp>
+        <p:nvGrpSpPr>
+          <p:cNvPr id="4" name="Group 28"/>
+          <p:cNvGrpSpPr/>
+          <p:nvPr/>
+        </p:nvGrpSpPr>
+        <p:grpSpPr>
+          <a:xfrm>
+            <a:off x="1691680" y="3809296"/>
+            <a:ext cx="1146958" cy="918856"/>
+            <a:chOff x="7536926" y="2723330"/>
+            <a:chExt cx="1146958" cy="918856"/>
+          </a:xfrm>
+        </p:grpSpPr>
+        <p:pic>
+          <p:nvPicPr>
+            <p:cNvPr id="30" name="Picture 22" descr="https://cdn1.iconfinder.com/data/icons/ColoBrush_Pack/256/database.png"/>
+            <p:cNvPicPr>
+              <a:picLocks noChangeAspect="1" noChangeArrowheads="1"/>
+            </p:cNvPicPr>
+            <p:nvPr/>
+          </p:nvPicPr>
+          <p:blipFill>
+            <a:blip r:embed="rId2" cstate="print"/>
+            <a:srcRect/>
+            <a:stretch>
+              <a:fillRect/>
+            </a:stretch>
+          </p:blipFill>
+          <p:spPr bwMode="auto">
+            <a:xfrm>
+              <a:off x="7620031" y="2723330"/>
+              <a:ext cx="1049097" cy="918856"/>
+            </a:xfrm>
+            <a:prstGeom prst="rect">
+              <a:avLst/>
+            </a:prstGeom>
+            <a:noFill/>
+          </p:spPr>
+        </p:pic>
+        <p:grpSp>
+          <p:nvGrpSpPr>
+            <p:cNvPr id="7" name="80 - Ομάδα"/>
+            <p:cNvGrpSpPr/>
+            <p:nvPr/>
+          </p:nvGrpSpPr>
+          <p:grpSpPr>
+            <a:xfrm>
+              <a:off x="7536926" y="3069268"/>
+              <a:ext cx="1146958" cy="253273"/>
+              <a:chOff x="2181750" y="5186821"/>
+              <a:chExt cx="1721178" cy="339775"/>
+            </a:xfrm>
+          </p:grpSpPr>
+          <p:pic>
+            <p:nvPicPr>
+              <p:cNvPr id="32" name="Picture 31"/>
+              <p:cNvPicPr>
+                <a:picLocks noChangeAspect="1"/>
+              </p:cNvPicPr>
+              <p:nvPr/>
+            </p:nvPicPr>
+            <p:blipFill>
+              <a:blip r:embed="rId3" cstate="print"/>
+              <a:stretch>
+                <a:fillRect/>
+              </a:stretch>
+            </p:blipFill>
+            <p:spPr>
+              <a:xfrm>
+                <a:off x="2181750" y="5194300"/>
+                <a:ext cx="365693" cy="328252"/>
+              </a:xfrm>
+              <a:prstGeom prst="rect">
+                <a:avLst/>
+              </a:prstGeom>
+            </p:spPr>
+          </p:pic>
+          <p:sp>
+            <p:nvSpPr>
+              <p:cNvPr id="33" name="TextBox 32"/>
+              <p:cNvSpPr txBox="1"/>
+              <p:nvPr/>
+            </p:nvSpPr>
+            <p:spPr>
+              <a:xfrm>
+                <a:off x="2531329" y="5186821"/>
+                <a:ext cx="1371599" cy="339775"/>
+              </a:xfrm>
+              <a:prstGeom prst="rect">
+                <a:avLst/>
+              </a:prstGeom>
+              <a:solidFill>
+                <a:schemeClr val="tx1"/>
+              </a:solidFill>
+              <a:ln>
+                <a:noFill/>
+              </a:ln>
+            </p:spPr>
+            <p:txBody>
+              <a:bodyPr wrap="square" rtlCol="0" anchor="ctr">
+                <a:spAutoFit/>
+              </a:bodyPr>
+              <a:lstStyle/>
+              <a:p>
+                <a:pPr algn="ctr">
+                  <a:spcAft>
+                    <a:spcPts val="600"/>
+                  </a:spcAft>
+                </a:pPr>
+                <a:r>
+                  <a:rPr lang="en-US" sz="1000" kern="0" dirty="0" smtClean="0">
+                    <a:solidFill>
+                      <a:schemeClr val="bg1"/>
+                    </a:solidFill>
+                    <a:latin typeface="Arial Black" pitchFamily="34" charset="0"/>
+                    <a:cs typeface="Arial"/>
+                    <a:sym typeface="Arial"/>
+                  </a:rPr>
+                  <a:t>Data Cube</a:t>
+                </a:r>
+              </a:p>
+            </p:txBody>
+          </p:sp>
+        </p:grpSp>
+      </p:grpSp>
+      <p:sp>
+        <p:nvSpPr>
+          <p:cNvPr id="39" name="69 - Ορθογώνιο"/>
+          <p:cNvSpPr/>
+          <p:nvPr/>
+        </p:nvSpPr>
+        <p:spPr>
+          <a:xfrm>
+            <a:off x="1946236" y="4592161"/>
+            <a:ext cx="668645" cy="276999"/>
+          </a:xfrm>
+          <a:prstGeom prst="rect">
+            <a:avLst/>
+          </a:prstGeom>
+        </p:spPr>
+        <p:txBody>
+          <a:bodyPr wrap="none">
+            <a:spAutoFit/>
+          </a:bodyPr>
+          <a:lstStyle/>
+          <a:p>
+            <a:r>
+              <a:rPr lang="en-US" sz="1200" dirty="0" smtClean="0"/>
+              <a:t>Portal 1</a:t>
+            </a:r>
+            <a:endParaRPr lang="el-GR" sz="1200" dirty="0"/>
+          </a:p>
+        </p:txBody>
+      </p:sp>
+      <p:sp>
+        <p:nvSpPr>
+          <p:cNvPr id="40" name="69 - Ορθογώνιο"/>
+          <p:cNvSpPr/>
+          <p:nvPr/>
+        </p:nvSpPr>
+        <p:spPr>
+          <a:xfrm>
+            <a:off x="5868144" y="4581128"/>
+            <a:ext cx="668645" cy="276999"/>
+          </a:xfrm>
+          <a:prstGeom prst="rect">
+            <a:avLst/>
+          </a:prstGeom>
+        </p:spPr>
+        <p:txBody>
+          <a:bodyPr wrap="none">
+            <a:spAutoFit/>
+          </a:bodyPr>
+          <a:lstStyle/>
+          <a:p>
+            <a:r>
+              <a:rPr lang="en-US" sz="1200" dirty="0" smtClean="0"/>
+              <a:t>Portal 2</a:t>
+            </a:r>
+            <a:endParaRPr lang="el-GR" sz="1200" dirty="0"/>
+          </a:p>
+        </p:txBody>
+      </p:sp>
+      <p:sp>
+        <p:nvSpPr>
+          <p:cNvPr id="42" name="39 - Ορθογώνιο"/>
+          <p:cNvSpPr/>
+          <p:nvPr/>
+        </p:nvSpPr>
+        <p:spPr>
+          <a:xfrm>
+            <a:off x="467544" y="2780928"/>
+            <a:ext cx="3672408" cy="504056"/>
+          </a:xfrm>
+          <a:prstGeom prst="rect">
+            <a:avLst/>
+          </a:prstGeom>
+          <a:noFill/>
+          <a:ln w="19050">
+            <a:solidFill>
+              <a:schemeClr val="tx1">
+                <a:lumMod val="50000"/>
+                <a:lumOff val="50000"/>
+              </a:schemeClr>
+            </a:solidFill>
+            <a:prstDash val="dash"/>
+          </a:ln>
+          <a:effectLst/>
+        </p:spPr>
+        <p:style>
+          <a:lnRef idx="1">
+            <a:schemeClr val="accent3"/>
+          </a:lnRef>
+          <a:fillRef idx="2">
+            <a:schemeClr val="accent3"/>
+          </a:fillRef>
+          <a:effectRef idx="1">
+            <a:schemeClr val="accent3"/>
+          </a:effectRef>
+          <a:fontRef idx="minor">
+            <a:schemeClr val="dk1"/>
+          </a:fontRef>
+        </p:style>
+        <p:txBody>
+          <a:bodyPr rtlCol="0" anchor="ctr"/>
+          <a:lstStyle/>
+          <a:p>
+            <a:pPr algn="ctr"/>
+            <a:endParaRPr lang="el-GR" sz="1200"/>
+          </a:p>
+        </p:txBody>
+      </p:sp>
+      <p:sp>
+        <p:nvSpPr>
+          <p:cNvPr id="46" name="Shape 205"/>
+          <p:cNvSpPr/>
+          <p:nvPr/>
+        </p:nvSpPr>
+        <p:spPr>
+          <a:xfrm>
+            <a:off x="6265127" y="1619432"/>
+            <a:ext cx="1691249" cy="1610042"/>
+          </a:xfrm>
+          <a:prstGeom prst="flowChartProcess">
+            <a:avLst/>
+          </a:prstGeom>
+          <a:solidFill>
+            <a:srgbClr val="E44690"/>
+          </a:solidFill>
+          <a:ln w="12700" cap="flat" cmpd="sng">
+            <a:solidFill>
+              <a:schemeClr val="tx1"/>
+            </a:solidFill>
+            <a:prstDash val="solid"/>
+            <a:round/>
+            <a:headEnd type="none" w="med" len="med"/>
+            <a:tailEnd type="none" w="med" len="med"/>
+          </a:ln>
+        </p:spPr>
+        <p:txBody>
+          <a:bodyPr lIns="91425" tIns="91425" rIns="91425" bIns="91425" anchor="ctr" anchorCtr="0">
+            <a:noAutofit/>
+          </a:bodyPr>
+          <a:lstStyle/>
+          <a:p>
+            <a:pPr algn="ctr"/>
+            <a:endParaRPr lang="el-GR" sz="1600" kern="0" dirty="0" smtClean="0">
+              <a:solidFill>
+                <a:srgbClr val="000000"/>
+              </a:solidFill>
+              <a:cs typeface="Arial"/>
+              <a:sym typeface="Arial"/>
+            </a:endParaRPr>
+          </a:p>
+        </p:txBody>
+      </p:sp>
+      <p:sp>
+        <p:nvSpPr>
+          <p:cNvPr id="51" name="TextBox 22"/>
+          <p:cNvSpPr txBox="1"/>
+          <p:nvPr/>
+        </p:nvSpPr>
+        <p:spPr>
+          <a:xfrm>
+            <a:off x="4447580" y="1608561"/>
+            <a:ext cx="1679996" cy="1620914"/>
+          </a:xfrm>
+          <a:prstGeom prst="rect">
+            <a:avLst/>
+          </a:prstGeom>
+          <a:solidFill>
+            <a:srgbClr val="E44690"/>
+          </a:solidFill>
+          <a:ln w="12700" cap="flat" cmpd="sng">
+            <a:solidFill>
+              <a:schemeClr val="tx1"/>
+            </a:solidFill>
+            <a:prstDash val="solid"/>
+            <a:round/>
+            <a:headEnd type="none" w="med" len="med"/>
+            <a:tailEnd type="none" w="med" len="med"/>
+          </a:ln>
+        </p:spPr>
+        <p:txBody>
+          <a:bodyPr lIns="91425" tIns="91425" rIns="91425" bIns="91425" anchor="ctr" anchorCtr="0">
+            <a:noAutofit/>
+          </a:bodyPr>
+          <a:lstStyle/>
+          <a:p>
+            <a:pPr algn="ctr"/>
+            <a:endParaRPr lang="el-GR" sz="1600" kern="0" dirty="0" smtClean="0">
+              <a:solidFill>
+                <a:srgbClr val="000000"/>
+              </a:solidFill>
+              <a:cs typeface="Arial"/>
+              <a:sym typeface="Arial"/>
+            </a:endParaRPr>
+          </a:p>
+        </p:txBody>
+      </p:sp>
+      <p:sp>
+        <p:nvSpPr>
+          <p:cNvPr id="52" name="Shape 205"/>
+          <p:cNvSpPr/>
+          <p:nvPr/>
+        </p:nvSpPr>
+        <p:spPr>
+          <a:xfrm>
+            <a:off x="6299730" y="1612552"/>
+            <a:ext cx="1579276" cy="267626"/>
+          </a:xfrm>
+          <a:prstGeom prst="flowChartProcess">
+            <a:avLst/>
+          </a:prstGeom>
+          <a:noFill/>
+          <a:ln w="12700" cap="flat" cmpd="sng">
+            <a:noFill/>
+            <a:prstDash val="solid"/>
+            <a:round/>
+            <a:headEnd type="none" w="med" len="med"/>
+            <a:tailEnd type="none" w="med" len="med"/>
+          </a:ln>
+        </p:spPr>
+        <p:txBody>
+          <a:bodyPr lIns="91425" tIns="91425" rIns="91425" bIns="91425" anchor="ctr" anchorCtr="0">
+            <a:noAutofit/>
+          </a:bodyPr>
+          <a:lstStyle/>
+          <a:p>
+            <a:pPr algn="ctr"/>
+            <a:r>
+              <a:rPr lang="en-US" sz="1600" kern="0" dirty="0" smtClean="0">
+                <a:solidFill>
+                  <a:srgbClr val="000000"/>
+                </a:solidFill>
+                <a:cs typeface="Arial"/>
+                <a:sym typeface="Arial"/>
+              </a:rPr>
+              <a:t>Cube </a:t>
+            </a:r>
+            <a:r>
+              <a:rPr lang="en-US" sz="1600" kern="0" dirty="0" smtClean="0">
+                <a:solidFill>
+                  <a:srgbClr val="000000"/>
+                </a:solidFill>
+                <a:cs typeface="Arial"/>
+                <a:sym typeface="Arial"/>
+              </a:rPr>
+              <a:t>Visualize 2</a:t>
+            </a:r>
+            <a:endParaRPr lang="el-GR" sz="1600" kern="0" dirty="0" smtClean="0">
+              <a:solidFill>
+                <a:srgbClr val="000000"/>
+              </a:solidFill>
+              <a:cs typeface="Arial"/>
+              <a:sym typeface="Arial"/>
+            </a:endParaRPr>
+          </a:p>
+        </p:txBody>
+      </p:sp>
+      <p:sp>
+        <p:nvSpPr>
+          <p:cNvPr id="53" name="24 - TextBox"/>
+          <p:cNvSpPr txBox="1"/>
+          <p:nvPr/>
+        </p:nvSpPr>
+        <p:spPr>
+          <a:xfrm>
+            <a:off x="4466060" y="1556792"/>
+            <a:ext cx="1628064" cy="379149"/>
+          </a:xfrm>
+          <a:prstGeom prst="rect">
+            <a:avLst/>
+          </a:prstGeom>
+          <a:noFill/>
+          <a:ln w="12700" cap="flat" cmpd="sng">
+            <a:noFill/>
+            <a:prstDash val="solid"/>
+            <a:round/>
+            <a:headEnd type="none" w="med" len="med"/>
+            <a:tailEnd type="none" w="med" len="med"/>
+          </a:ln>
+        </p:spPr>
+        <p:txBody>
+          <a:bodyPr lIns="91425" tIns="91425" rIns="91425" bIns="91425" anchor="ctr" anchorCtr="0">
+            <a:noAutofit/>
+          </a:bodyPr>
+          <a:lstStyle/>
+          <a:p>
+            <a:pPr algn="ctr"/>
+            <a:r>
+              <a:rPr lang="en-US" sz="1600" kern="0" dirty="0" smtClean="0">
+                <a:solidFill>
+                  <a:srgbClr val="000000"/>
+                </a:solidFill>
+                <a:cs typeface="Arial"/>
+                <a:sym typeface="Arial"/>
+              </a:rPr>
+              <a:t>Cube Browser</a:t>
+            </a:r>
+            <a:r>
+              <a:rPr lang="el-GR" sz="1600" kern="0" dirty="0" smtClean="0">
+                <a:solidFill>
+                  <a:srgbClr val="000000"/>
+                </a:solidFill>
+                <a:cs typeface="Arial"/>
+                <a:sym typeface="Arial"/>
+              </a:rPr>
+              <a:t> </a:t>
+            </a:r>
+            <a:r>
+              <a:rPr lang="en-US" sz="1600" kern="0" dirty="0" smtClean="0">
+                <a:solidFill>
+                  <a:srgbClr val="000000"/>
+                </a:solidFill>
+                <a:cs typeface="Arial"/>
+                <a:sym typeface="Arial"/>
+              </a:rPr>
+              <a:t>2</a:t>
+            </a:r>
+            <a:endParaRPr lang="el-GR" sz="1600" kern="0" dirty="0" smtClean="0">
+              <a:solidFill>
+                <a:srgbClr val="000000"/>
+              </a:solidFill>
+              <a:cs typeface="Arial"/>
+              <a:sym typeface="Arial"/>
+            </a:endParaRPr>
+          </a:p>
+        </p:txBody>
+      </p:sp>
+      <p:sp>
+        <p:nvSpPr>
+          <p:cNvPr id="54" name="TextBox 22"/>
+          <p:cNvSpPr txBox="1"/>
+          <p:nvPr/>
+        </p:nvSpPr>
+        <p:spPr>
+          <a:xfrm>
+            <a:off x="4563768" y="1969174"/>
+            <a:ext cx="1463447" cy="338554"/>
+          </a:xfrm>
+          <a:prstGeom prst="rect">
+            <a:avLst/>
+          </a:prstGeom>
+          <a:solidFill>
+            <a:schemeClr val="bg1">
+              <a:lumMod val="85000"/>
+            </a:schemeClr>
+          </a:solidFill>
+          <a:ln>
+            <a:solidFill>
+              <a:schemeClr val="tx1"/>
+            </a:solidFill>
+          </a:ln>
+        </p:spPr>
+        <p:txBody>
+          <a:bodyPr wrap="square" rtlCol="0" anchor="ctr">
+            <a:spAutoFit/>
+          </a:bodyPr>
+          <a:lstStyle/>
+          <a:p>
+            <a:pPr algn="ctr">
+              <a:spcAft>
+                <a:spcPts val="600"/>
+              </a:spcAft>
+            </a:pPr>
+            <a:r>
+              <a:rPr lang="en-GB" sz="1600" kern="0" dirty="0" smtClean="0">
+                <a:solidFill>
+                  <a:srgbClr val="000000"/>
+                </a:solidFill>
+                <a:cs typeface="Arial"/>
+                <a:sym typeface="Arial"/>
+              </a:rPr>
+              <a:t>UI</a:t>
+            </a:r>
+            <a:endParaRPr lang="en-US" sz="1600" kern="0" dirty="0" smtClean="0">
+              <a:solidFill>
+                <a:srgbClr val="000000"/>
+              </a:solidFill>
+              <a:cs typeface="Arial"/>
+              <a:sym typeface="Arial"/>
+            </a:endParaRPr>
+          </a:p>
+        </p:txBody>
+      </p:sp>
+      <p:sp>
+        <p:nvSpPr>
+          <p:cNvPr id="55" name="TextBox 22"/>
+          <p:cNvSpPr txBox="1"/>
+          <p:nvPr/>
+        </p:nvSpPr>
+        <p:spPr>
+          <a:xfrm>
+            <a:off x="4571204" y="2366902"/>
+            <a:ext cx="1456012" cy="338554"/>
+          </a:xfrm>
+          <a:prstGeom prst="rect">
+            <a:avLst/>
+          </a:prstGeom>
+          <a:solidFill>
+            <a:schemeClr val="bg1">
+              <a:lumMod val="85000"/>
+            </a:schemeClr>
+          </a:solidFill>
+          <a:ln>
+            <a:solidFill>
+              <a:schemeClr val="tx1"/>
+            </a:solidFill>
+          </a:ln>
+        </p:spPr>
+        <p:txBody>
+          <a:bodyPr wrap="square" rtlCol="0" anchor="ctr">
+            <a:spAutoFit/>
+          </a:bodyPr>
+          <a:lstStyle/>
+          <a:p>
+            <a:pPr algn="ctr">
+              <a:spcAft>
+                <a:spcPts val="600"/>
+              </a:spcAft>
+            </a:pPr>
+            <a:r>
+              <a:rPr lang="en-GB" sz="1600" kern="0" dirty="0" smtClean="0">
+                <a:solidFill>
+                  <a:srgbClr val="000000"/>
+                </a:solidFill>
+                <a:cs typeface="Arial"/>
+                <a:sym typeface="Arial"/>
+              </a:rPr>
+              <a:t>Business logic</a:t>
+            </a:r>
+            <a:endParaRPr lang="en-US" sz="1600" kern="0" dirty="0" smtClean="0">
+              <a:solidFill>
+                <a:srgbClr val="000000"/>
+              </a:solidFill>
+              <a:cs typeface="Arial"/>
+              <a:sym typeface="Arial"/>
+            </a:endParaRPr>
+          </a:p>
+        </p:txBody>
+      </p:sp>
+      <p:sp>
+        <p:nvSpPr>
+          <p:cNvPr id="56" name="TextBox 22"/>
+          <p:cNvSpPr txBox="1"/>
+          <p:nvPr/>
+        </p:nvSpPr>
+        <p:spPr>
+          <a:xfrm>
+            <a:off x="4567490" y="2786923"/>
+            <a:ext cx="1459726" cy="338554"/>
+          </a:xfrm>
+          <a:prstGeom prst="rect">
+            <a:avLst/>
+          </a:prstGeom>
+          <a:solidFill>
+            <a:schemeClr val="bg1">
+              <a:lumMod val="85000"/>
+            </a:schemeClr>
+          </a:solidFill>
+          <a:ln>
+            <a:solidFill>
+              <a:schemeClr val="tx1"/>
+            </a:solidFill>
+          </a:ln>
+        </p:spPr>
+        <p:txBody>
+          <a:bodyPr wrap="square" rtlCol="0" anchor="ctr">
+            <a:spAutoFit/>
+          </a:bodyPr>
+          <a:lstStyle/>
+          <a:p>
+            <a:pPr algn="ctr">
+              <a:spcAft>
+                <a:spcPts val="600"/>
+              </a:spcAft>
+            </a:pPr>
+            <a:r>
+              <a:rPr lang="en-GB" sz="1600" b="1" kern="0" dirty="0" smtClean="0">
+                <a:solidFill>
+                  <a:srgbClr val="000000"/>
+                </a:solidFill>
+                <a:cs typeface="Arial"/>
+                <a:sym typeface="Arial"/>
+              </a:rPr>
+              <a:t>Data access </a:t>
+            </a:r>
+            <a:r>
+              <a:rPr lang="en-GB" sz="1600" b="1" kern="0" dirty="0" smtClean="0">
+                <a:solidFill>
+                  <a:srgbClr val="000000"/>
+                </a:solidFill>
+                <a:cs typeface="Arial"/>
+                <a:sym typeface="Arial"/>
+              </a:rPr>
+              <a:t>2</a:t>
+            </a:r>
+            <a:endParaRPr lang="en-US" sz="1600" b="1" kern="0" dirty="0" smtClean="0">
+              <a:solidFill>
+                <a:srgbClr val="000000"/>
+              </a:solidFill>
+              <a:cs typeface="Arial"/>
+              <a:sym typeface="Arial"/>
+            </a:endParaRPr>
+          </a:p>
+        </p:txBody>
+      </p:sp>
+      <p:sp>
+        <p:nvSpPr>
+          <p:cNvPr id="57" name="TextBox 22"/>
+          <p:cNvSpPr txBox="1"/>
+          <p:nvPr/>
+        </p:nvSpPr>
+        <p:spPr>
+          <a:xfrm>
+            <a:off x="6377667" y="1976611"/>
+            <a:ext cx="1463447" cy="338554"/>
+          </a:xfrm>
+          <a:prstGeom prst="rect">
+            <a:avLst/>
+          </a:prstGeom>
+          <a:solidFill>
+            <a:schemeClr val="bg1">
+              <a:lumMod val="85000"/>
+            </a:schemeClr>
+          </a:solidFill>
+          <a:ln>
+            <a:solidFill>
+              <a:schemeClr val="tx1"/>
+            </a:solidFill>
+          </a:ln>
+        </p:spPr>
+        <p:txBody>
+          <a:bodyPr wrap="square" rtlCol="0" anchor="ctr">
+            <a:spAutoFit/>
+          </a:bodyPr>
+          <a:lstStyle/>
+          <a:p>
+            <a:pPr algn="ctr">
+              <a:spcAft>
+                <a:spcPts val="600"/>
+              </a:spcAft>
+            </a:pPr>
+            <a:r>
+              <a:rPr lang="en-GB" sz="1600" kern="0" dirty="0" smtClean="0">
+                <a:solidFill>
+                  <a:srgbClr val="000000"/>
+                </a:solidFill>
+                <a:cs typeface="Arial"/>
+                <a:sym typeface="Arial"/>
+              </a:rPr>
+              <a:t>UI</a:t>
+            </a:r>
+            <a:endParaRPr lang="en-US" sz="1600" kern="0" dirty="0" smtClean="0">
+              <a:solidFill>
+                <a:srgbClr val="000000"/>
+              </a:solidFill>
+              <a:cs typeface="Arial"/>
+              <a:sym typeface="Arial"/>
+            </a:endParaRPr>
+          </a:p>
+        </p:txBody>
+      </p:sp>
+      <p:sp>
+        <p:nvSpPr>
+          <p:cNvPr id="58" name="TextBox 22"/>
+          <p:cNvSpPr txBox="1"/>
+          <p:nvPr/>
+        </p:nvSpPr>
+        <p:spPr>
+          <a:xfrm>
+            <a:off x="6385103" y="2374339"/>
+            <a:ext cx="1456012" cy="338554"/>
+          </a:xfrm>
+          <a:prstGeom prst="rect">
+            <a:avLst/>
+          </a:prstGeom>
+          <a:solidFill>
+            <a:schemeClr val="bg1">
+              <a:lumMod val="85000"/>
+            </a:schemeClr>
+          </a:solidFill>
+          <a:ln>
+            <a:solidFill>
+              <a:schemeClr val="tx1"/>
+            </a:solidFill>
+          </a:ln>
+        </p:spPr>
+        <p:txBody>
+          <a:bodyPr wrap="square" rtlCol="0" anchor="ctr">
+            <a:spAutoFit/>
+          </a:bodyPr>
+          <a:lstStyle/>
+          <a:p>
+            <a:pPr algn="ctr">
+              <a:spcAft>
+                <a:spcPts val="600"/>
+              </a:spcAft>
+            </a:pPr>
+            <a:r>
+              <a:rPr lang="en-GB" sz="1600" kern="0" dirty="0" smtClean="0">
+                <a:solidFill>
+                  <a:srgbClr val="000000"/>
+                </a:solidFill>
+                <a:cs typeface="Arial"/>
+                <a:sym typeface="Arial"/>
+              </a:rPr>
+              <a:t>Business logic</a:t>
+            </a:r>
+            <a:endParaRPr lang="en-US" sz="1600" kern="0" dirty="0" smtClean="0">
+              <a:solidFill>
+                <a:srgbClr val="000000"/>
+              </a:solidFill>
+              <a:cs typeface="Arial"/>
+              <a:sym typeface="Arial"/>
+            </a:endParaRPr>
+          </a:p>
+        </p:txBody>
+      </p:sp>
+      <p:sp>
+        <p:nvSpPr>
+          <p:cNvPr id="59" name="TextBox 22"/>
+          <p:cNvSpPr txBox="1"/>
+          <p:nvPr/>
+        </p:nvSpPr>
+        <p:spPr>
+          <a:xfrm>
+            <a:off x="6381389" y="2794360"/>
+            <a:ext cx="1459726" cy="338554"/>
+          </a:xfrm>
+          <a:prstGeom prst="rect">
+            <a:avLst/>
+          </a:prstGeom>
+          <a:solidFill>
+            <a:schemeClr val="bg1">
+              <a:lumMod val="85000"/>
+            </a:schemeClr>
+          </a:solidFill>
+          <a:ln>
+            <a:solidFill>
+              <a:schemeClr val="tx1"/>
+            </a:solidFill>
+          </a:ln>
+        </p:spPr>
+        <p:txBody>
+          <a:bodyPr wrap="square" rtlCol="0" anchor="ctr">
+            <a:spAutoFit/>
+          </a:bodyPr>
+          <a:lstStyle/>
+          <a:p>
+            <a:pPr algn="ctr">
+              <a:spcAft>
+                <a:spcPts val="600"/>
+              </a:spcAft>
+            </a:pPr>
+            <a:r>
+              <a:rPr lang="en-GB" sz="1600" b="1" kern="0" dirty="0" smtClean="0">
+                <a:solidFill>
+                  <a:srgbClr val="000000"/>
+                </a:solidFill>
+                <a:cs typeface="Arial"/>
+                <a:sym typeface="Arial"/>
+              </a:rPr>
+              <a:t>Data access </a:t>
+            </a:r>
+            <a:r>
+              <a:rPr lang="en-GB" sz="1600" b="1" kern="0" dirty="0" smtClean="0">
+                <a:solidFill>
+                  <a:srgbClr val="000000"/>
+                </a:solidFill>
+                <a:cs typeface="Arial"/>
+                <a:sym typeface="Arial"/>
+              </a:rPr>
+              <a:t>2</a:t>
+            </a:r>
+            <a:endParaRPr lang="en-US" sz="1600" b="1" kern="0" dirty="0" smtClean="0">
+              <a:solidFill>
+                <a:srgbClr val="000000"/>
+              </a:solidFill>
+              <a:cs typeface="Arial"/>
+              <a:sym typeface="Arial"/>
+            </a:endParaRPr>
+          </a:p>
+        </p:txBody>
+      </p:sp>
+      <p:sp>
+        <p:nvSpPr>
+          <p:cNvPr id="60" name="39 - Ορθογώνιο"/>
+          <p:cNvSpPr/>
+          <p:nvPr/>
+        </p:nvSpPr>
+        <p:spPr>
+          <a:xfrm>
+            <a:off x="4355976" y="2780928"/>
+            <a:ext cx="3672408" cy="504056"/>
+          </a:xfrm>
+          <a:prstGeom prst="rect">
+            <a:avLst/>
+          </a:prstGeom>
+          <a:noFill/>
+          <a:ln w="19050">
+            <a:solidFill>
+              <a:schemeClr val="tx1">
+                <a:lumMod val="50000"/>
+                <a:lumOff val="50000"/>
+              </a:schemeClr>
+            </a:solidFill>
+            <a:prstDash val="dash"/>
+          </a:ln>
+          <a:effectLst/>
+        </p:spPr>
+        <p:style>
+          <a:lnRef idx="1">
+            <a:schemeClr val="accent3"/>
+          </a:lnRef>
+          <a:fillRef idx="2">
+            <a:schemeClr val="accent3"/>
+          </a:fillRef>
+          <a:effectRef idx="1">
+            <a:schemeClr val="accent3"/>
+          </a:effectRef>
+          <a:fontRef idx="minor">
+            <a:schemeClr val="dk1"/>
+          </a:fontRef>
+        </p:style>
+        <p:txBody>
+          <a:bodyPr rtlCol="0" anchor="ctr"/>
+          <a:lstStyle/>
+          <a:p>
+            <a:pPr algn="ctr"/>
+            <a:endParaRPr lang="el-GR" sz="1200"/>
           </a:p>
         </p:txBody>
       </p:sp>
     </p:spTree>
+    <p:extLst>
+      <p:ext uri="{BB962C8B-B14F-4D97-AF65-F5344CB8AC3E}">
+        <p14:creationId xmlns="" xmlns:p14="http://schemas.microsoft.com/office/powerpoint/2010/main" val="855257497"/>
+      </p:ext>
+    </p:extLst>
   </p:cSld>
   <p:clrMapOvr>
     <a:masterClrMapping/>
   </p:clrMapOvr>
   <mc:AlternateContent xmlns:mc="http://schemas.openxmlformats.org/markup-compatibility/2006">
-    <mc:Choice xmlns:p14="http://schemas.microsoft.com/office/powerpoint/2010/main" xmlns="" Requires="p14">
+    <mc:Choice xmlns="" xmlns:p14="http://schemas.microsoft.com/office/powerpoint/2010/main" Requires="p14">
       <p:transition spd="med" p14:dur="700">
         <p:fade/>
       </p:transition>
@@ -7842,6 +9485,161 @@
       </p:grpSpPr>
       <p:sp>
         <p:nvSpPr>
+          <p:cNvPr id="2" name="1 - Θέση περιεχομένου"/>
+          <p:cNvSpPr>
+            <a:spLocks noGrp="1"/>
+          </p:cNvSpPr>
+          <p:nvPr>
+            <p:ph idx="1"/>
+          </p:nvPr>
+        </p:nvSpPr>
+        <p:spPr/>
+        <p:txBody>
+          <a:bodyPr>
+            <a:normAutofit fontScale="77500" lnSpcReduction="20000"/>
+          </a:bodyPr>
+          <a:lstStyle/>
+          <a:p>
+            <a:r>
+              <a:rPr lang="en-US" dirty="0" smtClean="0"/>
+              <a:t>need to know what datasets are available</a:t>
+            </a:r>
+            <a:endParaRPr lang="el-GR" dirty="0" smtClean="0"/>
+          </a:p>
+          <a:p>
+            <a:r>
+              <a:rPr lang="en-US" dirty="0" smtClean="0"/>
+              <a:t>need to know about structure to subset the observations</a:t>
+            </a:r>
+            <a:endParaRPr lang="el-GR" dirty="0" smtClean="0"/>
+          </a:p>
+          <a:p>
+            <a:r>
+              <a:rPr lang="en-US" dirty="0" smtClean="0"/>
+              <a:t>in order not to return everything, need to subset</a:t>
+            </a:r>
+          </a:p>
+          <a:p>
+            <a:r>
+              <a:rPr lang="en-US" dirty="0" smtClean="0"/>
+              <a:t>don't necessarily need a n-array/ tabular response - array of observations is sufficient</a:t>
+            </a:r>
+          </a:p>
+          <a:p>
+            <a:pPr lvl="1"/>
+            <a:r>
+              <a:rPr lang="en-US" dirty="0" smtClean="0"/>
+              <a:t>can always get back to the table</a:t>
+            </a:r>
+          </a:p>
+          <a:p>
+            <a:r>
+              <a:rPr lang="en-US" dirty="0" smtClean="0"/>
+              <a:t>Filtering</a:t>
+            </a:r>
+          </a:p>
+          <a:p>
+            <a:r>
+              <a:rPr lang="en-US" dirty="0" err="1" smtClean="0"/>
+              <a:t>Multilinguality</a:t>
+            </a:r>
+            <a:endParaRPr lang="en-US" dirty="0" smtClean="0"/>
+          </a:p>
+          <a:p>
+            <a:r>
+              <a:rPr lang="en-US" dirty="0" smtClean="0"/>
+              <a:t>Ordering &amp; paging</a:t>
+            </a:r>
+          </a:p>
+          <a:p>
+            <a:r>
+              <a:rPr lang="en-US" dirty="0" smtClean="0"/>
+              <a:t>merging, aggregations</a:t>
+            </a:r>
+          </a:p>
+          <a:p>
+            <a:r>
+              <a:rPr lang="en-US" dirty="0" err="1" smtClean="0"/>
+              <a:t>json</a:t>
+            </a:r>
+            <a:r>
+              <a:rPr lang="en-US" dirty="0" smtClean="0"/>
+              <a:t>-ld representation is sufficient for query and response format</a:t>
+            </a:r>
+          </a:p>
+          <a:p>
+            <a:r>
+              <a:rPr lang="en-US" sz="2800" dirty="0" smtClean="0"/>
+              <a:t>++</a:t>
+            </a:r>
+          </a:p>
+          <a:p>
+            <a:endParaRPr lang="el-GR" dirty="0"/>
+          </a:p>
+        </p:txBody>
+      </p:sp>
+      <p:sp>
+        <p:nvSpPr>
+          <p:cNvPr id="3" name="2 - Τίτλος"/>
+          <p:cNvSpPr>
+            <a:spLocks noGrp="1"/>
+          </p:cNvSpPr>
+          <p:nvPr>
+            <p:ph type="title"/>
+          </p:nvPr>
+        </p:nvSpPr>
+        <p:spPr/>
+        <p:txBody>
+          <a:bodyPr/>
+          <a:lstStyle/>
+          <a:p>
+            <a:r>
+              <a:rPr lang="en-US" dirty="0" smtClean="0"/>
+              <a:t>4. Requirements</a:t>
+            </a:r>
+            <a:endParaRPr lang="el-GR" dirty="0"/>
+          </a:p>
+        </p:txBody>
+      </p:sp>
+    </p:spTree>
+  </p:cSld>
+  <p:clrMapOvr>
+    <a:masterClrMapping/>
+  </p:clrMapOvr>
+  <mc:AlternateContent xmlns:mc="http://schemas.openxmlformats.org/markup-compatibility/2006">
+    <mc:Choice xmlns="" xmlns:p14="http://schemas.microsoft.com/office/powerpoint/2010/main" Requires="p14">
+      <p:transition spd="med" p14:dur="700">
+        <p:fade/>
+      </p:transition>
+    </mc:Choice>
+    <mc:Fallback>
+      <p:transition spd="med">
+        <p:fade/>
+      </p:transition>
+    </mc:Fallback>
+  </mc:AlternateContent>
+</p:sld>
+</file>
+
+<file path=ppt/slides/slide8.xml><?xml version="1.0" encoding="utf-8"?>
+<p:sld xmlns:a="http://schemas.openxmlformats.org/drawingml/2006/main" xmlns:r="http://schemas.openxmlformats.org/officeDocument/2006/relationships" xmlns:p="http://schemas.openxmlformats.org/presentationml/2006/main">
+  <p:cSld>
+    <p:spTree>
+      <p:nvGrpSpPr>
+        <p:cNvPr id="1" name=""/>
+        <p:cNvGrpSpPr/>
+        <p:nvPr/>
+      </p:nvGrpSpPr>
+      <p:grpSpPr>
+        <a:xfrm>
+          <a:off x="0" y="0"/>
+          <a:ext cx="0" cy="0"/>
+          <a:chOff x="0" y="0"/>
+          <a:chExt cx="0" cy="0"/>
+        </a:xfrm>
+      </p:grpSpPr>
+      <p:sp>
+        <p:nvSpPr>
           <p:cNvPr id="6" name="5 - Θέση περιεχομένου"/>
           <p:cNvSpPr>
             <a:spLocks noGrp="1"/>
@@ -8110,7 +9908,7 @@
     <a:masterClrMapping/>
   </p:clrMapOvr>
   <mc:AlternateContent xmlns:mc="http://schemas.openxmlformats.org/markup-compatibility/2006">
-    <mc:Choice xmlns:p14="http://schemas.microsoft.com/office/powerpoint/2010/main" xmlns="" Requires="p14">
+    <mc:Choice xmlns="" xmlns:p14="http://schemas.microsoft.com/office/powerpoint/2010/main" Requires="p14">
       <p:transition spd="med" p14:dur="700">
         <p:fade/>
       </p:transition>
@@ -8210,385 +10008,6 @@
 </p:sld>
 </file>
 
-<file path=ppt/slides/slide8.xml><?xml version="1.0" encoding="utf-8"?>
-<p:sld xmlns:a="http://schemas.openxmlformats.org/drawingml/2006/main" xmlns:r="http://schemas.openxmlformats.org/officeDocument/2006/relationships" xmlns:p="http://schemas.openxmlformats.org/presentationml/2006/main">
-  <p:cSld>
-    <p:spTree>
-      <p:nvGrpSpPr>
-        <p:cNvPr id="1" name=""/>
-        <p:cNvGrpSpPr/>
-        <p:nvPr/>
-      </p:nvGrpSpPr>
-      <p:grpSpPr>
-        <a:xfrm>
-          <a:off x="0" y="0"/>
-          <a:ext cx="0" cy="0"/>
-          <a:chOff x="0" y="0"/>
-          <a:chExt cx="0" cy="0"/>
-        </a:xfrm>
-      </p:grpSpPr>
-      <p:sp>
-        <p:nvSpPr>
-          <p:cNvPr id="2" name="1 - Θέση περιεχομένου"/>
-          <p:cNvSpPr>
-            <a:spLocks noGrp="1"/>
-          </p:cNvSpPr>
-          <p:nvPr>
-            <p:ph idx="1"/>
-          </p:nvPr>
-        </p:nvSpPr>
-        <p:spPr/>
-        <p:txBody>
-          <a:bodyPr>
-            <a:normAutofit fontScale="55000" lnSpcReduction="20000"/>
-          </a:bodyPr>
-          <a:lstStyle/>
-          <a:p>
-            <a:pPr>
-              <a:buNone/>
-            </a:pPr>
-            <a:r>
-              <a:rPr lang="en-US" dirty="0" smtClean="0"/>
-              <a:t>possible example for slice/ observation-selection query:</a:t>
-            </a:r>
-            <a:endParaRPr lang="el-GR" dirty="0" smtClean="0"/>
-          </a:p>
-          <a:p>
-            <a:pPr>
-              <a:buNone/>
-            </a:pPr>
-            <a:r>
-              <a:rPr lang="en-US" dirty="0" smtClean="0"/>
-              <a:t> </a:t>
-            </a:r>
-            <a:endParaRPr lang="el-GR" dirty="0" smtClean="0"/>
-          </a:p>
-          <a:p>
-            <a:pPr>
-              <a:buNone/>
-            </a:pPr>
-            <a:r>
-              <a:rPr lang="en-US" dirty="0" smtClean="0"/>
-              <a:t>{ </a:t>
-            </a:r>
-            <a:endParaRPr lang="el-GR" dirty="0" smtClean="0"/>
-          </a:p>
-          <a:p>
-            <a:pPr>
-              <a:buNone/>
-            </a:pPr>
-            <a:r>
-              <a:rPr lang="en-US" dirty="0" smtClean="0"/>
-              <a:t>  "</a:t>
-            </a:r>
-            <a:r>
-              <a:rPr lang="en-US" dirty="0" err="1" smtClean="0"/>
-              <a:t>jqql:dataset</a:t>
-            </a:r>
-            <a:r>
-              <a:rPr lang="en-US" dirty="0" smtClean="0"/>
-              <a:t>": "</a:t>
-            </a:r>
-            <a:r>
-              <a:rPr lang="en-US" dirty="0" err="1" smtClean="0"/>
-              <a:t>scot:home</a:t>
-            </a:r>
-            <a:r>
-              <a:rPr lang="en-US" dirty="0" smtClean="0"/>
-              <a:t>-care-clients",</a:t>
-            </a:r>
-            <a:endParaRPr lang="el-GR" dirty="0" smtClean="0"/>
-          </a:p>
-          <a:p>
-            <a:pPr>
-              <a:buNone/>
-            </a:pPr>
-            <a:r>
-              <a:rPr lang="en-US" dirty="0" smtClean="0"/>
-              <a:t>  "</a:t>
-            </a:r>
-            <a:r>
-              <a:rPr lang="en-US" dirty="0" err="1" smtClean="0"/>
-              <a:t>jqql:filter</a:t>
-            </a:r>
-            <a:r>
-              <a:rPr lang="en-US" dirty="0" smtClean="0"/>
-              <a:t>": {</a:t>
-            </a:r>
-            <a:endParaRPr lang="el-GR" dirty="0" smtClean="0"/>
-          </a:p>
-          <a:p>
-            <a:pPr>
-              <a:buNone/>
-            </a:pPr>
-            <a:r>
-              <a:rPr lang="en-US" dirty="0" smtClean="0"/>
-              <a:t>"</a:t>
-            </a:r>
-            <a:r>
-              <a:rPr lang="en-US" dirty="0" err="1" smtClean="0"/>
-              <a:t>dimension:gender</a:t>
-            </a:r>
-            <a:r>
-              <a:rPr lang="en-US" dirty="0" smtClean="0"/>
-              <a:t>": "</a:t>
-            </a:r>
-            <a:r>
-              <a:rPr lang="en-US" dirty="0" err="1" smtClean="0"/>
-              <a:t>gender:male</a:t>
-            </a:r>
-            <a:r>
-              <a:rPr lang="en-US" dirty="0" smtClean="0"/>
-              <a:t>",</a:t>
-            </a:r>
-            <a:endParaRPr lang="el-GR" dirty="0" smtClean="0"/>
-          </a:p>
-          <a:p>
-            <a:pPr>
-              <a:buNone/>
-            </a:pPr>
-            <a:r>
-              <a:rPr lang="en-US" dirty="0" smtClean="0"/>
-              <a:t>   "</a:t>
-            </a:r>
-            <a:r>
-              <a:rPr lang="en-US" dirty="0" err="1" smtClean="0"/>
-              <a:t>dimension:age</a:t>
-            </a:r>
-            <a:r>
-              <a:rPr lang="en-US" dirty="0" smtClean="0"/>
-              <a:t>": { "</a:t>
-            </a:r>
-            <a:r>
-              <a:rPr lang="en-US" dirty="0" err="1" smtClean="0"/>
-              <a:t>jqql:greater</a:t>
-            </a:r>
-            <a:r>
-              <a:rPr lang="en-US" dirty="0" smtClean="0"/>
-              <a:t>-than": 50 }</a:t>
-            </a:r>
-            <a:endParaRPr lang="el-GR" dirty="0" smtClean="0"/>
-          </a:p>
-          <a:p>
-            <a:pPr>
-              <a:buNone/>
-            </a:pPr>
-            <a:r>
-              <a:rPr lang="en-US" dirty="0" smtClean="0"/>
-              <a:t>  },</a:t>
-            </a:r>
-            <a:endParaRPr lang="el-GR" dirty="0" smtClean="0"/>
-          </a:p>
-          <a:p>
-            <a:pPr>
-              <a:buNone/>
-            </a:pPr>
-            <a:r>
-              <a:rPr lang="en-US" dirty="0" smtClean="0"/>
-              <a:t>  "</a:t>
-            </a:r>
-            <a:r>
-              <a:rPr lang="en-US" dirty="0" err="1" smtClean="0"/>
-              <a:t>jqql:order</a:t>
-            </a:r>
-            <a:r>
-              <a:rPr lang="en-US" dirty="0" smtClean="0"/>
-              <a:t>": {</a:t>
-            </a:r>
-            <a:endParaRPr lang="el-GR" dirty="0" smtClean="0"/>
-          </a:p>
-          <a:p>
-            <a:pPr>
-              <a:buNone/>
-            </a:pPr>
-            <a:r>
-              <a:rPr lang="en-US" dirty="0" smtClean="0"/>
-              <a:t>    "</a:t>
-            </a:r>
-            <a:r>
-              <a:rPr lang="en-US" dirty="0" err="1" smtClean="0"/>
-              <a:t>dimension:refPeriod</a:t>
-            </a:r>
-            <a:r>
-              <a:rPr lang="en-US" dirty="0" smtClean="0"/>
-              <a:t>": { "</a:t>
-            </a:r>
-            <a:r>
-              <a:rPr lang="en-US" dirty="0" err="1" smtClean="0"/>
-              <a:t>jqql:order</a:t>
-            </a:r>
-            <a:r>
-              <a:rPr lang="en-US" dirty="0" smtClean="0"/>
-              <a:t>-predicate": "</a:t>
-            </a:r>
-            <a:r>
-              <a:rPr lang="en-US" dirty="0" err="1" smtClean="0"/>
-              <a:t>ui:sortPriority</a:t>
-            </a:r>
-            <a:r>
-              <a:rPr lang="en-US" dirty="0" smtClean="0"/>
-              <a:t>", "</a:t>
-            </a:r>
-            <a:r>
-              <a:rPr lang="en-US" dirty="0" err="1" smtClean="0"/>
-              <a:t>jqql:direction</a:t>
-            </a:r>
-            <a:r>
-              <a:rPr lang="en-US" dirty="0" smtClean="0"/>
-              <a:t>": "</a:t>
-            </a:r>
-            <a:r>
-              <a:rPr lang="en-US" dirty="0" err="1" smtClean="0"/>
-              <a:t>jqql:asc</a:t>
-            </a:r>
-            <a:r>
-              <a:rPr lang="en-US" dirty="0" smtClean="0"/>
-              <a:t>"}</a:t>
-            </a:r>
-            <a:endParaRPr lang="el-GR" dirty="0" smtClean="0"/>
-          </a:p>
-          <a:p>
-            <a:pPr>
-              <a:buNone/>
-            </a:pPr>
-            <a:r>
-              <a:rPr lang="en-US" dirty="0" smtClean="0"/>
-              <a:t>  },</a:t>
-            </a:r>
-            <a:endParaRPr lang="el-GR" dirty="0" smtClean="0"/>
-          </a:p>
-          <a:p>
-            <a:pPr>
-              <a:buNone/>
-            </a:pPr>
-            <a:r>
-              <a:rPr lang="en-US" dirty="0" smtClean="0"/>
-              <a:t>  "</a:t>
-            </a:r>
-            <a:r>
-              <a:rPr lang="en-US" dirty="0" err="1" smtClean="0"/>
-              <a:t>jqql:page</a:t>
-            </a:r>
-            <a:r>
-              <a:rPr lang="en-US" dirty="0" smtClean="0"/>
-              <a:t>": {</a:t>
-            </a:r>
-            <a:endParaRPr lang="el-GR" dirty="0" smtClean="0"/>
-          </a:p>
-          <a:p>
-            <a:pPr>
-              <a:buNone/>
-            </a:pPr>
-            <a:r>
-              <a:rPr lang="en-US" dirty="0" smtClean="0"/>
-              <a:t>    "</a:t>
-            </a:r>
-            <a:r>
-              <a:rPr lang="en-US" dirty="0" err="1" smtClean="0"/>
-              <a:t>jqql:limit</a:t>
-            </a:r>
-            <a:r>
-              <a:rPr lang="en-US" dirty="0" smtClean="0"/>
-              <a:t>": 10,</a:t>
-            </a:r>
-            <a:endParaRPr lang="el-GR" dirty="0" smtClean="0"/>
-          </a:p>
-          <a:p>
-            <a:pPr>
-              <a:buNone/>
-            </a:pPr>
-            <a:r>
-              <a:rPr lang="en-US" dirty="0" smtClean="0"/>
-              <a:t>    "</a:t>
-            </a:r>
-            <a:r>
-              <a:rPr lang="en-US" dirty="0" err="1" smtClean="0"/>
-              <a:t>jqql:offset</a:t>
-            </a:r>
-            <a:r>
-              <a:rPr lang="en-US" dirty="0" smtClean="0"/>
-              <a:t>": 0</a:t>
-            </a:r>
-            <a:endParaRPr lang="el-GR" dirty="0" smtClean="0"/>
-          </a:p>
-          <a:p>
-            <a:pPr>
-              <a:buNone/>
-            </a:pPr>
-            <a:r>
-              <a:rPr lang="en-US" dirty="0" smtClean="0"/>
-              <a:t>  }</a:t>
-            </a:r>
-            <a:endParaRPr lang="el-GR" dirty="0" smtClean="0"/>
-          </a:p>
-          <a:p>
-            <a:pPr>
-              <a:buNone/>
-            </a:pPr>
-            <a:r>
-              <a:rPr lang="en-US" dirty="0" smtClean="0"/>
-              <a:t>}</a:t>
-            </a:r>
-          </a:p>
-          <a:p>
-            <a:pPr>
-              <a:buNone/>
-            </a:pPr>
-            <a:endParaRPr lang="en-US" dirty="0" smtClean="0"/>
-          </a:p>
-          <a:p>
-            <a:pPr>
-              <a:buNone/>
-            </a:pPr>
-            <a:endParaRPr lang="el-GR" dirty="0"/>
-          </a:p>
-        </p:txBody>
-      </p:sp>
-      <p:sp>
-        <p:nvSpPr>
-          <p:cNvPr id="3" name="2 - Τίτλος"/>
-          <p:cNvSpPr>
-            <a:spLocks noGrp="1"/>
-          </p:cNvSpPr>
-          <p:nvPr>
-            <p:ph type="title"/>
-          </p:nvPr>
-        </p:nvSpPr>
-        <p:spPr/>
-        <p:txBody>
-          <a:bodyPr>
-            <a:normAutofit/>
-          </a:bodyPr>
-          <a:lstStyle/>
-          <a:p>
-            <a:r>
-              <a:rPr lang="en-US" dirty="0" smtClean="0"/>
-              <a:t>5.1 Input specification (cont.)</a:t>
-            </a:r>
-            <a:endParaRPr lang="el-GR" dirty="0"/>
-          </a:p>
-        </p:txBody>
-      </p:sp>
-    </p:spTree>
-  </p:cSld>
-  <p:clrMapOvr>
-    <a:masterClrMapping/>
-  </p:clrMapOvr>
-  <mc:AlternateContent xmlns:mc="http://schemas.openxmlformats.org/markup-compatibility/2006">
-    <mc:Choice xmlns:p14="http://schemas.microsoft.com/office/powerpoint/2010/main" xmlns="" Requires="p14">
-      <p:transition spd="med" p14:dur="700">
-        <p:fade/>
-      </p:transition>
-    </mc:Choice>
-    <mc:Fallback>
-      <p:transition spd="med">
-        <p:fade/>
-      </p:transition>
-    </mc:Fallback>
-  </mc:AlternateContent>
-</p:sld>
-</file>
-
 <file path=ppt/slides/slide9.xml><?xml version="1.0" encoding="utf-8"?>
 <p:sld xmlns:a="http://schemas.openxmlformats.org/drawingml/2006/main" xmlns:r="http://schemas.openxmlformats.org/officeDocument/2006/relationships" xmlns:p="http://schemas.openxmlformats.org/presentationml/2006/main">
   <p:cSld>
@@ -8619,7 +10038,7 @@
         <p:spPr/>
         <p:txBody>
           <a:bodyPr>
-            <a:normAutofit fontScale="85000" lnSpcReduction="20000"/>
+            <a:normAutofit fontScale="55000" lnSpcReduction="20000"/>
           </a:bodyPr>
           <a:lstStyle/>
           <a:p>
@@ -8627,143 +10046,299 @@
               <a:buNone/>
             </a:pPr>
             <a:r>
-              <a:rPr lang="en-US" sz="2400" dirty="0" smtClean="0"/>
-              <a:t>{ "observations": [ </a:t>
-            </a:r>
+              <a:rPr lang="en-US" dirty="0" smtClean="0"/>
+              <a:t>possible example for slice/ observation-selection query:</a:t>
+            </a:r>
+            <a:endParaRPr lang="el-GR" dirty="0" smtClean="0"/>
           </a:p>
           <a:p>
             <a:pPr>
               <a:buNone/>
             </a:pPr>
             <a:r>
-              <a:rPr lang="en-US" sz="2400" dirty="0" smtClean="0"/>
-              <a:t>	{ "Average Cost": "1182", </a:t>
-            </a:r>
+              <a:rPr lang="en-US" dirty="0" smtClean="0"/>
+              <a:t> </a:t>
+            </a:r>
+            <a:endParaRPr lang="el-GR" dirty="0" smtClean="0"/>
           </a:p>
           <a:p>
             <a:pPr>
               <a:buNone/>
             </a:pPr>
             <a:r>
-              <a:rPr lang="en-US" sz="2400" dirty="0" smtClean="0"/>
-              <a:t>   	  "Date": "1-1-2013", </a:t>
-            </a:r>
+              <a:rPr lang="en-US" dirty="0" smtClean="0"/>
+              <a:t>{ </a:t>
+            </a:r>
+            <a:endParaRPr lang="el-GR" dirty="0" smtClean="0"/>
           </a:p>
           <a:p>
             <a:pPr>
               <a:buNone/>
             </a:pPr>
             <a:r>
-              <a:rPr lang="en-US" sz="2400" dirty="0" smtClean="0"/>
-              <a:t>	  "Day": "Tuesday", </a:t>
-            </a:r>
+              <a:rPr lang="en-US" dirty="0" smtClean="0"/>
+              <a:t>  "</a:t>
+            </a:r>
+            <a:r>
+              <a:rPr lang="en-US" dirty="0" err="1" smtClean="0"/>
+              <a:t>jqql:dataset</a:t>
+            </a:r>
+            <a:r>
+              <a:rPr lang="en-US" dirty="0" smtClean="0"/>
+              <a:t>": "</a:t>
+            </a:r>
+            <a:r>
+              <a:rPr lang="en-US" dirty="0" err="1" smtClean="0"/>
+              <a:t>scot:home</a:t>
+            </a:r>
+            <a:r>
+              <a:rPr lang="en-US" dirty="0" smtClean="0"/>
+              <a:t>-care-clients",</a:t>
+            </a:r>
+            <a:endParaRPr lang="el-GR" dirty="0" smtClean="0"/>
           </a:p>
           <a:p>
             <a:pPr>
               <a:buNone/>
             </a:pPr>
             <a:r>
-              <a:rPr lang="en-US" sz="2400" dirty="0" smtClean="0"/>
-              <a:t>	  "Number of crashes": "5",</a:t>
-            </a:r>
+              <a:rPr lang="en-US" dirty="0" smtClean="0"/>
+              <a:t>  "</a:t>
+            </a:r>
+            <a:r>
+              <a:rPr lang="en-US" dirty="0" err="1" smtClean="0"/>
+              <a:t>jqql:filter</a:t>
+            </a:r>
+            <a:r>
+              <a:rPr lang="en-US" dirty="0" smtClean="0"/>
+              <a:t>": {</a:t>
+            </a:r>
+            <a:endParaRPr lang="el-GR" dirty="0" smtClean="0"/>
           </a:p>
           <a:p>
             <a:pPr>
               <a:buNone/>
             </a:pPr>
             <a:r>
-              <a:rPr lang="en-US" sz="2400" dirty="0" smtClean="0"/>
-              <a:t>	  "Time": "No available time",</a:t>
-            </a:r>
+              <a:rPr lang="en-US" dirty="0" smtClean="0"/>
+              <a:t>"</a:t>
+            </a:r>
+            <a:r>
+              <a:rPr lang="en-US" dirty="0" err="1" smtClean="0"/>
+              <a:t>dimension:gender</a:t>
+            </a:r>
+            <a:r>
+              <a:rPr lang="en-US" dirty="0" smtClean="0"/>
+              <a:t>": "</a:t>
+            </a:r>
+            <a:r>
+              <a:rPr lang="en-US" dirty="0" err="1" smtClean="0"/>
+              <a:t>gender:male</a:t>
+            </a:r>
+            <a:r>
+              <a:rPr lang="en-US" dirty="0" smtClean="0"/>
+              <a:t>",</a:t>
+            </a:r>
+            <a:endParaRPr lang="el-GR" dirty="0" smtClean="0"/>
           </a:p>
           <a:p>
             <a:pPr>
               <a:buNone/>
             </a:pPr>
             <a:r>
-              <a:rPr lang="en-US" sz="2400" dirty="0" smtClean="0"/>
-              <a:t>	   "Total Cost": "5908", </a:t>
-            </a:r>
-            <a:br>
-              <a:rPr lang="en-US" sz="2400" dirty="0" smtClean="0"/>
-            </a:br>
-            <a:r>
-              <a:rPr lang="en-US" sz="2400" dirty="0" smtClean="0"/>
-              <a:t>   "@id": http://id.mkm.ee/observation/1" }, </a:t>
-            </a:r>
+              <a:rPr lang="en-US" dirty="0" smtClean="0"/>
+              <a:t>   "</a:t>
+            </a:r>
+            <a:r>
+              <a:rPr lang="en-US" dirty="0" err="1" smtClean="0"/>
+              <a:t>dimension:age</a:t>
+            </a:r>
+            <a:r>
+              <a:rPr lang="en-US" dirty="0" smtClean="0"/>
+              <a:t>": { "</a:t>
+            </a:r>
+            <a:r>
+              <a:rPr lang="en-US" dirty="0" err="1" smtClean="0"/>
+              <a:t>jqql:greater</a:t>
+            </a:r>
+            <a:r>
+              <a:rPr lang="en-US" dirty="0" smtClean="0"/>
+              <a:t>-than": 50 }</a:t>
+            </a:r>
+            <a:endParaRPr lang="el-GR" dirty="0" smtClean="0"/>
           </a:p>
           <a:p>
             <a:pPr>
               <a:buNone/>
             </a:pPr>
             <a:r>
-              <a:rPr lang="en-US" sz="2400" dirty="0" smtClean="0"/>
-              <a:t>	{ "Average Cost": "400",</a:t>
-            </a:r>
+              <a:rPr lang="en-US" dirty="0" smtClean="0"/>
+              <a:t>  },</a:t>
+            </a:r>
+            <a:endParaRPr lang="el-GR" dirty="0" smtClean="0"/>
           </a:p>
           <a:p>
             <a:pPr>
               <a:buNone/>
             </a:pPr>
             <a:r>
-              <a:rPr lang="en-US" sz="2400" dirty="0" smtClean="0"/>
-              <a:t>	  "Date": "1-1-2013",</a:t>
-            </a:r>
+              <a:rPr lang="en-US" dirty="0" smtClean="0"/>
+              <a:t>  "</a:t>
+            </a:r>
+            <a:r>
+              <a:rPr lang="en-US" dirty="0" err="1" smtClean="0"/>
+              <a:t>jqql:order</a:t>
+            </a:r>
+            <a:r>
+              <a:rPr lang="en-US" dirty="0" smtClean="0"/>
+              <a:t>": {</a:t>
+            </a:r>
+            <a:endParaRPr lang="el-GR" dirty="0" smtClean="0"/>
           </a:p>
           <a:p>
             <a:pPr>
               <a:buNone/>
             </a:pPr>
             <a:r>
-              <a:rPr lang="en-US" sz="2400" dirty="0" smtClean="0"/>
-              <a:t>	  "Day": "Tuesday",</a:t>
-            </a:r>
+              <a:rPr lang="en-US" dirty="0" smtClean="0"/>
+              <a:t>    "</a:t>
+            </a:r>
+            <a:r>
+              <a:rPr lang="en-US" dirty="0" err="1" smtClean="0"/>
+              <a:t>dimension:refPeriod</a:t>
+            </a:r>
+            <a:r>
+              <a:rPr lang="en-US" dirty="0" smtClean="0"/>
+              <a:t>": { "</a:t>
+            </a:r>
+            <a:r>
+              <a:rPr lang="en-US" dirty="0" err="1" smtClean="0"/>
+              <a:t>jqql:order</a:t>
+            </a:r>
+            <a:r>
+              <a:rPr lang="en-US" dirty="0" smtClean="0"/>
+              <a:t>-predicate": "</a:t>
+            </a:r>
+            <a:r>
+              <a:rPr lang="en-US" dirty="0" err="1" smtClean="0"/>
+              <a:t>ui:sortPriority</a:t>
+            </a:r>
+            <a:r>
+              <a:rPr lang="en-US" dirty="0" smtClean="0"/>
+              <a:t>", "</a:t>
+            </a:r>
+            <a:r>
+              <a:rPr lang="en-US" dirty="0" err="1" smtClean="0"/>
+              <a:t>jqql:direction</a:t>
+            </a:r>
+            <a:r>
+              <a:rPr lang="en-US" dirty="0" smtClean="0"/>
+              <a:t>": "</a:t>
+            </a:r>
+            <a:r>
+              <a:rPr lang="en-US" dirty="0" err="1" smtClean="0"/>
+              <a:t>jqql:asc</a:t>
+            </a:r>
+            <a:r>
+              <a:rPr lang="en-US" dirty="0" smtClean="0"/>
+              <a:t>"}</a:t>
+            </a:r>
+            <a:endParaRPr lang="el-GR" dirty="0" smtClean="0"/>
           </a:p>
           <a:p>
             <a:pPr>
               <a:buNone/>
             </a:pPr>
             <a:r>
-              <a:rPr lang="en-US" sz="2400" dirty="0" smtClean="0"/>
-              <a:t>	  "Number of crashes": "1",</a:t>
-            </a:r>
+              <a:rPr lang="en-US" dirty="0" smtClean="0"/>
+              <a:t>  },</a:t>
+            </a:r>
+            <a:endParaRPr lang="el-GR" dirty="0" smtClean="0"/>
           </a:p>
           <a:p>
             <a:pPr>
               <a:buNone/>
             </a:pPr>
             <a:r>
-              <a:rPr lang="en-US" sz="2400" dirty="0" smtClean="0"/>
-              <a:t>	  "Time": "24:00",</a:t>
-            </a:r>
+              <a:rPr lang="en-US" dirty="0" smtClean="0"/>
+              <a:t>  "</a:t>
+            </a:r>
+            <a:r>
+              <a:rPr lang="en-US" dirty="0" err="1" smtClean="0"/>
+              <a:t>jqql:page</a:t>
+            </a:r>
+            <a:r>
+              <a:rPr lang="en-US" dirty="0" smtClean="0"/>
+              <a:t>": {</a:t>
+            </a:r>
+            <a:endParaRPr lang="el-GR" dirty="0" smtClean="0"/>
           </a:p>
           <a:p>
             <a:pPr>
               <a:buNone/>
             </a:pPr>
             <a:r>
-              <a:rPr lang="en-US" sz="2400" dirty="0" smtClean="0"/>
-              <a:t> 	  "Total Cost": "400",</a:t>
-            </a:r>
+              <a:rPr lang="en-US" dirty="0" smtClean="0"/>
+              <a:t>    "</a:t>
+            </a:r>
+            <a:r>
+              <a:rPr lang="en-US" dirty="0" err="1" smtClean="0"/>
+              <a:t>jqql:limit</a:t>
+            </a:r>
+            <a:r>
+              <a:rPr lang="en-US" dirty="0" smtClean="0"/>
+              <a:t>": 10,</a:t>
+            </a:r>
+            <a:endParaRPr lang="el-GR" dirty="0" smtClean="0"/>
           </a:p>
           <a:p>
             <a:pPr>
               <a:buNone/>
             </a:pPr>
             <a:r>
-              <a:rPr lang="en-US" sz="2400" dirty="0" smtClean="0"/>
-              <a:t>	  "@id": "http://id.mkm.ee/observation/2" }</a:t>
-            </a:r>
+              <a:rPr lang="en-US" dirty="0" smtClean="0"/>
+              <a:t>    "</a:t>
+            </a:r>
+            <a:r>
+              <a:rPr lang="en-US" dirty="0" err="1" smtClean="0"/>
+              <a:t>jqql:offset</a:t>
+            </a:r>
+            <a:r>
+              <a:rPr lang="en-US" dirty="0" smtClean="0"/>
+              <a:t>": 0</a:t>
+            </a:r>
+            <a:endParaRPr lang="el-GR" dirty="0" smtClean="0"/>
           </a:p>
           <a:p>
             <a:pPr>
               <a:buNone/>
             </a:pPr>
             <a:r>
-              <a:rPr lang="en-US" sz="2400" dirty="0" smtClean="0"/>
-              <a:t>]}</a:t>
-            </a:r>
-            <a:endParaRPr lang="el-GR" sz="2400" dirty="0"/>
+              <a:rPr lang="en-US" dirty="0" smtClean="0"/>
+              <a:t>  }</a:t>
+            </a:r>
+            <a:endParaRPr lang="el-GR" dirty="0" smtClean="0"/>
+          </a:p>
+          <a:p>
+            <a:pPr>
+              <a:buNone/>
+            </a:pPr>
+            <a:r>
+              <a:rPr lang="en-US" dirty="0" smtClean="0"/>
+              <a:t>}</a:t>
+            </a:r>
+          </a:p>
+          <a:p>
+            <a:pPr>
+              <a:buNone/>
+            </a:pPr>
+            <a:endParaRPr lang="en-US" dirty="0" smtClean="0"/>
+          </a:p>
+          <a:p>
+            <a:pPr>
+              <a:buNone/>
+            </a:pPr>
+            <a:endParaRPr lang="el-GR" dirty="0"/>
           </a:p>
         </p:txBody>
       </p:sp>
@@ -8779,12 +10354,14 @@
         </p:nvSpPr>
         <p:spPr/>
         <p:txBody>
-          <a:bodyPr/>
+          <a:bodyPr>
+            <a:normAutofit/>
+          </a:bodyPr>
           <a:lstStyle/>
           <a:p>
             <a:r>
               <a:rPr lang="en-US" dirty="0" smtClean="0"/>
-              <a:t>5.2 Output specification</a:t>
+              <a:t>5.1 Input specification (cont.)</a:t>
             </a:r>
             <a:endParaRPr lang="el-GR" dirty="0"/>
           </a:p>
@@ -8796,7 +10373,7 @@
     <a:masterClrMapping/>
   </p:clrMapOvr>
   <mc:AlternateContent xmlns:mc="http://schemas.openxmlformats.org/markup-compatibility/2006">
-    <mc:Choice xmlns:p14="http://schemas.microsoft.com/office/powerpoint/2010/main" xmlns="" Requires="p14">
+    <mc:Choice xmlns="" xmlns:p14="http://schemas.microsoft.com/office/powerpoint/2010/main" Requires="p14">
       <p:transition spd="med" p14:dur="700">
         <p:fade/>
       </p:transition>

--- a/images/paper_structure_v2(1).pptx
+++ b/images/paper_structure_v2(1).pptx
@@ -9,14 +9,15 @@
     <p:sldId id="257" r:id="rId3"/>
     <p:sldId id="275" r:id="rId4"/>
     <p:sldId id="259" r:id="rId5"/>
-    <p:sldId id="280" r:id="rId6"/>
-    <p:sldId id="281" r:id="rId7"/>
-    <p:sldId id="276" r:id="rId8"/>
-    <p:sldId id="262" r:id="rId9"/>
-    <p:sldId id="273" r:id="rId10"/>
-    <p:sldId id="278" r:id="rId11"/>
-    <p:sldId id="279" r:id="rId12"/>
-    <p:sldId id="270" r:id="rId13"/>
+    <p:sldId id="282" r:id="rId6"/>
+    <p:sldId id="280" r:id="rId7"/>
+    <p:sldId id="281" r:id="rId8"/>
+    <p:sldId id="276" r:id="rId9"/>
+    <p:sldId id="262" r:id="rId10"/>
+    <p:sldId id="273" r:id="rId11"/>
+    <p:sldId id="278" r:id="rId12"/>
+    <p:sldId id="279" r:id="rId13"/>
+    <p:sldId id="270" r:id="rId14"/>
   </p:sldIdLst>
   <p:sldSz cx="9144000" cy="6858000" type="screen4x3"/>
   <p:notesSz cx="6858000" cy="9144000"/>
@@ -117,7 +118,7 @@
   </p:defaultTextStyle>
   <p:extLst>
     <p:ext uri="{EFAFB233-063F-42B5-8137-9DF3F51BA10A}">
-      <p15:sldGuideLst xmlns="" xmlns:p15="http://schemas.microsoft.com/office/powerpoint/2012/main">
+      <p15:sldGuideLst xmlns:p15="http://schemas.microsoft.com/office/powerpoint/2012/main" xmlns="">
         <p15:guide id="1" orient="horz" pos="2160">
           <p15:clr>
             <a:srgbClr val="A4A3A4"/>
@@ -316,7 +317,7 @@
             <a:fld id="{2342CEA3-3058-4D43-AE35-B3DA76CB4003}" type="datetimeFigureOut">
               <a:rPr lang="el-GR" smtClean="0"/>
               <a:pPr/>
-              <a:t>1/8/2017</a:t>
+              <a:t>3/8/2017</a:t>
             </a:fld>
             <a:endParaRPr lang="el-GR"/>
           </a:p>
@@ -483,7 +484,7 @@
             <a:fld id="{2342CEA3-3058-4D43-AE35-B3DA76CB4003}" type="datetimeFigureOut">
               <a:rPr lang="el-GR" smtClean="0"/>
               <a:pPr/>
-              <a:t>1/8/2017</a:t>
+              <a:t>3/8/2017</a:t>
             </a:fld>
             <a:endParaRPr lang="el-GR"/>
           </a:p>
@@ -660,7 +661,7 @@
             <a:fld id="{2342CEA3-3058-4D43-AE35-B3DA76CB4003}" type="datetimeFigureOut">
               <a:rPr lang="el-GR" smtClean="0"/>
               <a:pPr/>
-              <a:t>1/8/2017</a:t>
+              <a:t>3/8/2017</a:t>
             </a:fld>
             <a:endParaRPr lang="el-GR"/>
           </a:p>
@@ -863,7 +864,7 @@
     </p:spTree>
     <p:extLst>
       <p:ext uri="{BB962C8B-B14F-4D97-AF65-F5344CB8AC3E}">
-        <p14:creationId xmlns="" xmlns:p14="http://schemas.microsoft.com/office/powerpoint/2010/main" val="1818076121"/>
+        <p14:creationId xmlns:p14="http://schemas.microsoft.com/office/powerpoint/2010/main" xmlns="" val="1818076121"/>
       </p:ext>
     </p:extLst>
   </p:cSld>
@@ -871,7 +872,7 @@
     <a:masterClrMapping/>
   </p:clrMapOvr>
   <mc:AlternateContent xmlns:mc="http://schemas.openxmlformats.org/markup-compatibility/2006">
-    <mc:Choice xmlns="" xmlns:p14="http://schemas.microsoft.com/office/powerpoint/2010/main" Requires="p14">
+    <mc:Choice xmlns:p14="http://schemas.microsoft.com/office/powerpoint/2010/main" xmlns="" Requires="p14">
       <p:transition spd="med" p14:dur="700">
         <p:fade/>
       </p:transition>
@@ -1259,7 +1260,7 @@
     </p:spTree>
     <p:extLst>
       <p:ext uri="{BB962C8B-B14F-4D97-AF65-F5344CB8AC3E}">
-        <p14:creationId xmlns="" xmlns:p14="http://schemas.microsoft.com/office/powerpoint/2010/main" val="2510624659"/>
+        <p14:creationId xmlns:p14="http://schemas.microsoft.com/office/powerpoint/2010/main" xmlns="" val="2510624659"/>
       </p:ext>
     </p:extLst>
   </p:cSld>
@@ -1267,7 +1268,7 @@
     <a:masterClrMapping/>
   </p:clrMapOvr>
   <mc:AlternateContent xmlns:mc="http://schemas.openxmlformats.org/markup-compatibility/2006">
-    <mc:Choice xmlns="" xmlns:p14="http://schemas.microsoft.com/office/powerpoint/2010/main" Requires="p14">
+    <mc:Choice xmlns:p14="http://schemas.microsoft.com/office/powerpoint/2010/main" xmlns="" Requires="p14">
       <p:transition spd="med" p14:dur="700">
         <p:fade/>
       </p:transition>
@@ -1398,7 +1399,7 @@
             <a:fld id="{2342CEA3-3058-4D43-AE35-B3DA76CB4003}" type="datetimeFigureOut">
               <a:rPr lang="el-GR" smtClean="0"/>
               <a:pPr/>
-              <a:t>1/8/2017</a:t>
+              <a:t>3/8/2017</a:t>
             </a:fld>
             <a:endParaRPr lang="el-GR"/>
           </a:p>
@@ -1641,7 +1642,7 @@
             <a:fld id="{2342CEA3-3058-4D43-AE35-B3DA76CB4003}" type="datetimeFigureOut">
               <a:rPr lang="el-GR" smtClean="0"/>
               <a:pPr/>
-              <a:t>1/8/2017</a:t>
+              <a:t>3/8/2017</a:t>
             </a:fld>
             <a:endParaRPr lang="el-GR"/>
           </a:p>
@@ -1926,7 +1927,7 @@
             <a:fld id="{2342CEA3-3058-4D43-AE35-B3DA76CB4003}" type="datetimeFigureOut">
               <a:rPr lang="el-GR" smtClean="0"/>
               <a:pPr/>
-              <a:t>1/8/2017</a:t>
+              <a:t>3/8/2017</a:t>
             </a:fld>
             <a:endParaRPr lang="el-GR"/>
           </a:p>
@@ -2345,7 +2346,7 @@
             <a:fld id="{2342CEA3-3058-4D43-AE35-B3DA76CB4003}" type="datetimeFigureOut">
               <a:rPr lang="el-GR" smtClean="0"/>
               <a:pPr/>
-              <a:t>1/8/2017</a:t>
+              <a:t>3/8/2017</a:t>
             </a:fld>
             <a:endParaRPr lang="el-GR"/>
           </a:p>
@@ -2460,7 +2461,7 @@
             <a:fld id="{2342CEA3-3058-4D43-AE35-B3DA76CB4003}" type="datetimeFigureOut">
               <a:rPr lang="el-GR" smtClean="0"/>
               <a:pPr/>
-              <a:t>1/8/2017</a:t>
+              <a:t>3/8/2017</a:t>
             </a:fld>
             <a:endParaRPr lang="el-GR"/>
           </a:p>
@@ -2552,7 +2553,7 @@
             <a:fld id="{2342CEA3-3058-4D43-AE35-B3DA76CB4003}" type="datetimeFigureOut">
               <a:rPr lang="el-GR" smtClean="0"/>
               <a:pPr/>
-              <a:t>1/8/2017</a:t>
+              <a:t>3/8/2017</a:t>
             </a:fld>
             <a:endParaRPr lang="el-GR"/>
           </a:p>
@@ -2826,7 +2827,7 @@
             <a:fld id="{2342CEA3-3058-4D43-AE35-B3DA76CB4003}" type="datetimeFigureOut">
               <a:rPr lang="el-GR" smtClean="0"/>
               <a:pPr/>
-              <a:t>1/8/2017</a:t>
+              <a:t>3/8/2017</a:t>
             </a:fld>
             <a:endParaRPr lang="el-GR"/>
           </a:p>
@@ -3076,7 +3077,7 @@
             <a:fld id="{2342CEA3-3058-4D43-AE35-B3DA76CB4003}" type="datetimeFigureOut">
               <a:rPr lang="el-GR" smtClean="0"/>
               <a:pPr/>
-              <a:t>1/8/2017</a:t>
+              <a:t>3/8/2017</a:t>
             </a:fld>
             <a:endParaRPr lang="el-GR"/>
           </a:p>
@@ -3286,7 +3287,7 @@
             <a:fld id="{2342CEA3-3058-4D43-AE35-B3DA76CB4003}" type="datetimeFigureOut">
               <a:rPr lang="el-GR" smtClean="0"/>
               <a:pPr/>
-              <a:t>1/8/2017</a:t>
+              <a:t>3/8/2017</a:t>
             </a:fld>
             <a:endParaRPr lang="el-GR"/>
           </a:p>
@@ -3746,7 +3747,7 @@
         <p:spPr/>
         <p:txBody>
           <a:bodyPr>
-            <a:normAutofit fontScale="85000" lnSpcReduction="20000"/>
+            <a:normAutofit fontScale="55000" lnSpcReduction="20000"/>
           </a:bodyPr>
           <a:lstStyle/>
           <a:p>
@@ -3754,143 +3755,299 @@
               <a:buNone/>
             </a:pPr>
             <a:r>
-              <a:rPr lang="en-US" sz="2400" dirty="0" smtClean="0"/>
-              <a:t>{ "observations": [ </a:t>
-            </a:r>
+              <a:rPr lang="en-US" dirty="0" smtClean="0"/>
+              <a:t>possible example for slice/ observation-selection query:</a:t>
+            </a:r>
+            <a:endParaRPr lang="el-GR" dirty="0" smtClean="0"/>
           </a:p>
           <a:p>
             <a:pPr>
               <a:buNone/>
             </a:pPr>
             <a:r>
-              <a:rPr lang="en-US" sz="2400" dirty="0" smtClean="0"/>
-              <a:t>	{ "Average Cost": "1182", </a:t>
-            </a:r>
+              <a:rPr lang="en-US" dirty="0" smtClean="0"/>
+              <a:t> </a:t>
+            </a:r>
+            <a:endParaRPr lang="el-GR" dirty="0" smtClean="0"/>
           </a:p>
           <a:p>
             <a:pPr>
               <a:buNone/>
             </a:pPr>
             <a:r>
-              <a:rPr lang="en-US" sz="2400" dirty="0" smtClean="0"/>
-              <a:t>   	  "Date": "1-1-2013", </a:t>
-            </a:r>
+              <a:rPr lang="en-US" dirty="0" smtClean="0"/>
+              <a:t>{ </a:t>
+            </a:r>
+            <a:endParaRPr lang="el-GR" dirty="0" smtClean="0"/>
           </a:p>
           <a:p>
             <a:pPr>
               <a:buNone/>
             </a:pPr>
             <a:r>
-              <a:rPr lang="en-US" sz="2400" dirty="0" smtClean="0"/>
-              <a:t>	  "Day": "Tuesday", </a:t>
-            </a:r>
+              <a:rPr lang="en-US" dirty="0" smtClean="0"/>
+              <a:t>  "</a:t>
+            </a:r>
+            <a:r>
+              <a:rPr lang="en-US" dirty="0" err="1" smtClean="0"/>
+              <a:t>jqql:dataset</a:t>
+            </a:r>
+            <a:r>
+              <a:rPr lang="en-US" dirty="0" smtClean="0"/>
+              <a:t>": "</a:t>
+            </a:r>
+            <a:r>
+              <a:rPr lang="en-US" dirty="0" err="1" smtClean="0"/>
+              <a:t>scot:home</a:t>
+            </a:r>
+            <a:r>
+              <a:rPr lang="en-US" dirty="0" smtClean="0"/>
+              <a:t>-care-clients",</a:t>
+            </a:r>
+            <a:endParaRPr lang="el-GR" dirty="0" smtClean="0"/>
           </a:p>
           <a:p>
             <a:pPr>
               <a:buNone/>
             </a:pPr>
             <a:r>
-              <a:rPr lang="en-US" sz="2400" dirty="0" smtClean="0"/>
-              <a:t>	  "Number of crashes": "5",</a:t>
-            </a:r>
+              <a:rPr lang="en-US" dirty="0" smtClean="0"/>
+              <a:t>  "</a:t>
+            </a:r>
+            <a:r>
+              <a:rPr lang="en-US" dirty="0" err="1" smtClean="0"/>
+              <a:t>jqql:filter</a:t>
+            </a:r>
+            <a:r>
+              <a:rPr lang="en-US" dirty="0" smtClean="0"/>
+              <a:t>": {</a:t>
+            </a:r>
+            <a:endParaRPr lang="el-GR" dirty="0" smtClean="0"/>
           </a:p>
           <a:p>
             <a:pPr>
               <a:buNone/>
             </a:pPr>
             <a:r>
-              <a:rPr lang="en-US" sz="2400" dirty="0" smtClean="0"/>
-              <a:t>	  "Time": "No available time",</a:t>
-            </a:r>
+              <a:rPr lang="en-US" dirty="0" smtClean="0"/>
+              <a:t>"</a:t>
+            </a:r>
+            <a:r>
+              <a:rPr lang="en-US" dirty="0" err="1" smtClean="0"/>
+              <a:t>dimension:gender</a:t>
+            </a:r>
+            <a:r>
+              <a:rPr lang="en-US" dirty="0" smtClean="0"/>
+              <a:t>": "</a:t>
+            </a:r>
+            <a:r>
+              <a:rPr lang="en-US" dirty="0" err="1" smtClean="0"/>
+              <a:t>gender:male</a:t>
+            </a:r>
+            <a:r>
+              <a:rPr lang="en-US" dirty="0" smtClean="0"/>
+              <a:t>",</a:t>
+            </a:r>
+            <a:endParaRPr lang="el-GR" dirty="0" smtClean="0"/>
           </a:p>
           <a:p>
             <a:pPr>
               <a:buNone/>
             </a:pPr>
             <a:r>
-              <a:rPr lang="en-US" sz="2400" dirty="0" smtClean="0"/>
-              <a:t>	   "Total Cost": "5908", </a:t>
-            </a:r>
-            <a:br>
-              <a:rPr lang="en-US" sz="2400" dirty="0" smtClean="0"/>
-            </a:br>
-            <a:r>
-              <a:rPr lang="en-US" sz="2400" dirty="0" smtClean="0"/>
-              <a:t>   "@id": http://id.mkm.ee/observation/1" }, </a:t>
-            </a:r>
+              <a:rPr lang="en-US" dirty="0" smtClean="0"/>
+              <a:t>   "</a:t>
+            </a:r>
+            <a:r>
+              <a:rPr lang="en-US" dirty="0" err="1" smtClean="0"/>
+              <a:t>dimension:age</a:t>
+            </a:r>
+            <a:r>
+              <a:rPr lang="en-US" dirty="0" smtClean="0"/>
+              <a:t>": { "</a:t>
+            </a:r>
+            <a:r>
+              <a:rPr lang="en-US" dirty="0" err="1" smtClean="0"/>
+              <a:t>jqql:greater</a:t>
+            </a:r>
+            <a:r>
+              <a:rPr lang="en-US" dirty="0" smtClean="0"/>
+              <a:t>-than": 50 }</a:t>
+            </a:r>
+            <a:endParaRPr lang="el-GR" dirty="0" smtClean="0"/>
           </a:p>
           <a:p>
             <a:pPr>
               <a:buNone/>
             </a:pPr>
             <a:r>
-              <a:rPr lang="en-US" sz="2400" dirty="0" smtClean="0"/>
-              <a:t>	{ "Average Cost": "400",</a:t>
-            </a:r>
+              <a:rPr lang="en-US" dirty="0" smtClean="0"/>
+              <a:t>  },</a:t>
+            </a:r>
+            <a:endParaRPr lang="el-GR" dirty="0" smtClean="0"/>
           </a:p>
           <a:p>
             <a:pPr>
               <a:buNone/>
             </a:pPr>
             <a:r>
-              <a:rPr lang="en-US" sz="2400" dirty="0" smtClean="0"/>
-              <a:t>	  "Date": "1-1-2013",</a:t>
-            </a:r>
+              <a:rPr lang="en-US" dirty="0" smtClean="0"/>
+              <a:t>  "</a:t>
+            </a:r>
+            <a:r>
+              <a:rPr lang="en-US" dirty="0" err="1" smtClean="0"/>
+              <a:t>jqql:order</a:t>
+            </a:r>
+            <a:r>
+              <a:rPr lang="en-US" dirty="0" smtClean="0"/>
+              <a:t>": {</a:t>
+            </a:r>
+            <a:endParaRPr lang="el-GR" dirty="0" smtClean="0"/>
           </a:p>
           <a:p>
             <a:pPr>
               <a:buNone/>
             </a:pPr>
             <a:r>
-              <a:rPr lang="en-US" sz="2400" dirty="0" smtClean="0"/>
-              <a:t>	  "Day": "Tuesday",</a:t>
-            </a:r>
+              <a:rPr lang="en-US" dirty="0" smtClean="0"/>
+              <a:t>    "</a:t>
+            </a:r>
+            <a:r>
+              <a:rPr lang="en-US" dirty="0" err="1" smtClean="0"/>
+              <a:t>dimension:refPeriod</a:t>
+            </a:r>
+            <a:r>
+              <a:rPr lang="en-US" dirty="0" smtClean="0"/>
+              <a:t>": { "</a:t>
+            </a:r>
+            <a:r>
+              <a:rPr lang="en-US" dirty="0" err="1" smtClean="0"/>
+              <a:t>jqql:order</a:t>
+            </a:r>
+            <a:r>
+              <a:rPr lang="en-US" dirty="0" smtClean="0"/>
+              <a:t>-predicate": "</a:t>
+            </a:r>
+            <a:r>
+              <a:rPr lang="en-US" dirty="0" err="1" smtClean="0"/>
+              <a:t>ui:sortPriority</a:t>
+            </a:r>
+            <a:r>
+              <a:rPr lang="en-US" dirty="0" smtClean="0"/>
+              <a:t>", "</a:t>
+            </a:r>
+            <a:r>
+              <a:rPr lang="en-US" dirty="0" err="1" smtClean="0"/>
+              <a:t>jqql:direction</a:t>
+            </a:r>
+            <a:r>
+              <a:rPr lang="en-US" dirty="0" smtClean="0"/>
+              <a:t>": "</a:t>
+            </a:r>
+            <a:r>
+              <a:rPr lang="en-US" dirty="0" err="1" smtClean="0"/>
+              <a:t>jqql:asc</a:t>
+            </a:r>
+            <a:r>
+              <a:rPr lang="en-US" dirty="0" smtClean="0"/>
+              <a:t>"}</a:t>
+            </a:r>
+            <a:endParaRPr lang="el-GR" dirty="0" smtClean="0"/>
           </a:p>
           <a:p>
             <a:pPr>
               <a:buNone/>
             </a:pPr>
             <a:r>
-              <a:rPr lang="en-US" sz="2400" dirty="0" smtClean="0"/>
-              <a:t>	  "Number of crashes": "1",</a:t>
-            </a:r>
+              <a:rPr lang="en-US" dirty="0" smtClean="0"/>
+              <a:t>  },</a:t>
+            </a:r>
+            <a:endParaRPr lang="el-GR" dirty="0" smtClean="0"/>
           </a:p>
           <a:p>
             <a:pPr>
               <a:buNone/>
             </a:pPr>
             <a:r>
-              <a:rPr lang="en-US" sz="2400" dirty="0" smtClean="0"/>
-              <a:t>	  "Time": "24:00",</a:t>
-            </a:r>
+              <a:rPr lang="en-US" dirty="0" smtClean="0"/>
+              <a:t>  "</a:t>
+            </a:r>
+            <a:r>
+              <a:rPr lang="en-US" dirty="0" err="1" smtClean="0"/>
+              <a:t>jqql:page</a:t>
+            </a:r>
+            <a:r>
+              <a:rPr lang="en-US" dirty="0" smtClean="0"/>
+              <a:t>": {</a:t>
+            </a:r>
+            <a:endParaRPr lang="el-GR" dirty="0" smtClean="0"/>
           </a:p>
           <a:p>
             <a:pPr>
               <a:buNone/>
             </a:pPr>
             <a:r>
-              <a:rPr lang="en-US" sz="2400" dirty="0" smtClean="0"/>
-              <a:t> 	  "Total Cost": "400",</a:t>
-            </a:r>
+              <a:rPr lang="en-US" dirty="0" smtClean="0"/>
+              <a:t>    "</a:t>
+            </a:r>
+            <a:r>
+              <a:rPr lang="en-US" dirty="0" err="1" smtClean="0"/>
+              <a:t>jqql:limit</a:t>
+            </a:r>
+            <a:r>
+              <a:rPr lang="en-US" dirty="0" smtClean="0"/>
+              <a:t>": 10,</a:t>
+            </a:r>
+            <a:endParaRPr lang="el-GR" dirty="0" smtClean="0"/>
           </a:p>
           <a:p>
             <a:pPr>
               <a:buNone/>
             </a:pPr>
             <a:r>
-              <a:rPr lang="en-US" sz="2400" dirty="0" smtClean="0"/>
-              <a:t>	  "@id": "http://id.mkm.ee/observation/2" }</a:t>
-            </a:r>
+              <a:rPr lang="en-US" dirty="0" smtClean="0"/>
+              <a:t>    "</a:t>
+            </a:r>
+            <a:r>
+              <a:rPr lang="en-US" dirty="0" err="1" smtClean="0"/>
+              <a:t>jqql:offset</a:t>
+            </a:r>
+            <a:r>
+              <a:rPr lang="en-US" dirty="0" smtClean="0"/>
+              <a:t>": 0</a:t>
+            </a:r>
+            <a:endParaRPr lang="el-GR" dirty="0" smtClean="0"/>
           </a:p>
           <a:p>
             <a:pPr>
               <a:buNone/>
             </a:pPr>
             <a:r>
-              <a:rPr lang="en-US" sz="2400" dirty="0" smtClean="0"/>
-              <a:t>]}</a:t>
-            </a:r>
-            <a:endParaRPr lang="el-GR" sz="2400" dirty="0"/>
+              <a:rPr lang="en-US" dirty="0" smtClean="0"/>
+              <a:t>  }</a:t>
+            </a:r>
+            <a:endParaRPr lang="el-GR" dirty="0" smtClean="0"/>
+          </a:p>
+          <a:p>
+            <a:pPr>
+              <a:buNone/>
+            </a:pPr>
+            <a:r>
+              <a:rPr lang="en-US" dirty="0" smtClean="0"/>
+              <a:t>}</a:t>
+            </a:r>
+          </a:p>
+          <a:p>
+            <a:pPr>
+              <a:buNone/>
+            </a:pPr>
+            <a:endParaRPr lang="en-US" dirty="0" smtClean="0"/>
+          </a:p>
+          <a:p>
+            <a:pPr>
+              <a:buNone/>
+            </a:pPr>
+            <a:endParaRPr lang="el-GR" dirty="0"/>
           </a:p>
         </p:txBody>
       </p:sp>
@@ -3906,12 +4063,14 @@
         </p:nvSpPr>
         <p:spPr/>
         <p:txBody>
-          <a:bodyPr/>
+          <a:bodyPr>
+            <a:normAutofit/>
+          </a:bodyPr>
           <a:lstStyle/>
           <a:p>
             <a:r>
               <a:rPr lang="en-US" dirty="0" smtClean="0"/>
-              <a:t>5.2 Output specification</a:t>
+              <a:t>5.1 Input specification (cont.)</a:t>
             </a:r>
             <a:endParaRPr lang="el-GR" dirty="0"/>
           </a:p>
@@ -3923,7 +4082,7 @@
     <a:masterClrMapping/>
   </p:clrMapOvr>
   <mc:AlternateContent xmlns:mc="http://schemas.openxmlformats.org/markup-compatibility/2006">
-    <mc:Choice xmlns="" xmlns:p14="http://schemas.microsoft.com/office/powerpoint/2010/main" Requires="p14">
+    <mc:Choice xmlns:p14="http://schemas.microsoft.com/office/powerpoint/2010/main" xmlns="" Requires="p14">
       <p:transition spd="med" p14:dur="700">
         <p:fade/>
       </p:transition>
@@ -3966,14 +4125,152 @@
         </p:nvSpPr>
         <p:spPr/>
         <p:txBody>
-          <a:bodyPr/>
-          <a:lstStyle/>
-          <a:p>
-            <a:r>
-              <a:rPr lang="en-US" dirty="0" smtClean="0"/>
-              <a:t>???</a:t>
-            </a:r>
-            <a:endParaRPr lang="el-GR" dirty="0"/>
+          <a:bodyPr>
+            <a:normAutofit fontScale="85000" lnSpcReduction="20000"/>
+          </a:bodyPr>
+          <a:lstStyle/>
+          <a:p>
+            <a:pPr>
+              <a:buNone/>
+            </a:pPr>
+            <a:r>
+              <a:rPr lang="en-US" sz="2400" dirty="0" smtClean="0"/>
+              <a:t>{ "observations": [ </a:t>
+            </a:r>
+          </a:p>
+          <a:p>
+            <a:pPr>
+              <a:buNone/>
+            </a:pPr>
+            <a:r>
+              <a:rPr lang="en-US" sz="2400" dirty="0" smtClean="0"/>
+              <a:t>	{ "Average Cost": "1182", </a:t>
+            </a:r>
+          </a:p>
+          <a:p>
+            <a:pPr>
+              <a:buNone/>
+            </a:pPr>
+            <a:r>
+              <a:rPr lang="en-US" sz="2400" dirty="0" smtClean="0"/>
+              <a:t>   	  "Date": "1-1-2013", </a:t>
+            </a:r>
+          </a:p>
+          <a:p>
+            <a:pPr>
+              <a:buNone/>
+            </a:pPr>
+            <a:r>
+              <a:rPr lang="en-US" sz="2400" dirty="0" smtClean="0"/>
+              <a:t>	  "Day": "Tuesday", </a:t>
+            </a:r>
+          </a:p>
+          <a:p>
+            <a:pPr>
+              <a:buNone/>
+            </a:pPr>
+            <a:r>
+              <a:rPr lang="en-US" sz="2400" dirty="0" smtClean="0"/>
+              <a:t>	  "Number of crashes": "5",</a:t>
+            </a:r>
+          </a:p>
+          <a:p>
+            <a:pPr>
+              <a:buNone/>
+            </a:pPr>
+            <a:r>
+              <a:rPr lang="en-US" sz="2400" dirty="0" smtClean="0"/>
+              <a:t>	  "Time": "No available time",</a:t>
+            </a:r>
+          </a:p>
+          <a:p>
+            <a:pPr>
+              <a:buNone/>
+            </a:pPr>
+            <a:r>
+              <a:rPr lang="en-US" sz="2400" dirty="0" smtClean="0"/>
+              <a:t>	   "Total Cost": "5908", </a:t>
+            </a:r>
+            <a:br>
+              <a:rPr lang="en-US" sz="2400" dirty="0" smtClean="0"/>
+            </a:br>
+            <a:r>
+              <a:rPr lang="en-US" sz="2400" dirty="0" smtClean="0"/>
+              <a:t>   "@id": http://id.mkm.ee/observation/1" }, </a:t>
+            </a:r>
+          </a:p>
+          <a:p>
+            <a:pPr>
+              <a:buNone/>
+            </a:pPr>
+            <a:r>
+              <a:rPr lang="en-US" sz="2400" dirty="0" smtClean="0"/>
+              <a:t>	{ "Average Cost": "400",</a:t>
+            </a:r>
+          </a:p>
+          <a:p>
+            <a:pPr>
+              <a:buNone/>
+            </a:pPr>
+            <a:r>
+              <a:rPr lang="en-US" sz="2400" dirty="0" smtClean="0"/>
+              <a:t>	  "Date": "1-1-2013",</a:t>
+            </a:r>
+          </a:p>
+          <a:p>
+            <a:pPr>
+              <a:buNone/>
+            </a:pPr>
+            <a:r>
+              <a:rPr lang="en-US" sz="2400" dirty="0" smtClean="0"/>
+              <a:t>	  "Day": "Tuesday",</a:t>
+            </a:r>
+          </a:p>
+          <a:p>
+            <a:pPr>
+              <a:buNone/>
+            </a:pPr>
+            <a:r>
+              <a:rPr lang="en-US" sz="2400" dirty="0" smtClean="0"/>
+              <a:t>	  "Number of crashes": "1",</a:t>
+            </a:r>
+          </a:p>
+          <a:p>
+            <a:pPr>
+              <a:buNone/>
+            </a:pPr>
+            <a:r>
+              <a:rPr lang="en-US" sz="2400" dirty="0" smtClean="0"/>
+              <a:t>	  "Time": "24:00",</a:t>
+            </a:r>
+          </a:p>
+          <a:p>
+            <a:pPr>
+              <a:buNone/>
+            </a:pPr>
+            <a:r>
+              <a:rPr lang="en-US" sz="2400" dirty="0" smtClean="0"/>
+              <a:t> 	  "Total Cost": "400",</a:t>
+            </a:r>
+          </a:p>
+          <a:p>
+            <a:pPr>
+              <a:buNone/>
+            </a:pPr>
+            <a:r>
+              <a:rPr lang="en-US" sz="2400" dirty="0" smtClean="0"/>
+              <a:t>	  "@id": "http://id.mkm.ee/observation/2" }</a:t>
+            </a:r>
+          </a:p>
+          <a:p>
+            <a:pPr>
+              <a:buNone/>
+            </a:pPr>
+            <a:r>
+              <a:rPr lang="en-US" sz="2400" dirty="0" smtClean="0"/>
+              <a:t>]}</a:t>
+            </a:r>
+            <a:endParaRPr lang="el-GR" sz="2400" dirty="0"/>
           </a:p>
         </p:txBody>
       </p:sp>
@@ -3994,7 +4291,7 @@
           <a:p>
             <a:r>
               <a:rPr lang="en-US" dirty="0" smtClean="0"/>
-              <a:t>6. Implementation</a:t>
+              <a:t>5.2 Output specification</a:t>
             </a:r>
             <a:endParaRPr lang="el-GR" dirty="0"/>
           </a:p>
@@ -4006,7 +4303,7 @@
     <a:masterClrMapping/>
   </p:clrMapOvr>
   <mc:AlternateContent xmlns:mc="http://schemas.openxmlformats.org/markup-compatibility/2006">
-    <mc:Choice xmlns="" xmlns:p14="http://schemas.microsoft.com/office/powerpoint/2010/main" Requires="p14">
+    <mc:Choice xmlns:p14="http://schemas.microsoft.com/office/powerpoint/2010/main" xmlns="" Requires="p14">
       <p:transition spd="med" p14:dur="700">
         <p:fade/>
       </p:transition>
@@ -4054,11 +4351,8 @@
           <a:p>
             <a:r>
               <a:rPr lang="en-US" dirty="0" smtClean="0"/>
-              <a:t>++</a:t>
-            </a:r>
-            <a:endParaRPr lang="el-GR" sz="2400" dirty="0" smtClean="0"/>
-          </a:p>
-          <a:p>
+              <a:t>???</a:t>
+            </a:r>
             <a:endParaRPr lang="el-GR" dirty="0"/>
           </a:p>
         </p:txBody>
@@ -4080,7 +4374,7 @@
           <a:p>
             <a:r>
               <a:rPr lang="en-US" dirty="0" smtClean="0"/>
-              <a:t>7. Conclusion</a:t>
+              <a:t>6. Implementation</a:t>
             </a:r>
             <a:endParaRPr lang="el-GR" dirty="0"/>
           </a:p>
@@ -4092,7 +4386,93 @@
     <a:masterClrMapping/>
   </p:clrMapOvr>
   <mc:AlternateContent xmlns:mc="http://schemas.openxmlformats.org/markup-compatibility/2006">
-    <mc:Choice xmlns="" xmlns:p14="http://schemas.microsoft.com/office/powerpoint/2010/main" Requires="p14">
+    <mc:Choice xmlns:p14="http://schemas.microsoft.com/office/powerpoint/2010/main" xmlns="" Requires="p14">
+      <p:transition spd="med" p14:dur="700">
+        <p:fade/>
+      </p:transition>
+    </mc:Choice>
+    <mc:Fallback>
+      <p:transition spd="med">
+        <p:fade/>
+      </p:transition>
+    </mc:Fallback>
+  </mc:AlternateContent>
+</p:sld>
+</file>
+
+<file path=ppt/slides/slide13.xml><?xml version="1.0" encoding="utf-8"?>
+<p:sld xmlns:a="http://schemas.openxmlformats.org/drawingml/2006/main" xmlns:r="http://schemas.openxmlformats.org/officeDocument/2006/relationships" xmlns:p="http://schemas.openxmlformats.org/presentationml/2006/main">
+  <p:cSld>
+    <p:spTree>
+      <p:nvGrpSpPr>
+        <p:cNvPr id="1" name=""/>
+        <p:cNvGrpSpPr/>
+        <p:nvPr/>
+      </p:nvGrpSpPr>
+      <p:grpSpPr>
+        <a:xfrm>
+          <a:off x="0" y="0"/>
+          <a:ext cx="0" cy="0"/>
+          <a:chOff x="0" y="0"/>
+          <a:chExt cx="0" cy="0"/>
+        </a:xfrm>
+      </p:grpSpPr>
+      <p:sp>
+        <p:nvSpPr>
+          <p:cNvPr id="2" name="1 - Θέση περιεχομένου"/>
+          <p:cNvSpPr>
+            <a:spLocks noGrp="1"/>
+          </p:cNvSpPr>
+          <p:nvPr>
+            <p:ph idx="1"/>
+          </p:nvPr>
+        </p:nvSpPr>
+        <p:spPr/>
+        <p:txBody>
+          <a:bodyPr/>
+          <a:lstStyle/>
+          <a:p>
+            <a:r>
+              <a:rPr lang="en-US" dirty="0" smtClean="0"/>
+              <a:t>++</a:t>
+            </a:r>
+            <a:endParaRPr lang="el-GR" sz="2400" dirty="0" smtClean="0"/>
+          </a:p>
+          <a:p>
+            <a:endParaRPr lang="el-GR" dirty="0"/>
+          </a:p>
+        </p:txBody>
+      </p:sp>
+      <p:sp>
+        <p:nvSpPr>
+          <p:cNvPr id="3" name="2 - Τίτλος"/>
+          <p:cNvSpPr>
+            <a:spLocks noGrp="1"/>
+          </p:cNvSpPr>
+          <p:nvPr>
+            <p:ph type="title"/>
+          </p:nvPr>
+        </p:nvSpPr>
+        <p:spPr/>
+        <p:txBody>
+          <a:bodyPr/>
+          <a:lstStyle/>
+          <a:p>
+            <a:r>
+              <a:rPr lang="en-US" dirty="0" smtClean="0"/>
+              <a:t>7. Conclusion</a:t>
+            </a:r>
+            <a:endParaRPr lang="el-GR" dirty="0"/>
+          </a:p>
+        </p:txBody>
+      </p:sp>
+    </p:spTree>
+  </p:cSld>
+  <p:clrMapOvr>
+    <a:masterClrMapping/>
+  </p:clrMapOvr>
+  <mc:AlternateContent xmlns:mc="http://schemas.openxmlformats.org/markup-compatibility/2006">
+    <mc:Choice xmlns:p14="http://schemas.microsoft.com/office/powerpoint/2010/main" xmlns="" Requires="p14">
       <p:transition spd="med" p14:dur="700">
         <p:fade/>
       </p:transition>
@@ -6068,7 +6448,7 @@
     </p:spTree>
     <p:extLst>
       <p:ext uri="{BB962C8B-B14F-4D97-AF65-F5344CB8AC3E}">
-        <p14:creationId xmlns="" xmlns:p14="http://schemas.microsoft.com/office/powerpoint/2010/main" val="631353064"/>
+        <p14:creationId xmlns:p14="http://schemas.microsoft.com/office/powerpoint/2010/main" xmlns="" val="631353064"/>
       </p:ext>
     </p:extLst>
   </p:cSld>
@@ -6076,7 +6456,7 @@
     <a:masterClrMapping/>
   </p:clrMapOvr>
   <mc:AlternateContent xmlns:mc="http://schemas.openxmlformats.org/markup-compatibility/2006">
-    <mc:Choice xmlns="" xmlns:p14="http://schemas.microsoft.com/office/powerpoint/2010/main" Requires="p14">
+    <mc:Choice xmlns:p14="http://schemas.microsoft.com/office/powerpoint/2010/main" xmlns="" Requires="p14">
       <p:transition spd="med" p14:dur="700">
         <p:fade/>
       </p:transition>
@@ -6098,6 +6478,1505 @@
 </file>
 
 <file path=ppt/slides/slide5.xml><?xml version="1.0" encoding="utf-8"?>
+<p:sld xmlns:a="http://schemas.openxmlformats.org/drawingml/2006/main" xmlns:r="http://schemas.openxmlformats.org/officeDocument/2006/relationships" xmlns:p="http://schemas.openxmlformats.org/presentationml/2006/main">
+  <p:cSld>
+    <p:spTree>
+      <p:nvGrpSpPr>
+        <p:cNvPr id="1" name=""/>
+        <p:cNvGrpSpPr/>
+        <p:nvPr/>
+      </p:nvGrpSpPr>
+      <p:grpSpPr>
+        <a:xfrm>
+          <a:off x="0" y="0"/>
+          <a:ext cx="0" cy="0"/>
+          <a:chOff x="0" y="0"/>
+          <a:chExt cx="0" cy="0"/>
+        </a:xfrm>
+      </p:grpSpPr>
+      <p:sp>
+        <p:nvSpPr>
+          <p:cNvPr id="3" name="2 - Τίτλος"/>
+          <p:cNvSpPr>
+            <a:spLocks noGrp="1"/>
+          </p:cNvSpPr>
+          <p:nvPr>
+            <p:ph type="title"/>
+          </p:nvPr>
+        </p:nvSpPr>
+        <p:spPr/>
+        <p:txBody>
+          <a:bodyPr vert="horz" lIns="91440" tIns="45720" rIns="91440" bIns="45720" rtlCol="0" anchor="ctr">
+            <a:normAutofit fontScale="90000"/>
+          </a:bodyPr>
+          <a:lstStyle/>
+          <a:p>
+            <a:pPr indent="-228600">
+              <a:buClr>
+                <a:srgbClr val="938779"/>
+              </a:buClr>
+            </a:pPr>
+            <a:r>
+              <a:rPr lang="en-US" sz="4400" dirty="0" smtClean="0"/>
+              <a:t>3. Solution overview</a:t>
+            </a:r>
+            <a:endParaRPr lang="el-GR" sz="4400" dirty="0"/>
+          </a:p>
+        </p:txBody>
+      </p:sp>
+      <p:sp>
+        <p:nvSpPr>
+          <p:cNvPr id="3082" name="AutoShape 10" descr="Αποτέλεσμα εικόνας για google charts logo"/>
+          <p:cNvSpPr>
+            <a:spLocks noChangeAspect="1" noChangeArrowheads="1"/>
+          </p:cNvSpPr>
+          <p:nvPr/>
+        </p:nvSpPr>
+        <p:spPr bwMode="auto">
+          <a:xfrm>
+            <a:off x="116681" y="-144463"/>
+            <a:ext cx="228600" cy="304801"/>
+          </a:xfrm>
+          <a:prstGeom prst="rect">
+            <a:avLst/>
+          </a:prstGeom>
+          <a:noFill/>
+        </p:spPr>
+        <p:txBody>
+          <a:bodyPr vert="horz" wrap="square" lIns="91440" tIns="45720" rIns="91440" bIns="45720" numCol="1" anchor="t" anchorCtr="0" compatLnSpc="1">
+            <a:prstTxWarp prst="textNoShape">
+              <a:avLst/>
+            </a:prstTxWarp>
+          </a:bodyPr>
+          <a:lstStyle/>
+          <a:p>
+            <a:endParaRPr lang="el-GR" sz="1200"/>
+          </a:p>
+        </p:txBody>
+      </p:sp>
+      <p:pic>
+        <p:nvPicPr>
+          <p:cNvPr id="55" name="Picture 2" descr="Αποτέλεσμα εικόνας για json"/>
+          <p:cNvPicPr>
+            <a:picLocks noChangeAspect="1" noChangeArrowheads="1"/>
+          </p:cNvPicPr>
+          <p:nvPr/>
+        </p:nvPicPr>
+        <p:blipFill>
+          <a:blip r:embed="rId2" cstate="print"/>
+          <a:srcRect/>
+          <a:stretch>
+            <a:fillRect/>
+          </a:stretch>
+        </p:blipFill>
+        <p:spPr bwMode="auto">
+          <a:xfrm>
+            <a:off x="5148064" y="2996952"/>
+            <a:ext cx="660596" cy="388602"/>
+          </a:xfrm>
+          <a:prstGeom prst="rect">
+            <a:avLst/>
+          </a:prstGeom>
+          <a:noFill/>
+        </p:spPr>
+      </p:pic>
+      <p:sp>
+        <p:nvSpPr>
+          <p:cNvPr id="61" name="TextBox 21"/>
+          <p:cNvSpPr txBox="1"/>
+          <p:nvPr/>
+        </p:nvSpPr>
+        <p:spPr>
+          <a:xfrm>
+            <a:off x="3303098" y="3322753"/>
+            <a:ext cx="2441837" cy="261610"/>
+          </a:xfrm>
+          <a:prstGeom prst="rect">
+            <a:avLst/>
+          </a:prstGeom>
+          <a:solidFill>
+            <a:srgbClr val="E44690"/>
+          </a:solidFill>
+          <a:ln>
+            <a:solidFill>
+              <a:schemeClr val="tx1"/>
+            </a:solidFill>
+          </a:ln>
+        </p:spPr>
+        <p:txBody>
+          <a:bodyPr wrap="square" rtlCol="0" anchor="ctr">
+            <a:spAutoFit/>
+          </a:bodyPr>
+          <a:lstStyle/>
+          <a:p>
+            <a:pPr algn="ctr"/>
+            <a:r>
+              <a:rPr lang="en-US" sz="1100" b="1" dirty="0" smtClean="0"/>
+              <a:t>API implementation</a:t>
+            </a:r>
+            <a:endParaRPr lang="en-US" sz="1100" b="1" kern="0" dirty="0" smtClean="0">
+              <a:solidFill>
+                <a:srgbClr val="000000"/>
+              </a:solidFill>
+              <a:cs typeface="Arial"/>
+              <a:sym typeface="Arial"/>
+            </a:endParaRPr>
+          </a:p>
+        </p:txBody>
+      </p:sp>
+      <p:sp>
+        <p:nvSpPr>
+          <p:cNvPr id="64" name="38 - Βέλος προς τα κάτω"/>
+          <p:cNvSpPr/>
+          <p:nvPr/>
+        </p:nvSpPr>
+        <p:spPr>
+          <a:xfrm rot="10800000">
+            <a:off x="4860032" y="2924945"/>
+            <a:ext cx="283633" cy="360038"/>
+          </a:xfrm>
+          <a:prstGeom prst="downArrow">
+            <a:avLst/>
+          </a:prstGeom>
+        </p:spPr>
+        <p:style>
+          <a:lnRef idx="1">
+            <a:schemeClr val="accent3"/>
+          </a:lnRef>
+          <a:fillRef idx="2">
+            <a:schemeClr val="accent3"/>
+          </a:fillRef>
+          <a:effectRef idx="1">
+            <a:schemeClr val="accent3"/>
+          </a:effectRef>
+          <a:fontRef idx="minor">
+            <a:schemeClr val="dk1"/>
+          </a:fontRef>
+        </p:style>
+        <p:txBody>
+          <a:bodyPr rtlCol="0" anchor="ctr"/>
+          <a:lstStyle/>
+          <a:p>
+            <a:pPr algn="ctr"/>
+            <a:endParaRPr lang="el-GR" sz="1200"/>
+          </a:p>
+        </p:txBody>
+      </p:sp>
+      <p:sp>
+        <p:nvSpPr>
+          <p:cNvPr id="65" name="39 - Ορθογώνιο"/>
+          <p:cNvSpPr/>
+          <p:nvPr/>
+        </p:nvSpPr>
+        <p:spPr>
+          <a:xfrm>
+            <a:off x="2411760" y="1196752"/>
+            <a:ext cx="4464496" cy="1526577"/>
+          </a:xfrm>
+          <a:prstGeom prst="rect">
+            <a:avLst/>
+          </a:prstGeom>
+          <a:noFill/>
+          <a:ln w="19050">
+            <a:prstDash val="dash"/>
+          </a:ln>
+          <a:effectLst/>
+        </p:spPr>
+        <p:style>
+          <a:lnRef idx="1">
+            <a:schemeClr val="accent3"/>
+          </a:lnRef>
+          <a:fillRef idx="2">
+            <a:schemeClr val="accent3"/>
+          </a:fillRef>
+          <a:effectRef idx="1">
+            <a:schemeClr val="accent3"/>
+          </a:effectRef>
+          <a:fontRef idx="minor">
+            <a:schemeClr val="dk1"/>
+          </a:fontRef>
+        </p:style>
+        <p:txBody>
+          <a:bodyPr rtlCol="0" anchor="ctr"/>
+          <a:lstStyle/>
+          <a:p>
+            <a:pPr algn="ctr"/>
+            <a:endParaRPr lang="el-GR" sz="1200"/>
+          </a:p>
+        </p:txBody>
+      </p:sp>
+      <p:sp>
+        <p:nvSpPr>
+          <p:cNvPr id="67" name="Shape 205"/>
+          <p:cNvSpPr/>
+          <p:nvPr/>
+        </p:nvSpPr>
+        <p:spPr>
+          <a:xfrm>
+            <a:off x="4139952" y="1523766"/>
+            <a:ext cx="1293518" cy="1126738"/>
+          </a:xfrm>
+          <a:prstGeom prst="flowChartProcess">
+            <a:avLst/>
+          </a:prstGeom>
+          <a:solidFill>
+            <a:srgbClr val="E44690"/>
+          </a:solidFill>
+          <a:ln w="12700" cap="flat" cmpd="sng">
+            <a:solidFill>
+              <a:schemeClr val="tx1"/>
+            </a:solidFill>
+            <a:prstDash val="solid"/>
+            <a:round/>
+            <a:headEnd type="none" w="med" len="med"/>
+            <a:tailEnd type="none" w="med" len="med"/>
+          </a:ln>
+        </p:spPr>
+        <p:txBody>
+          <a:bodyPr lIns="91425" tIns="91425" rIns="91425" bIns="91425" anchor="ctr" anchorCtr="0">
+            <a:noAutofit/>
+          </a:bodyPr>
+          <a:lstStyle/>
+          <a:p>
+            <a:pPr algn="ctr"/>
+            <a:endParaRPr lang="el-GR" sz="1100" kern="0" dirty="0" smtClean="0">
+              <a:solidFill>
+                <a:srgbClr val="000000"/>
+              </a:solidFill>
+              <a:cs typeface="Arial"/>
+              <a:sym typeface="Arial"/>
+            </a:endParaRPr>
+          </a:p>
+        </p:txBody>
+      </p:sp>
+      <p:sp>
+        <p:nvSpPr>
+          <p:cNvPr id="68" name="TextBox 22"/>
+          <p:cNvSpPr txBox="1"/>
+          <p:nvPr/>
+        </p:nvSpPr>
+        <p:spPr>
+          <a:xfrm>
+            <a:off x="2556796" y="1512895"/>
+            <a:ext cx="1259997" cy="1137609"/>
+          </a:xfrm>
+          <a:prstGeom prst="rect">
+            <a:avLst/>
+          </a:prstGeom>
+          <a:solidFill>
+            <a:srgbClr val="E44690"/>
+          </a:solidFill>
+          <a:ln w="12700" cap="flat" cmpd="sng">
+            <a:solidFill>
+              <a:schemeClr val="tx1"/>
+            </a:solidFill>
+            <a:prstDash val="solid"/>
+            <a:round/>
+            <a:headEnd type="none" w="med" len="med"/>
+            <a:tailEnd type="none" w="med" len="med"/>
+          </a:ln>
+        </p:spPr>
+        <p:txBody>
+          <a:bodyPr lIns="91425" tIns="91425" rIns="91425" bIns="91425" anchor="ctr" anchorCtr="0">
+            <a:noAutofit/>
+          </a:bodyPr>
+          <a:lstStyle/>
+          <a:p>
+            <a:pPr algn="ctr"/>
+            <a:endParaRPr lang="el-GR" sz="1100" kern="0" dirty="0" smtClean="0">
+              <a:solidFill>
+                <a:srgbClr val="000000"/>
+              </a:solidFill>
+              <a:cs typeface="Arial"/>
+              <a:sym typeface="Arial"/>
+            </a:endParaRPr>
+          </a:p>
+        </p:txBody>
+      </p:sp>
+      <p:sp>
+        <p:nvSpPr>
+          <p:cNvPr id="69" name="47 - Ορθογώνιο"/>
+          <p:cNvSpPr/>
+          <p:nvPr/>
+        </p:nvSpPr>
+        <p:spPr>
+          <a:xfrm>
+            <a:off x="2411760" y="1176282"/>
+            <a:ext cx="857864" cy="276999"/>
+          </a:xfrm>
+          <a:prstGeom prst="rect">
+            <a:avLst/>
+          </a:prstGeom>
+        </p:spPr>
+        <p:txBody>
+          <a:bodyPr wrap="none">
+            <a:spAutoFit/>
+          </a:bodyPr>
+          <a:lstStyle/>
+          <a:p>
+            <a:r>
+              <a:rPr lang="en-GB" sz="1200" dirty="0" smtClean="0"/>
+              <a:t>LOSD tools</a:t>
+            </a:r>
+            <a:endParaRPr lang="el-GR" sz="1200" dirty="0"/>
+          </a:p>
+        </p:txBody>
+      </p:sp>
+      <p:sp>
+        <p:nvSpPr>
+          <p:cNvPr id="85" name="Shape 205"/>
+          <p:cNvSpPr/>
+          <p:nvPr/>
+        </p:nvSpPr>
+        <p:spPr>
+          <a:xfrm>
+            <a:off x="4198785" y="1516885"/>
+            <a:ext cx="1212179" cy="304885"/>
+          </a:xfrm>
+          <a:prstGeom prst="flowChartProcess">
+            <a:avLst/>
+          </a:prstGeom>
+          <a:noFill/>
+          <a:ln w="12700" cap="flat" cmpd="sng">
+            <a:noFill/>
+            <a:prstDash val="solid"/>
+            <a:round/>
+            <a:headEnd type="none" w="med" len="med"/>
+            <a:tailEnd type="none" w="med" len="med"/>
+          </a:ln>
+        </p:spPr>
+        <p:txBody>
+          <a:bodyPr lIns="91425" tIns="91425" rIns="91425" bIns="91425" anchor="ctr" anchorCtr="0">
+            <a:noAutofit/>
+          </a:bodyPr>
+          <a:lstStyle/>
+          <a:p>
+            <a:pPr algn="ctr"/>
+            <a:r>
+              <a:rPr lang="en-GB" sz="1100" b="1" kern="0" dirty="0" smtClean="0">
+                <a:solidFill>
+                  <a:srgbClr val="000000"/>
+                </a:solidFill>
+                <a:cs typeface="Arial"/>
+                <a:sym typeface="Arial"/>
+              </a:rPr>
+              <a:t>Cube </a:t>
+            </a:r>
+            <a:r>
+              <a:rPr lang="en-GB" sz="1100" b="1" kern="0" dirty="0" err="1" smtClean="0">
+                <a:solidFill>
+                  <a:srgbClr val="000000"/>
+                </a:solidFill>
+                <a:cs typeface="Arial"/>
+                <a:sym typeface="Arial"/>
+              </a:rPr>
+              <a:t>Visualizer</a:t>
+            </a:r>
+            <a:endParaRPr lang="el-GR" sz="1100" b="1" kern="0" dirty="0" smtClean="0">
+              <a:solidFill>
+                <a:srgbClr val="000000"/>
+              </a:solidFill>
+              <a:cs typeface="Arial"/>
+              <a:sym typeface="Arial"/>
+            </a:endParaRPr>
+          </a:p>
+        </p:txBody>
+      </p:sp>
+      <p:sp>
+        <p:nvSpPr>
+          <p:cNvPr id="86" name="51 - TextBox"/>
+          <p:cNvSpPr txBox="1"/>
+          <p:nvPr/>
+        </p:nvSpPr>
+        <p:spPr>
+          <a:xfrm>
+            <a:off x="2570656" y="1461126"/>
+            <a:ext cx="1221048" cy="379149"/>
+          </a:xfrm>
+          <a:prstGeom prst="rect">
+            <a:avLst/>
+          </a:prstGeom>
+          <a:noFill/>
+          <a:ln w="12700" cap="flat" cmpd="sng">
+            <a:noFill/>
+            <a:prstDash val="solid"/>
+            <a:round/>
+            <a:headEnd type="none" w="med" len="med"/>
+            <a:tailEnd type="none" w="med" len="med"/>
+          </a:ln>
+        </p:spPr>
+        <p:txBody>
+          <a:bodyPr lIns="91425" tIns="91425" rIns="91425" bIns="91425" anchor="ctr" anchorCtr="0">
+            <a:noAutofit/>
+          </a:bodyPr>
+          <a:lstStyle/>
+          <a:p>
+            <a:pPr algn="ctr"/>
+            <a:r>
+              <a:rPr lang="en-US" sz="1100" b="1" kern="0" dirty="0" smtClean="0">
+                <a:solidFill>
+                  <a:srgbClr val="000000"/>
+                </a:solidFill>
+                <a:cs typeface="Arial"/>
+                <a:sym typeface="Arial"/>
+              </a:rPr>
+              <a:t>OLAP Browser</a:t>
+            </a:r>
+            <a:endParaRPr lang="el-GR" sz="1100" b="1" kern="0" dirty="0" err="1" smtClean="0">
+              <a:solidFill>
+                <a:srgbClr val="000000"/>
+              </a:solidFill>
+              <a:cs typeface="Arial"/>
+              <a:sym typeface="Arial"/>
+            </a:endParaRPr>
+          </a:p>
+        </p:txBody>
+      </p:sp>
+      <p:sp>
+        <p:nvSpPr>
+          <p:cNvPr id="87" name="TextBox 22"/>
+          <p:cNvSpPr txBox="1"/>
+          <p:nvPr/>
+        </p:nvSpPr>
+        <p:spPr>
+          <a:xfrm>
+            <a:off x="2643938" y="1868436"/>
+            <a:ext cx="1097585" cy="261610"/>
+          </a:xfrm>
+          <a:prstGeom prst="rect">
+            <a:avLst/>
+          </a:prstGeom>
+          <a:solidFill>
+            <a:schemeClr val="bg1">
+              <a:lumMod val="95000"/>
+            </a:schemeClr>
+          </a:solidFill>
+          <a:ln>
+            <a:solidFill>
+              <a:schemeClr val="tx1"/>
+            </a:solidFill>
+          </a:ln>
+        </p:spPr>
+        <p:txBody>
+          <a:bodyPr wrap="square" rtlCol="0" anchor="ctr">
+            <a:spAutoFit/>
+          </a:bodyPr>
+          <a:lstStyle/>
+          <a:p>
+            <a:pPr algn="ctr">
+              <a:spcAft>
+                <a:spcPts val="600"/>
+              </a:spcAft>
+            </a:pPr>
+            <a:r>
+              <a:rPr lang="en-GB" sz="1100" kern="0" dirty="0" smtClean="0">
+                <a:solidFill>
+                  <a:srgbClr val="000000"/>
+                </a:solidFill>
+                <a:cs typeface="Arial"/>
+                <a:sym typeface="Arial"/>
+              </a:rPr>
+              <a:t>UI</a:t>
+            </a:r>
+            <a:endParaRPr lang="en-US" sz="1100" kern="0" dirty="0" smtClean="0">
+              <a:solidFill>
+                <a:srgbClr val="000000"/>
+              </a:solidFill>
+              <a:cs typeface="Arial"/>
+              <a:sym typeface="Arial"/>
+            </a:endParaRPr>
+          </a:p>
+        </p:txBody>
+      </p:sp>
+      <p:sp>
+        <p:nvSpPr>
+          <p:cNvPr id="88" name="TextBox 22"/>
+          <p:cNvSpPr txBox="1"/>
+          <p:nvPr/>
+        </p:nvSpPr>
+        <p:spPr>
+          <a:xfrm>
+            <a:off x="2649514" y="2251650"/>
+            <a:ext cx="1092009" cy="261610"/>
+          </a:xfrm>
+          <a:prstGeom prst="rect">
+            <a:avLst/>
+          </a:prstGeom>
+          <a:solidFill>
+            <a:schemeClr val="bg1">
+              <a:lumMod val="95000"/>
+            </a:schemeClr>
+          </a:solidFill>
+          <a:ln>
+            <a:solidFill>
+              <a:schemeClr val="tx1"/>
+            </a:solidFill>
+          </a:ln>
+        </p:spPr>
+        <p:txBody>
+          <a:bodyPr wrap="square" rtlCol="0" anchor="ctr">
+            <a:spAutoFit/>
+          </a:bodyPr>
+          <a:lstStyle/>
+          <a:p>
+            <a:pPr algn="ctr">
+              <a:spcAft>
+                <a:spcPts val="600"/>
+              </a:spcAft>
+            </a:pPr>
+            <a:r>
+              <a:rPr lang="en-GB" sz="1100" kern="0" dirty="0" smtClean="0">
+                <a:solidFill>
+                  <a:srgbClr val="000000"/>
+                </a:solidFill>
+                <a:cs typeface="Arial"/>
+                <a:sym typeface="Arial"/>
+              </a:rPr>
+              <a:t>Business logic</a:t>
+            </a:r>
+            <a:endParaRPr lang="en-US" sz="1100" kern="0" dirty="0" smtClean="0">
+              <a:solidFill>
+                <a:srgbClr val="000000"/>
+              </a:solidFill>
+              <a:cs typeface="Arial"/>
+              <a:sym typeface="Arial"/>
+            </a:endParaRPr>
+          </a:p>
+        </p:txBody>
+      </p:sp>
+      <p:sp>
+        <p:nvSpPr>
+          <p:cNvPr id="89" name="TextBox 22"/>
+          <p:cNvSpPr txBox="1"/>
+          <p:nvPr/>
+        </p:nvSpPr>
+        <p:spPr>
+          <a:xfrm>
+            <a:off x="4249438" y="1875873"/>
+            <a:ext cx="1097585" cy="261610"/>
+          </a:xfrm>
+          <a:prstGeom prst="rect">
+            <a:avLst/>
+          </a:prstGeom>
+          <a:solidFill>
+            <a:schemeClr val="bg1">
+              <a:lumMod val="95000"/>
+            </a:schemeClr>
+          </a:solidFill>
+          <a:ln>
+            <a:solidFill>
+              <a:schemeClr val="tx1"/>
+            </a:solidFill>
+          </a:ln>
+        </p:spPr>
+        <p:txBody>
+          <a:bodyPr wrap="square" rtlCol="0" anchor="ctr">
+            <a:spAutoFit/>
+          </a:bodyPr>
+          <a:lstStyle/>
+          <a:p>
+            <a:pPr algn="ctr">
+              <a:spcAft>
+                <a:spcPts val="600"/>
+              </a:spcAft>
+            </a:pPr>
+            <a:r>
+              <a:rPr lang="en-GB" sz="1100" kern="0" dirty="0" smtClean="0">
+                <a:solidFill>
+                  <a:srgbClr val="000000"/>
+                </a:solidFill>
+                <a:cs typeface="Arial"/>
+                <a:sym typeface="Arial"/>
+              </a:rPr>
+              <a:t>UI</a:t>
+            </a:r>
+            <a:endParaRPr lang="en-US" sz="1100" kern="0" dirty="0" smtClean="0">
+              <a:solidFill>
+                <a:srgbClr val="000000"/>
+              </a:solidFill>
+              <a:cs typeface="Arial"/>
+              <a:sym typeface="Arial"/>
+            </a:endParaRPr>
+          </a:p>
+        </p:txBody>
+      </p:sp>
+      <p:sp>
+        <p:nvSpPr>
+          <p:cNvPr id="90" name="TextBox 22"/>
+          <p:cNvSpPr txBox="1"/>
+          <p:nvPr/>
+        </p:nvSpPr>
+        <p:spPr>
+          <a:xfrm>
+            <a:off x="4249438" y="2252925"/>
+            <a:ext cx="1092009" cy="261610"/>
+          </a:xfrm>
+          <a:prstGeom prst="rect">
+            <a:avLst/>
+          </a:prstGeom>
+          <a:solidFill>
+            <a:schemeClr val="bg1">
+              <a:lumMod val="95000"/>
+            </a:schemeClr>
+          </a:solidFill>
+          <a:ln>
+            <a:solidFill>
+              <a:schemeClr val="tx1"/>
+            </a:solidFill>
+          </a:ln>
+        </p:spPr>
+        <p:txBody>
+          <a:bodyPr wrap="square" rtlCol="0" anchor="ctr">
+            <a:spAutoFit/>
+          </a:bodyPr>
+          <a:lstStyle/>
+          <a:p>
+            <a:pPr algn="ctr">
+              <a:spcAft>
+                <a:spcPts val="600"/>
+              </a:spcAft>
+            </a:pPr>
+            <a:r>
+              <a:rPr lang="en-GB" sz="1100" kern="0" dirty="0" smtClean="0">
+                <a:solidFill>
+                  <a:srgbClr val="000000"/>
+                </a:solidFill>
+                <a:cs typeface="Arial"/>
+                <a:sym typeface="Arial"/>
+              </a:rPr>
+              <a:t>Business logic</a:t>
+            </a:r>
+            <a:endParaRPr lang="en-US" sz="1100" kern="0" dirty="0" smtClean="0">
+              <a:solidFill>
+                <a:srgbClr val="000000"/>
+              </a:solidFill>
+              <a:cs typeface="Arial"/>
+              <a:sym typeface="Arial"/>
+            </a:endParaRPr>
+          </a:p>
+        </p:txBody>
+      </p:sp>
+      <p:pic>
+        <p:nvPicPr>
+          <p:cNvPr id="95" name="Picture 12" descr="Αποτέλεσμα εικόνας για google charts logo"/>
+          <p:cNvPicPr>
+            <a:picLocks noChangeAspect="1" noChangeArrowheads="1"/>
+          </p:cNvPicPr>
+          <p:nvPr/>
+        </p:nvPicPr>
+        <p:blipFill rotWithShape="1">
+          <a:blip r:embed="rId3" cstate="print"/>
+          <a:srcRect t="15260" b="15846"/>
+          <a:stretch/>
+        </p:blipFill>
+        <p:spPr bwMode="auto">
+          <a:xfrm>
+            <a:off x="5565770" y="1275357"/>
+            <a:ext cx="1194993" cy="469899"/>
+          </a:xfrm>
+          <a:prstGeom prst="rect">
+            <a:avLst/>
+          </a:prstGeom>
+          <a:noFill/>
+        </p:spPr>
+      </p:pic>
+      <p:pic>
+        <p:nvPicPr>
+          <p:cNvPr id="96" name="Picture 4" descr="Αποτέλεσμα εικόνας για D3.js logo"/>
+          <p:cNvPicPr>
+            <a:picLocks noChangeAspect="1" noChangeArrowheads="1"/>
+          </p:cNvPicPr>
+          <p:nvPr/>
+        </p:nvPicPr>
+        <p:blipFill>
+          <a:blip r:embed="rId4" cstate="print"/>
+          <a:srcRect/>
+          <a:stretch>
+            <a:fillRect/>
+          </a:stretch>
+        </p:blipFill>
+        <p:spPr bwMode="auto">
+          <a:xfrm>
+            <a:off x="5582295" y="2454683"/>
+            <a:ext cx="1267881" cy="251886"/>
+          </a:xfrm>
+          <a:prstGeom prst="rect">
+            <a:avLst/>
+          </a:prstGeom>
+          <a:noFill/>
+        </p:spPr>
+      </p:pic>
+      <p:pic>
+        <p:nvPicPr>
+          <p:cNvPr id="97" name="Picture 6" descr="Αποτέλεσμα εικόνας για Chart.js logo"/>
+          <p:cNvPicPr>
+            <a:picLocks noChangeAspect="1" noChangeArrowheads="1"/>
+          </p:cNvPicPr>
+          <p:nvPr/>
+        </p:nvPicPr>
+        <p:blipFill>
+          <a:blip r:embed="rId5" cstate="print"/>
+          <a:srcRect/>
+          <a:stretch>
+            <a:fillRect/>
+          </a:stretch>
+        </p:blipFill>
+        <p:spPr bwMode="auto">
+          <a:xfrm>
+            <a:off x="5507246" y="1716014"/>
+            <a:ext cx="540224" cy="723901"/>
+          </a:xfrm>
+          <a:prstGeom prst="rect">
+            <a:avLst/>
+          </a:prstGeom>
+          <a:noFill/>
+        </p:spPr>
+      </p:pic>
+      <p:pic>
+        <p:nvPicPr>
+          <p:cNvPr id="98" name="Picture 8" descr="Αποτέλεσμα εικόνας για fusion charts"/>
+          <p:cNvPicPr>
+            <a:picLocks noChangeAspect="1" noChangeArrowheads="1"/>
+          </p:cNvPicPr>
+          <p:nvPr/>
+        </p:nvPicPr>
+        <p:blipFill rotWithShape="1">
+          <a:blip r:embed="rId6" cstate="print"/>
+          <a:srcRect t="18253" b="20628"/>
+          <a:stretch/>
+        </p:blipFill>
+        <p:spPr bwMode="auto">
+          <a:xfrm>
+            <a:off x="6114486" y="1716013"/>
+            <a:ext cx="659273" cy="537262"/>
+          </a:xfrm>
+          <a:prstGeom prst="rect">
+            <a:avLst/>
+          </a:prstGeom>
+          <a:noFill/>
+        </p:spPr>
+      </p:pic>
+      <p:sp>
+        <p:nvSpPr>
+          <p:cNvPr id="99" name="42 - Βέλος προς τα κάτω"/>
+          <p:cNvSpPr/>
+          <p:nvPr/>
+        </p:nvSpPr>
+        <p:spPr>
+          <a:xfrm rot="10800000" flipV="1">
+            <a:off x="4211960" y="2904940"/>
+            <a:ext cx="288032" cy="380043"/>
+          </a:xfrm>
+          <a:prstGeom prst="downArrow">
+            <a:avLst/>
+          </a:prstGeom>
+        </p:spPr>
+        <p:style>
+          <a:lnRef idx="1">
+            <a:schemeClr val="accent3"/>
+          </a:lnRef>
+          <a:fillRef idx="2">
+            <a:schemeClr val="accent3"/>
+          </a:fillRef>
+          <a:effectRef idx="1">
+            <a:schemeClr val="accent3"/>
+          </a:effectRef>
+          <a:fontRef idx="minor">
+            <a:schemeClr val="dk1"/>
+          </a:fontRef>
+        </p:style>
+        <p:txBody>
+          <a:bodyPr rtlCol="0" anchor="ctr"/>
+          <a:lstStyle/>
+          <a:p>
+            <a:pPr algn="ctr"/>
+            <a:endParaRPr lang="el-GR" sz="1200"/>
+          </a:p>
+        </p:txBody>
+      </p:sp>
+      <p:sp>
+        <p:nvSpPr>
+          <p:cNvPr id="100" name="49 - TextBox"/>
+          <p:cNvSpPr txBox="1"/>
+          <p:nvPr/>
+        </p:nvSpPr>
+        <p:spPr>
+          <a:xfrm>
+            <a:off x="5148064" y="2780928"/>
+            <a:ext cx="864096" cy="307777"/>
+          </a:xfrm>
+          <a:prstGeom prst="rect">
+            <a:avLst/>
+          </a:prstGeom>
+          <a:noFill/>
+        </p:spPr>
+        <p:txBody>
+          <a:bodyPr wrap="square" rtlCol="0">
+            <a:spAutoFit/>
+          </a:bodyPr>
+          <a:lstStyle/>
+          <a:p>
+            <a:r>
+              <a:rPr lang="en-US" sz="1400" dirty="0" smtClean="0"/>
+              <a:t>output</a:t>
+            </a:r>
+            <a:endParaRPr lang="el-GR" sz="1400" dirty="0"/>
+          </a:p>
+        </p:txBody>
+      </p:sp>
+      <p:sp>
+        <p:nvSpPr>
+          <p:cNvPr id="101" name="57 - TextBox"/>
+          <p:cNvSpPr txBox="1"/>
+          <p:nvPr/>
+        </p:nvSpPr>
+        <p:spPr>
+          <a:xfrm>
+            <a:off x="3563888" y="2780928"/>
+            <a:ext cx="779966" cy="307777"/>
+          </a:xfrm>
+          <a:prstGeom prst="rect">
+            <a:avLst/>
+          </a:prstGeom>
+          <a:noFill/>
+        </p:spPr>
+        <p:txBody>
+          <a:bodyPr wrap="square" rtlCol="0">
+            <a:spAutoFit/>
+          </a:bodyPr>
+          <a:lstStyle/>
+          <a:p>
+            <a:r>
+              <a:rPr lang="en-US" sz="1400" dirty="0" smtClean="0"/>
+              <a:t>input</a:t>
+            </a:r>
+            <a:endParaRPr lang="el-GR" sz="1400" dirty="0"/>
+          </a:p>
+        </p:txBody>
+      </p:sp>
+      <p:sp>
+        <p:nvSpPr>
+          <p:cNvPr id="102" name="61 - Ορθογώνιο"/>
+          <p:cNvSpPr/>
+          <p:nvPr/>
+        </p:nvSpPr>
+        <p:spPr>
+          <a:xfrm>
+            <a:off x="2411760" y="2837911"/>
+            <a:ext cx="4464496" cy="792088"/>
+          </a:xfrm>
+          <a:prstGeom prst="rect">
+            <a:avLst/>
+          </a:prstGeom>
+          <a:noFill/>
+          <a:ln w="19050">
+            <a:prstDash val="dash"/>
+          </a:ln>
+          <a:effectLst/>
+        </p:spPr>
+        <p:style>
+          <a:lnRef idx="1">
+            <a:schemeClr val="accent3"/>
+          </a:lnRef>
+          <a:fillRef idx="2">
+            <a:schemeClr val="accent3"/>
+          </a:fillRef>
+          <a:effectRef idx="1">
+            <a:schemeClr val="accent3"/>
+          </a:effectRef>
+          <a:fontRef idx="minor">
+            <a:schemeClr val="dk1"/>
+          </a:fontRef>
+        </p:style>
+        <p:txBody>
+          <a:bodyPr rtlCol="0" anchor="ctr"/>
+          <a:lstStyle/>
+          <a:p>
+            <a:pPr algn="ctr"/>
+            <a:endParaRPr lang="el-GR" sz="1200"/>
+          </a:p>
+        </p:txBody>
+      </p:sp>
+      <p:sp>
+        <p:nvSpPr>
+          <p:cNvPr id="103" name="62 - Ορθογώνιο"/>
+          <p:cNvSpPr/>
+          <p:nvPr/>
+        </p:nvSpPr>
+        <p:spPr>
+          <a:xfrm>
+            <a:off x="2433896" y="2863969"/>
+            <a:ext cx="913968" cy="276999"/>
+          </a:xfrm>
+          <a:prstGeom prst="rect">
+            <a:avLst/>
+          </a:prstGeom>
+        </p:spPr>
+        <p:txBody>
+          <a:bodyPr wrap="none">
+            <a:spAutoFit/>
+          </a:bodyPr>
+          <a:lstStyle/>
+          <a:p>
+            <a:r>
+              <a:rPr lang="en-GB" sz="1200" dirty="0" smtClean="0"/>
+              <a:t>Data access</a:t>
+            </a:r>
+            <a:endParaRPr lang="el-GR" sz="1200" dirty="0"/>
+          </a:p>
+        </p:txBody>
+      </p:sp>
+      <p:grpSp>
+        <p:nvGrpSpPr>
+          <p:cNvPr id="2" name="80 - Ομάδα"/>
+          <p:cNvGrpSpPr/>
+          <p:nvPr/>
+        </p:nvGrpSpPr>
+        <p:grpSpPr>
+          <a:xfrm>
+            <a:off x="4129328" y="4968397"/>
+            <a:ext cx="1080120" cy="257315"/>
+            <a:chOff x="2181751" y="5194330"/>
+            <a:chExt cx="1721177" cy="328254"/>
+          </a:xfrm>
+        </p:grpSpPr>
+        <p:pic>
+          <p:nvPicPr>
+            <p:cNvPr id="105" name="Picture 31"/>
+            <p:cNvPicPr>
+              <a:picLocks noChangeAspect="1"/>
+            </p:cNvPicPr>
+            <p:nvPr/>
+          </p:nvPicPr>
+          <p:blipFill>
+            <a:blip r:embed="rId7" cstate="print"/>
+            <a:stretch>
+              <a:fillRect/>
+            </a:stretch>
+          </p:blipFill>
+          <p:spPr>
+            <a:xfrm>
+              <a:off x="2181751" y="5194330"/>
+              <a:ext cx="365694" cy="328254"/>
+            </a:xfrm>
+            <a:prstGeom prst="rect">
+              <a:avLst/>
+            </a:prstGeom>
+          </p:spPr>
+        </p:pic>
+        <p:sp>
+          <p:nvSpPr>
+            <p:cNvPr id="106" name="TextBox 32"/>
+            <p:cNvSpPr txBox="1"/>
+            <p:nvPr/>
+          </p:nvSpPr>
+          <p:spPr>
+            <a:xfrm>
+              <a:off x="2531328" y="5228109"/>
+              <a:ext cx="1371600" cy="294470"/>
+            </a:xfrm>
+            <a:prstGeom prst="rect">
+              <a:avLst/>
+            </a:prstGeom>
+            <a:solidFill>
+              <a:schemeClr val="tx1"/>
+            </a:solidFill>
+            <a:ln>
+              <a:noFill/>
+            </a:ln>
+          </p:spPr>
+          <p:txBody>
+            <a:bodyPr wrap="square" rtlCol="0" anchor="ctr">
+              <a:spAutoFit/>
+            </a:bodyPr>
+            <a:lstStyle/>
+            <a:p>
+              <a:pPr algn="ctr">
+                <a:spcAft>
+                  <a:spcPts val="600"/>
+                </a:spcAft>
+              </a:pPr>
+              <a:r>
+                <a:rPr lang="en-US" sz="900" kern="0" dirty="0" smtClean="0">
+                  <a:solidFill>
+                    <a:schemeClr val="bg1"/>
+                  </a:solidFill>
+                  <a:latin typeface="Arial Black" pitchFamily="34" charset="0"/>
+                  <a:cs typeface="Arial"/>
+                  <a:sym typeface="Arial"/>
+                </a:rPr>
+                <a:t>Data Cube</a:t>
+              </a:r>
+            </a:p>
+          </p:txBody>
+        </p:sp>
+      </p:grpSp>
+      <p:cxnSp>
+        <p:nvCxnSpPr>
+          <p:cNvPr id="107" name="34 - Ευθεία γραμμή σύνδεσης"/>
+          <p:cNvCxnSpPr/>
+          <p:nvPr/>
+        </p:nvCxnSpPr>
+        <p:spPr>
+          <a:xfrm flipV="1">
+            <a:off x="3943160" y="4733365"/>
+            <a:ext cx="372335" cy="341795"/>
+          </a:xfrm>
+          <a:prstGeom prst="line">
+            <a:avLst/>
+          </a:prstGeom>
+          <a:ln w="19050">
+            <a:solidFill>
+              <a:schemeClr val="tx1"/>
+            </a:solidFill>
+            <a:headEnd type="triangle"/>
+            <a:tailEnd type="triangle"/>
+          </a:ln>
+        </p:spPr>
+        <p:style>
+          <a:lnRef idx="1">
+            <a:schemeClr val="accent1"/>
+          </a:lnRef>
+          <a:fillRef idx="0">
+            <a:schemeClr val="accent1"/>
+          </a:fillRef>
+          <a:effectRef idx="0">
+            <a:schemeClr val="accent1"/>
+          </a:effectRef>
+          <a:fontRef idx="minor">
+            <a:schemeClr val="tx1"/>
+          </a:fontRef>
+        </p:style>
+      </p:cxnSp>
+      <p:sp>
+        <p:nvSpPr>
+          <p:cNvPr id="108" name="69 - Ορθογώνιο"/>
+          <p:cNvSpPr/>
+          <p:nvPr/>
+        </p:nvSpPr>
+        <p:spPr>
+          <a:xfrm>
+            <a:off x="3550074" y="5744289"/>
+            <a:ext cx="2390078" cy="276999"/>
+          </a:xfrm>
+          <a:prstGeom prst="rect">
+            <a:avLst/>
+          </a:prstGeom>
+        </p:spPr>
+        <p:txBody>
+          <a:bodyPr wrap="none">
+            <a:spAutoFit/>
+          </a:bodyPr>
+          <a:lstStyle/>
+          <a:p>
+            <a:r>
+              <a:rPr lang="en-US" sz="1200" dirty="0" smtClean="0"/>
+              <a:t>Linked Open Statistical Data portals</a:t>
+            </a:r>
+            <a:endParaRPr lang="el-GR" sz="1200" dirty="0"/>
+          </a:p>
+        </p:txBody>
+      </p:sp>
+      <p:cxnSp>
+        <p:nvCxnSpPr>
+          <p:cNvPr id="109" name="71 - Ευθεία γραμμή σύνδεσης"/>
+          <p:cNvCxnSpPr/>
+          <p:nvPr/>
+        </p:nvCxnSpPr>
+        <p:spPr>
+          <a:xfrm>
+            <a:off x="4414170" y="5445223"/>
+            <a:ext cx="563116" cy="1"/>
+          </a:xfrm>
+          <a:prstGeom prst="line">
+            <a:avLst/>
+          </a:prstGeom>
+          <a:ln w="19050">
+            <a:solidFill>
+              <a:schemeClr val="tx1"/>
+            </a:solidFill>
+            <a:headEnd type="triangle"/>
+            <a:tailEnd type="triangle"/>
+          </a:ln>
+        </p:spPr>
+        <p:style>
+          <a:lnRef idx="1">
+            <a:schemeClr val="accent1"/>
+          </a:lnRef>
+          <a:fillRef idx="0">
+            <a:schemeClr val="accent1"/>
+          </a:fillRef>
+          <a:effectRef idx="0">
+            <a:schemeClr val="accent1"/>
+          </a:effectRef>
+          <a:fontRef idx="minor">
+            <a:schemeClr val="tx1"/>
+          </a:fontRef>
+        </p:style>
+      </p:cxnSp>
+      <p:cxnSp>
+        <p:nvCxnSpPr>
+          <p:cNvPr id="110" name="72 - Ευθεία γραμμή σύνδεσης"/>
+          <p:cNvCxnSpPr>
+            <a:endCxn id="118" idx="0"/>
+          </p:cNvCxnSpPr>
+          <p:nvPr/>
+        </p:nvCxnSpPr>
+        <p:spPr>
+          <a:xfrm>
+            <a:off x="5035728" y="4760702"/>
+            <a:ext cx="458562" cy="341869"/>
+          </a:xfrm>
+          <a:prstGeom prst="line">
+            <a:avLst/>
+          </a:prstGeom>
+          <a:ln w="19050">
+            <a:solidFill>
+              <a:schemeClr val="tx1"/>
+            </a:solidFill>
+            <a:headEnd type="triangle"/>
+            <a:tailEnd type="triangle"/>
+          </a:ln>
+        </p:spPr>
+        <p:style>
+          <a:lnRef idx="1">
+            <a:schemeClr val="accent1"/>
+          </a:lnRef>
+          <a:fillRef idx="0">
+            <a:schemeClr val="accent1"/>
+          </a:fillRef>
+          <a:effectRef idx="0">
+            <a:schemeClr val="accent1"/>
+          </a:effectRef>
+          <a:fontRef idx="minor">
+            <a:schemeClr val="tx1"/>
+          </a:fontRef>
+        </p:style>
+      </p:cxnSp>
+      <p:grpSp>
+        <p:nvGrpSpPr>
+          <p:cNvPr id="4" name="83 - Ομάδα"/>
+          <p:cNvGrpSpPr/>
+          <p:nvPr/>
+        </p:nvGrpSpPr>
+        <p:grpSpPr>
+          <a:xfrm>
+            <a:off x="4270154" y="4221088"/>
+            <a:ext cx="720080" cy="630685"/>
+            <a:chOff x="1691680" y="4166467"/>
+            <a:chExt cx="720080" cy="630685"/>
+          </a:xfrm>
+        </p:grpSpPr>
+        <p:pic>
+          <p:nvPicPr>
+            <p:cNvPr id="112" name="Picture 22" descr="https://cdn1.iconfinder.com/data/icons/ColoBrush_Pack/256/database.png"/>
+            <p:cNvPicPr>
+              <a:picLocks noChangeAspect="1" noChangeArrowheads="1"/>
+            </p:cNvPicPr>
+            <p:nvPr/>
+          </p:nvPicPr>
+          <p:blipFill>
+            <a:blip r:embed="rId8" cstate="print"/>
+            <a:srcRect/>
+            <a:stretch>
+              <a:fillRect/>
+            </a:stretch>
+          </p:blipFill>
+          <p:spPr bwMode="auto">
+            <a:xfrm>
+              <a:off x="1691680" y="4166467"/>
+              <a:ext cx="720080" cy="630685"/>
+            </a:xfrm>
+            <a:prstGeom prst="rect">
+              <a:avLst/>
+            </a:prstGeom>
+            <a:noFill/>
+          </p:spPr>
+        </p:pic>
+        <p:pic>
+          <p:nvPicPr>
+            <p:cNvPr id="113" name="Picture 24" descr="http://www.fadyart.com/en/images/stories/rdf.png"/>
+            <p:cNvPicPr>
+              <a:picLocks noChangeAspect="1" noChangeArrowheads="1"/>
+            </p:cNvPicPr>
+            <p:nvPr/>
+          </p:nvPicPr>
+          <p:blipFill>
+            <a:blip r:embed="rId9" cstate="print"/>
+            <a:srcRect/>
+            <a:stretch>
+              <a:fillRect/>
+            </a:stretch>
+          </p:blipFill>
+          <p:spPr bwMode="auto">
+            <a:xfrm rot="20083416">
+              <a:off x="2096301" y="4408315"/>
+              <a:ext cx="262416" cy="267657"/>
+            </a:xfrm>
+            <a:prstGeom prst="rect">
+              <a:avLst/>
+            </a:prstGeom>
+            <a:noFill/>
+          </p:spPr>
+        </p:pic>
+      </p:grpSp>
+      <p:grpSp>
+        <p:nvGrpSpPr>
+          <p:cNvPr id="5" name="81 - Ομάδα"/>
+          <p:cNvGrpSpPr/>
+          <p:nvPr/>
+        </p:nvGrpSpPr>
+        <p:grpSpPr>
+          <a:xfrm>
+            <a:off x="3478066" y="5102571"/>
+            <a:ext cx="720080" cy="630685"/>
+            <a:chOff x="1187624" y="4958555"/>
+            <a:chExt cx="720080" cy="630685"/>
+          </a:xfrm>
+        </p:grpSpPr>
+        <p:pic>
+          <p:nvPicPr>
+            <p:cNvPr id="115" name="Picture 22" descr="https://cdn1.iconfinder.com/data/icons/ColoBrush_Pack/256/database.png"/>
+            <p:cNvPicPr>
+              <a:picLocks noChangeAspect="1" noChangeArrowheads="1"/>
+            </p:cNvPicPr>
+            <p:nvPr/>
+          </p:nvPicPr>
+          <p:blipFill>
+            <a:blip r:embed="rId8" cstate="print"/>
+            <a:srcRect/>
+            <a:stretch>
+              <a:fillRect/>
+            </a:stretch>
+          </p:blipFill>
+          <p:spPr bwMode="auto">
+            <a:xfrm>
+              <a:off x="1187624" y="4958555"/>
+              <a:ext cx="720080" cy="630685"/>
+            </a:xfrm>
+            <a:prstGeom prst="rect">
+              <a:avLst/>
+            </a:prstGeom>
+            <a:noFill/>
+          </p:spPr>
+        </p:pic>
+        <p:pic>
+          <p:nvPicPr>
+            <p:cNvPr id="116" name="Picture 24" descr="http://www.fadyart.com/en/images/stories/rdf.png"/>
+            <p:cNvPicPr>
+              <a:picLocks noChangeAspect="1" noChangeArrowheads="1"/>
+            </p:cNvPicPr>
+            <p:nvPr/>
+          </p:nvPicPr>
+          <p:blipFill>
+            <a:blip r:embed="rId9" cstate="print"/>
+            <a:srcRect/>
+            <a:stretch>
+              <a:fillRect/>
+            </a:stretch>
+          </p:blipFill>
+          <p:spPr bwMode="auto">
+            <a:xfrm rot="20083416">
+              <a:off x="1600707" y="5206364"/>
+              <a:ext cx="262416" cy="267657"/>
+            </a:xfrm>
+            <a:prstGeom prst="rect">
+              <a:avLst/>
+            </a:prstGeom>
+            <a:noFill/>
+          </p:spPr>
+        </p:pic>
+      </p:grpSp>
+      <p:grpSp>
+        <p:nvGrpSpPr>
+          <p:cNvPr id="6" name="82 - Ομάδα"/>
+          <p:cNvGrpSpPr/>
+          <p:nvPr/>
+        </p:nvGrpSpPr>
+        <p:grpSpPr>
+          <a:xfrm>
+            <a:off x="5134250" y="5102571"/>
+            <a:ext cx="720080" cy="630685"/>
+            <a:chOff x="2195736" y="4941168"/>
+            <a:chExt cx="720080" cy="630685"/>
+          </a:xfrm>
+        </p:grpSpPr>
+        <p:pic>
+          <p:nvPicPr>
+            <p:cNvPr id="118" name="Picture 22" descr="https://cdn1.iconfinder.com/data/icons/ColoBrush_Pack/256/database.png"/>
+            <p:cNvPicPr>
+              <a:picLocks noChangeAspect="1" noChangeArrowheads="1"/>
+            </p:cNvPicPr>
+            <p:nvPr/>
+          </p:nvPicPr>
+          <p:blipFill>
+            <a:blip r:embed="rId8" cstate="print"/>
+            <a:srcRect/>
+            <a:stretch>
+              <a:fillRect/>
+            </a:stretch>
+          </p:blipFill>
+          <p:spPr bwMode="auto">
+            <a:xfrm>
+              <a:off x="2195736" y="4941168"/>
+              <a:ext cx="720080" cy="630685"/>
+            </a:xfrm>
+            <a:prstGeom prst="rect">
+              <a:avLst/>
+            </a:prstGeom>
+            <a:noFill/>
+          </p:spPr>
+        </p:pic>
+        <p:pic>
+          <p:nvPicPr>
+            <p:cNvPr id="119" name="Picture 24" descr="http://www.fadyart.com/en/images/stories/rdf.png"/>
+            <p:cNvPicPr>
+              <a:picLocks noChangeAspect="1" noChangeArrowheads="1"/>
+            </p:cNvPicPr>
+            <p:nvPr/>
+          </p:nvPicPr>
+          <p:blipFill>
+            <a:blip r:embed="rId9" cstate="print"/>
+            <a:srcRect/>
+            <a:stretch>
+              <a:fillRect/>
+            </a:stretch>
+          </p:blipFill>
+          <p:spPr bwMode="auto">
+            <a:xfrm rot="20083416">
+              <a:off x="2608819" y="5206364"/>
+              <a:ext cx="262416" cy="267657"/>
+            </a:xfrm>
+            <a:prstGeom prst="rect">
+              <a:avLst/>
+            </a:prstGeom>
+            <a:noFill/>
+          </p:spPr>
+        </p:pic>
+      </p:grpSp>
+      <p:sp>
+        <p:nvSpPr>
+          <p:cNvPr id="120" name="92 - Βέλος προς τα κάτω"/>
+          <p:cNvSpPr/>
+          <p:nvPr/>
+        </p:nvSpPr>
+        <p:spPr>
+          <a:xfrm rot="10800000" flipV="1">
+            <a:off x="4499993" y="3697028"/>
+            <a:ext cx="288032" cy="380043"/>
+          </a:xfrm>
+          <a:prstGeom prst="downArrow">
+            <a:avLst/>
+          </a:prstGeom>
+        </p:spPr>
+        <p:style>
+          <a:lnRef idx="1">
+            <a:schemeClr val="accent3"/>
+          </a:lnRef>
+          <a:fillRef idx="2">
+            <a:schemeClr val="accent3"/>
+          </a:fillRef>
+          <a:effectRef idx="1">
+            <a:schemeClr val="accent3"/>
+          </a:effectRef>
+          <a:fontRef idx="minor">
+            <a:schemeClr val="dk1"/>
+          </a:fontRef>
+        </p:style>
+        <p:txBody>
+          <a:bodyPr rtlCol="0" anchor="ctr"/>
+          <a:lstStyle/>
+          <a:p>
+            <a:pPr algn="ctr"/>
+            <a:endParaRPr lang="el-GR" sz="1200"/>
+          </a:p>
+        </p:txBody>
+      </p:sp>
+      <p:pic>
+        <p:nvPicPr>
+          <p:cNvPr id="121" name="Picture 2" descr="Αποτέλεσμα εικόνας για sparql"/>
+          <p:cNvPicPr>
+            <a:picLocks noChangeAspect="1" noChangeArrowheads="1"/>
+          </p:cNvPicPr>
+          <p:nvPr/>
+        </p:nvPicPr>
+        <p:blipFill>
+          <a:blip r:embed="rId10" cstate="print"/>
+          <a:srcRect/>
+          <a:stretch>
+            <a:fillRect/>
+          </a:stretch>
+        </p:blipFill>
+        <p:spPr bwMode="auto">
+          <a:xfrm>
+            <a:off x="3995936" y="3717032"/>
+            <a:ext cx="432048" cy="432048"/>
+          </a:xfrm>
+          <a:prstGeom prst="rect">
+            <a:avLst/>
+          </a:prstGeom>
+          <a:noFill/>
+        </p:spPr>
+      </p:pic>
+      <p:pic>
+        <p:nvPicPr>
+          <p:cNvPr id="1026" name="Picture 2" descr="Αποτέλεσμα εικόνας για rest  api transparent { } icon"/>
+          <p:cNvPicPr>
+            <a:picLocks noChangeAspect="1" noChangeArrowheads="1"/>
+          </p:cNvPicPr>
+          <p:nvPr/>
+        </p:nvPicPr>
+        <p:blipFill>
+          <a:blip r:embed="rId11" cstate="print"/>
+          <a:srcRect/>
+          <a:stretch>
+            <a:fillRect/>
+          </a:stretch>
+        </p:blipFill>
+        <p:spPr bwMode="auto">
+          <a:xfrm>
+            <a:off x="3424435" y="2636912"/>
+            <a:ext cx="787525" cy="787525"/>
+          </a:xfrm>
+          <a:prstGeom prst="rect">
+            <a:avLst/>
+          </a:prstGeom>
+          <a:noFill/>
+        </p:spPr>
+      </p:pic>
+    </p:spTree>
+    <p:extLst>
+      <p:ext uri="{BB962C8B-B14F-4D97-AF65-F5344CB8AC3E}">
+        <p14:creationId xmlns:p14="http://schemas.microsoft.com/office/powerpoint/2010/main" xmlns="" val="631353064"/>
+      </p:ext>
+    </p:extLst>
+  </p:cSld>
+  <p:clrMapOvr>
+    <a:masterClrMapping/>
+  </p:clrMapOvr>
+  <mc:AlternateContent xmlns:mc="http://schemas.openxmlformats.org/markup-compatibility/2006">
+    <mc:Choice xmlns:p14="http://schemas.microsoft.com/office/powerpoint/2010/main" xmlns="" Requires="p14">
+      <p:transition spd="med" p14:dur="700">
+        <p:fade/>
+      </p:transition>
+    </mc:Choice>
+    <mc:Fallback>
+      <p:transition spd="med">
+        <p:fade/>
+      </p:transition>
+    </mc:Fallback>
+  </mc:AlternateContent>
+  <p:timing>
+    <p:tnLst>
+      <p:par>
+        <p:cTn id="1" dur="indefinite" restart="never" nodeType="tmRoot"/>
+      </p:par>
+    </p:tnLst>
+  </p:timing>
+</p:sld>
+</file>
+
+<file path=ppt/slides/slide6.xml><?xml version="1.0" encoding="utf-8"?>
 <p:sld xmlns:a="http://schemas.openxmlformats.org/drawingml/2006/main" xmlns:r="http://schemas.openxmlformats.org/officeDocument/2006/relationships" xmlns:p="http://schemas.openxmlformats.org/presentationml/2006/main">
   <p:cSld>
     <p:spTree>
@@ -7797,7 +9676,7 @@
     </p:spTree>
     <p:extLst>
       <p:ext uri="{BB962C8B-B14F-4D97-AF65-F5344CB8AC3E}">
-        <p14:creationId xmlns="" xmlns:p14="http://schemas.microsoft.com/office/powerpoint/2010/main" val="855257497"/>
+        <p14:creationId xmlns:p14="http://schemas.microsoft.com/office/powerpoint/2010/main" xmlns="" val="855257497"/>
       </p:ext>
     </p:extLst>
   </p:cSld>
@@ -7805,7 +9684,7 @@
     <a:masterClrMapping/>
   </p:clrMapOvr>
   <mc:AlternateContent xmlns:mc="http://schemas.openxmlformats.org/markup-compatibility/2006">
-    <mc:Choice xmlns="" xmlns:p14="http://schemas.microsoft.com/office/powerpoint/2010/main" Requires="p14">
+    <mc:Choice xmlns:p14="http://schemas.microsoft.com/office/powerpoint/2010/main" xmlns="" Requires="p14">
       <p:transition spd="med" p14:dur="700">
         <p:fade/>
       </p:transition>
@@ -7819,7 +9698,7 @@
 </p:sld>
 </file>
 
-<file path=ppt/slides/slide6.xml><?xml version="1.0" encoding="utf-8"?>
+<file path=ppt/slides/slide7.xml><?xml version="1.0" encoding="utf-8"?>
 <p:sld xmlns:a="http://schemas.openxmlformats.org/drawingml/2006/main" xmlns:r="http://schemas.openxmlformats.org/officeDocument/2006/relationships" xmlns:p="http://schemas.openxmlformats.org/presentationml/2006/main">
   <p:cSld>
     <p:spTree>
@@ -7962,17 +9841,7 @@
                 <a:cs typeface="Arial"/>
                 <a:sym typeface="Arial"/>
               </a:rPr>
-              <a:t>Cube </a:t>
-            </a:r>
-            <a:r>
-              <a:rPr lang="en-US" sz="1600" kern="0" dirty="0" smtClean="0">
-                <a:solidFill>
-                  <a:srgbClr val="000000"/>
-                </a:solidFill>
-                <a:cs typeface="Arial"/>
-                <a:sym typeface="Arial"/>
-              </a:rPr>
-              <a:t>Visualize 1</a:t>
+              <a:t>Cube Visualize 1</a:t>
             </a:r>
             <a:endParaRPr lang="el-GR" sz="1600" kern="0" dirty="0" smtClean="0">
               <a:solidFill>
@@ -8399,17 +10268,7 @@
                 <a:cs typeface="Arial"/>
                 <a:sym typeface="Arial"/>
               </a:rPr>
-              <a:t>Data access </a:t>
-            </a:r>
-            <a:r>
-              <a:rPr lang="en-GB" sz="1600" b="1" kern="0" dirty="0" smtClean="0">
-                <a:solidFill>
-                  <a:srgbClr val="000000"/>
-                </a:solidFill>
-                <a:cs typeface="Arial"/>
-                <a:sym typeface="Arial"/>
-              </a:rPr>
-              <a:t>1</a:t>
+              <a:t>Data access 1</a:t>
             </a:r>
             <a:endParaRPr lang="en-US" sz="1600" b="1" kern="0" dirty="0" smtClean="0">
               <a:solidFill>
@@ -8944,17 +10803,7 @@
                 <a:cs typeface="Arial"/>
                 <a:sym typeface="Arial"/>
               </a:rPr>
-              <a:t>Cube </a:t>
-            </a:r>
-            <a:r>
-              <a:rPr lang="en-US" sz="1600" kern="0" dirty="0" smtClean="0">
-                <a:solidFill>
-                  <a:srgbClr val="000000"/>
-                </a:solidFill>
-                <a:cs typeface="Arial"/>
-                <a:sym typeface="Arial"/>
-              </a:rPr>
-              <a:t>Visualize 2</a:t>
+              <a:t>Cube Visualize 2</a:t>
             </a:r>
             <a:endParaRPr lang="el-GR" sz="1600" kern="0" dirty="0" smtClean="0">
               <a:solidFill>
@@ -9192,17 +11041,7 @@
                 <a:cs typeface="Arial"/>
                 <a:sym typeface="Arial"/>
               </a:rPr>
-              <a:t>Data access </a:t>
-            </a:r>
-            <a:r>
-              <a:rPr lang="en-GB" sz="1600" b="1" kern="0" dirty="0" smtClean="0">
-                <a:solidFill>
-                  <a:srgbClr val="000000"/>
-                </a:solidFill>
-                <a:cs typeface="Arial"/>
-                <a:sym typeface="Arial"/>
-              </a:rPr>
-              <a:t>2</a:t>
+              <a:t>Data access 2</a:t>
             </a:r>
             <a:endParaRPr lang="en-US" sz="1600" b="1" kern="0" dirty="0" smtClean="0">
               <a:solidFill>
@@ -9370,17 +11209,7 @@
                 <a:cs typeface="Arial"/>
                 <a:sym typeface="Arial"/>
               </a:rPr>
-              <a:t>Data access </a:t>
-            </a:r>
-            <a:r>
-              <a:rPr lang="en-GB" sz="1600" b="1" kern="0" dirty="0" smtClean="0">
-                <a:solidFill>
-                  <a:srgbClr val="000000"/>
-                </a:solidFill>
-                <a:cs typeface="Arial"/>
-                <a:sym typeface="Arial"/>
-              </a:rPr>
-              <a:t>2</a:t>
+              <a:t>Data access 2</a:t>
             </a:r>
             <a:endParaRPr lang="en-US" sz="1600" b="1" kern="0" dirty="0" smtClean="0">
               <a:solidFill>
@@ -9444,7 +11273,7 @@
     </p:spTree>
     <p:extLst>
       <p:ext uri="{BB962C8B-B14F-4D97-AF65-F5344CB8AC3E}">
-        <p14:creationId xmlns="" xmlns:p14="http://schemas.microsoft.com/office/powerpoint/2010/main" val="855257497"/>
+        <p14:creationId xmlns:p14="http://schemas.microsoft.com/office/powerpoint/2010/main" xmlns="" val="855257497"/>
       </p:ext>
     </p:extLst>
   </p:cSld>
@@ -9452,162 +11281,7 @@
     <a:masterClrMapping/>
   </p:clrMapOvr>
   <mc:AlternateContent xmlns:mc="http://schemas.openxmlformats.org/markup-compatibility/2006">
-    <mc:Choice xmlns="" xmlns:p14="http://schemas.microsoft.com/office/powerpoint/2010/main" Requires="p14">
-      <p:transition spd="med" p14:dur="700">
-        <p:fade/>
-      </p:transition>
-    </mc:Choice>
-    <mc:Fallback>
-      <p:transition spd="med">
-        <p:fade/>
-      </p:transition>
-    </mc:Fallback>
-  </mc:AlternateContent>
-</p:sld>
-</file>
-
-<file path=ppt/slides/slide7.xml><?xml version="1.0" encoding="utf-8"?>
-<p:sld xmlns:a="http://schemas.openxmlformats.org/drawingml/2006/main" xmlns:r="http://schemas.openxmlformats.org/officeDocument/2006/relationships" xmlns:p="http://schemas.openxmlformats.org/presentationml/2006/main">
-  <p:cSld>
-    <p:spTree>
-      <p:nvGrpSpPr>
-        <p:cNvPr id="1" name=""/>
-        <p:cNvGrpSpPr/>
-        <p:nvPr/>
-      </p:nvGrpSpPr>
-      <p:grpSpPr>
-        <a:xfrm>
-          <a:off x="0" y="0"/>
-          <a:ext cx="0" cy="0"/>
-          <a:chOff x="0" y="0"/>
-          <a:chExt cx="0" cy="0"/>
-        </a:xfrm>
-      </p:grpSpPr>
-      <p:sp>
-        <p:nvSpPr>
-          <p:cNvPr id="2" name="1 - Θέση περιεχομένου"/>
-          <p:cNvSpPr>
-            <a:spLocks noGrp="1"/>
-          </p:cNvSpPr>
-          <p:nvPr>
-            <p:ph idx="1"/>
-          </p:nvPr>
-        </p:nvSpPr>
-        <p:spPr/>
-        <p:txBody>
-          <a:bodyPr>
-            <a:normAutofit fontScale="77500" lnSpcReduction="20000"/>
-          </a:bodyPr>
-          <a:lstStyle/>
-          <a:p>
-            <a:r>
-              <a:rPr lang="en-US" dirty="0" smtClean="0"/>
-              <a:t>need to know what datasets are available</a:t>
-            </a:r>
-            <a:endParaRPr lang="el-GR" dirty="0" smtClean="0"/>
-          </a:p>
-          <a:p>
-            <a:r>
-              <a:rPr lang="en-US" dirty="0" smtClean="0"/>
-              <a:t>need to know about structure to subset the observations</a:t>
-            </a:r>
-            <a:endParaRPr lang="el-GR" dirty="0" smtClean="0"/>
-          </a:p>
-          <a:p>
-            <a:r>
-              <a:rPr lang="en-US" dirty="0" smtClean="0"/>
-              <a:t>in order not to return everything, need to subset</a:t>
-            </a:r>
-          </a:p>
-          <a:p>
-            <a:r>
-              <a:rPr lang="en-US" dirty="0" smtClean="0"/>
-              <a:t>don't necessarily need a n-array/ tabular response - array of observations is sufficient</a:t>
-            </a:r>
-          </a:p>
-          <a:p>
-            <a:pPr lvl="1"/>
-            <a:r>
-              <a:rPr lang="en-US" dirty="0" smtClean="0"/>
-              <a:t>can always get back to the table</a:t>
-            </a:r>
-          </a:p>
-          <a:p>
-            <a:r>
-              <a:rPr lang="en-US" dirty="0" smtClean="0"/>
-              <a:t>Filtering</a:t>
-            </a:r>
-          </a:p>
-          <a:p>
-            <a:r>
-              <a:rPr lang="en-US" dirty="0" err="1" smtClean="0"/>
-              <a:t>Multilinguality</a:t>
-            </a:r>
-            <a:endParaRPr lang="en-US" dirty="0" smtClean="0"/>
-          </a:p>
-          <a:p>
-            <a:r>
-              <a:rPr lang="en-US" dirty="0" smtClean="0"/>
-              <a:t>Ordering &amp; paging</a:t>
-            </a:r>
-          </a:p>
-          <a:p>
-            <a:r>
-              <a:rPr lang="en-US" dirty="0" smtClean="0"/>
-              <a:t>merging, aggregations</a:t>
-            </a:r>
-          </a:p>
-          <a:p>
-            <a:r>
-              <a:rPr lang="en-US" dirty="0" err="1" smtClean="0"/>
-              <a:t>json</a:t>
-            </a:r>
-            <a:r>
-              <a:rPr lang="en-US" dirty="0" smtClean="0"/>
-              <a:t>-ld representation is sufficient for query and response format</a:t>
-            </a:r>
-          </a:p>
-          <a:p>
-            <a:r>
-              <a:rPr lang="en-US" sz="2800" dirty="0" smtClean="0"/>
-              <a:t>++</a:t>
-            </a:r>
-          </a:p>
-          <a:p>
-            <a:endParaRPr lang="el-GR" dirty="0"/>
-          </a:p>
-        </p:txBody>
-      </p:sp>
-      <p:sp>
-        <p:nvSpPr>
-          <p:cNvPr id="3" name="2 - Τίτλος"/>
-          <p:cNvSpPr>
-            <a:spLocks noGrp="1"/>
-          </p:cNvSpPr>
-          <p:nvPr>
-            <p:ph type="title"/>
-          </p:nvPr>
-        </p:nvSpPr>
-        <p:spPr/>
-        <p:txBody>
-          <a:bodyPr/>
-          <a:lstStyle/>
-          <a:p>
-            <a:r>
-              <a:rPr lang="en-US" dirty="0" smtClean="0"/>
-              <a:t>4. Requirements</a:t>
-            </a:r>
-            <a:endParaRPr lang="el-GR" dirty="0"/>
-          </a:p>
-        </p:txBody>
-      </p:sp>
-    </p:spTree>
-  </p:cSld>
-  <p:clrMapOvr>
-    <a:masterClrMapping/>
-  </p:clrMapOvr>
-  <mc:AlternateContent xmlns:mc="http://schemas.openxmlformats.org/markup-compatibility/2006">
-    <mc:Choice xmlns="" xmlns:p14="http://schemas.microsoft.com/office/powerpoint/2010/main" Requires="p14">
+    <mc:Choice xmlns:p14="http://schemas.microsoft.com/office/powerpoint/2010/main" xmlns="" Requires="p14">
       <p:transition spd="med" p14:dur="700">
         <p:fade/>
       </p:transition>
@@ -9640,6 +11314,161 @@
       </p:grpSpPr>
       <p:sp>
         <p:nvSpPr>
+          <p:cNvPr id="2" name="1 - Θέση περιεχομένου"/>
+          <p:cNvSpPr>
+            <a:spLocks noGrp="1"/>
+          </p:cNvSpPr>
+          <p:nvPr>
+            <p:ph idx="1"/>
+          </p:nvPr>
+        </p:nvSpPr>
+        <p:spPr/>
+        <p:txBody>
+          <a:bodyPr>
+            <a:normAutofit fontScale="77500" lnSpcReduction="20000"/>
+          </a:bodyPr>
+          <a:lstStyle/>
+          <a:p>
+            <a:r>
+              <a:rPr lang="en-US" dirty="0" smtClean="0"/>
+              <a:t>need to know what datasets are available</a:t>
+            </a:r>
+            <a:endParaRPr lang="el-GR" dirty="0" smtClean="0"/>
+          </a:p>
+          <a:p>
+            <a:r>
+              <a:rPr lang="en-US" dirty="0" smtClean="0"/>
+              <a:t>need to know about structure to subset the observations</a:t>
+            </a:r>
+            <a:endParaRPr lang="el-GR" dirty="0" smtClean="0"/>
+          </a:p>
+          <a:p>
+            <a:r>
+              <a:rPr lang="en-US" dirty="0" smtClean="0"/>
+              <a:t>in order not to return everything, need to subset</a:t>
+            </a:r>
+          </a:p>
+          <a:p>
+            <a:r>
+              <a:rPr lang="en-US" dirty="0" smtClean="0"/>
+              <a:t>don't necessarily need a n-array/ tabular response - array of observations is sufficient</a:t>
+            </a:r>
+          </a:p>
+          <a:p>
+            <a:pPr lvl="1"/>
+            <a:r>
+              <a:rPr lang="en-US" dirty="0" smtClean="0"/>
+              <a:t>can always get back to the table</a:t>
+            </a:r>
+          </a:p>
+          <a:p>
+            <a:r>
+              <a:rPr lang="en-US" dirty="0" smtClean="0"/>
+              <a:t>Filtering</a:t>
+            </a:r>
+          </a:p>
+          <a:p>
+            <a:r>
+              <a:rPr lang="en-US" dirty="0" err="1" smtClean="0"/>
+              <a:t>Multilinguality</a:t>
+            </a:r>
+            <a:endParaRPr lang="en-US" dirty="0" smtClean="0"/>
+          </a:p>
+          <a:p>
+            <a:r>
+              <a:rPr lang="en-US" dirty="0" smtClean="0"/>
+              <a:t>Ordering &amp; paging</a:t>
+            </a:r>
+          </a:p>
+          <a:p>
+            <a:r>
+              <a:rPr lang="en-US" dirty="0" smtClean="0"/>
+              <a:t>merging, aggregations</a:t>
+            </a:r>
+          </a:p>
+          <a:p>
+            <a:r>
+              <a:rPr lang="en-US" dirty="0" err="1" smtClean="0"/>
+              <a:t>json</a:t>
+            </a:r>
+            <a:r>
+              <a:rPr lang="en-US" dirty="0" smtClean="0"/>
+              <a:t>-ld representation is sufficient for query and response format</a:t>
+            </a:r>
+          </a:p>
+          <a:p>
+            <a:r>
+              <a:rPr lang="en-US" sz="2800" dirty="0" smtClean="0"/>
+              <a:t>++</a:t>
+            </a:r>
+          </a:p>
+          <a:p>
+            <a:endParaRPr lang="el-GR" dirty="0"/>
+          </a:p>
+        </p:txBody>
+      </p:sp>
+      <p:sp>
+        <p:nvSpPr>
+          <p:cNvPr id="3" name="2 - Τίτλος"/>
+          <p:cNvSpPr>
+            <a:spLocks noGrp="1"/>
+          </p:cNvSpPr>
+          <p:nvPr>
+            <p:ph type="title"/>
+          </p:nvPr>
+        </p:nvSpPr>
+        <p:spPr/>
+        <p:txBody>
+          <a:bodyPr/>
+          <a:lstStyle/>
+          <a:p>
+            <a:r>
+              <a:rPr lang="en-US" dirty="0" smtClean="0"/>
+              <a:t>4. Requirements</a:t>
+            </a:r>
+            <a:endParaRPr lang="el-GR" dirty="0"/>
+          </a:p>
+        </p:txBody>
+      </p:sp>
+    </p:spTree>
+  </p:cSld>
+  <p:clrMapOvr>
+    <a:masterClrMapping/>
+  </p:clrMapOvr>
+  <mc:AlternateContent xmlns:mc="http://schemas.openxmlformats.org/markup-compatibility/2006">
+    <mc:Choice xmlns:p14="http://schemas.microsoft.com/office/powerpoint/2010/main" xmlns="" Requires="p14">
+      <p:transition spd="med" p14:dur="700">
+        <p:fade/>
+      </p:transition>
+    </mc:Choice>
+    <mc:Fallback>
+      <p:transition spd="med">
+        <p:fade/>
+      </p:transition>
+    </mc:Fallback>
+  </mc:AlternateContent>
+</p:sld>
+</file>
+
+<file path=ppt/slides/slide9.xml><?xml version="1.0" encoding="utf-8"?>
+<p:sld xmlns:a="http://schemas.openxmlformats.org/drawingml/2006/main" xmlns:r="http://schemas.openxmlformats.org/officeDocument/2006/relationships" xmlns:p="http://schemas.openxmlformats.org/presentationml/2006/main">
+  <p:cSld>
+    <p:spTree>
+      <p:nvGrpSpPr>
+        <p:cNvPr id="1" name=""/>
+        <p:cNvGrpSpPr/>
+        <p:nvPr/>
+      </p:nvGrpSpPr>
+      <p:grpSpPr>
+        <a:xfrm>
+          <a:off x="0" y="0"/>
+          <a:ext cx="0" cy="0"/>
+          <a:chOff x="0" y="0"/>
+          <a:chExt cx="0" cy="0"/>
+        </a:xfrm>
+      </p:grpSpPr>
+      <p:sp>
+        <p:nvSpPr>
           <p:cNvPr id="6" name="5 - Θέση περιεχομένου"/>
           <p:cNvSpPr>
             <a:spLocks noGrp="1"/>
@@ -9908,7 +11737,7 @@
     <a:masterClrMapping/>
   </p:clrMapOvr>
   <mc:AlternateContent xmlns:mc="http://schemas.openxmlformats.org/markup-compatibility/2006">
-    <mc:Choice xmlns="" xmlns:p14="http://schemas.microsoft.com/office/powerpoint/2010/main" Requires="p14">
+    <mc:Choice xmlns:p14="http://schemas.microsoft.com/office/powerpoint/2010/main" xmlns="" Requires="p14">
       <p:transition spd="med" p14:dur="700">
         <p:fade/>
       </p:transition>
@@ -10005,385 +11834,6 @@
       <p:bldP spid="11" grpId="0" animBg="1"/>
     </p:bldLst>
   </p:timing>
-</p:sld>
-</file>
-
-<file path=ppt/slides/slide9.xml><?xml version="1.0" encoding="utf-8"?>
-<p:sld xmlns:a="http://schemas.openxmlformats.org/drawingml/2006/main" xmlns:r="http://schemas.openxmlformats.org/officeDocument/2006/relationships" xmlns:p="http://schemas.openxmlformats.org/presentationml/2006/main">
-  <p:cSld>
-    <p:spTree>
-      <p:nvGrpSpPr>
-        <p:cNvPr id="1" name=""/>
-        <p:cNvGrpSpPr/>
-        <p:nvPr/>
-      </p:nvGrpSpPr>
-      <p:grpSpPr>
-        <a:xfrm>
-          <a:off x="0" y="0"/>
-          <a:ext cx="0" cy="0"/>
-          <a:chOff x="0" y="0"/>
-          <a:chExt cx="0" cy="0"/>
-        </a:xfrm>
-      </p:grpSpPr>
-      <p:sp>
-        <p:nvSpPr>
-          <p:cNvPr id="2" name="1 - Θέση περιεχομένου"/>
-          <p:cNvSpPr>
-            <a:spLocks noGrp="1"/>
-          </p:cNvSpPr>
-          <p:nvPr>
-            <p:ph idx="1"/>
-          </p:nvPr>
-        </p:nvSpPr>
-        <p:spPr/>
-        <p:txBody>
-          <a:bodyPr>
-            <a:normAutofit fontScale="55000" lnSpcReduction="20000"/>
-          </a:bodyPr>
-          <a:lstStyle/>
-          <a:p>
-            <a:pPr>
-              <a:buNone/>
-            </a:pPr>
-            <a:r>
-              <a:rPr lang="en-US" dirty="0" smtClean="0"/>
-              <a:t>possible example for slice/ observation-selection query:</a:t>
-            </a:r>
-            <a:endParaRPr lang="el-GR" dirty="0" smtClean="0"/>
-          </a:p>
-          <a:p>
-            <a:pPr>
-              <a:buNone/>
-            </a:pPr>
-            <a:r>
-              <a:rPr lang="en-US" dirty="0" smtClean="0"/>
-              <a:t> </a:t>
-            </a:r>
-            <a:endParaRPr lang="el-GR" dirty="0" smtClean="0"/>
-          </a:p>
-          <a:p>
-            <a:pPr>
-              <a:buNone/>
-            </a:pPr>
-            <a:r>
-              <a:rPr lang="en-US" dirty="0" smtClean="0"/>
-              <a:t>{ </a:t>
-            </a:r>
-            <a:endParaRPr lang="el-GR" dirty="0" smtClean="0"/>
-          </a:p>
-          <a:p>
-            <a:pPr>
-              <a:buNone/>
-            </a:pPr>
-            <a:r>
-              <a:rPr lang="en-US" dirty="0" smtClean="0"/>
-              <a:t>  "</a:t>
-            </a:r>
-            <a:r>
-              <a:rPr lang="en-US" dirty="0" err="1" smtClean="0"/>
-              <a:t>jqql:dataset</a:t>
-            </a:r>
-            <a:r>
-              <a:rPr lang="en-US" dirty="0" smtClean="0"/>
-              <a:t>": "</a:t>
-            </a:r>
-            <a:r>
-              <a:rPr lang="en-US" dirty="0" err="1" smtClean="0"/>
-              <a:t>scot:home</a:t>
-            </a:r>
-            <a:r>
-              <a:rPr lang="en-US" dirty="0" smtClean="0"/>
-              <a:t>-care-clients",</a:t>
-            </a:r>
-            <a:endParaRPr lang="el-GR" dirty="0" smtClean="0"/>
-          </a:p>
-          <a:p>
-            <a:pPr>
-              <a:buNone/>
-            </a:pPr>
-            <a:r>
-              <a:rPr lang="en-US" dirty="0" smtClean="0"/>
-              <a:t>  "</a:t>
-            </a:r>
-            <a:r>
-              <a:rPr lang="en-US" dirty="0" err="1" smtClean="0"/>
-              <a:t>jqql:filter</a:t>
-            </a:r>
-            <a:r>
-              <a:rPr lang="en-US" dirty="0" smtClean="0"/>
-              <a:t>": {</a:t>
-            </a:r>
-            <a:endParaRPr lang="el-GR" dirty="0" smtClean="0"/>
-          </a:p>
-          <a:p>
-            <a:pPr>
-              <a:buNone/>
-            </a:pPr>
-            <a:r>
-              <a:rPr lang="en-US" dirty="0" smtClean="0"/>
-              <a:t>"</a:t>
-            </a:r>
-            <a:r>
-              <a:rPr lang="en-US" dirty="0" err="1" smtClean="0"/>
-              <a:t>dimension:gender</a:t>
-            </a:r>
-            <a:r>
-              <a:rPr lang="en-US" dirty="0" smtClean="0"/>
-              <a:t>": "</a:t>
-            </a:r>
-            <a:r>
-              <a:rPr lang="en-US" dirty="0" err="1" smtClean="0"/>
-              <a:t>gender:male</a:t>
-            </a:r>
-            <a:r>
-              <a:rPr lang="en-US" dirty="0" smtClean="0"/>
-              <a:t>",</a:t>
-            </a:r>
-            <a:endParaRPr lang="el-GR" dirty="0" smtClean="0"/>
-          </a:p>
-          <a:p>
-            <a:pPr>
-              <a:buNone/>
-            </a:pPr>
-            <a:r>
-              <a:rPr lang="en-US" dirty="0" smtClean="0"/>
-              <a:t>   "</a:t>
-            </a:r>
-            <a:r>
-              <a:rPr lang="en-US" dirty="0" err="1" smtClean="0"/>
-              <a:t>dimension:age</a:t>
-            </a:r>
-            <a:r>
-              <a:rPr lang="en-US" dirty="0" smtClean="0"/>
-              <a:t>": { "</a:t>
-            </a:r>
-            <a:r>
-              <a:rPr lang="en-US" dirty="0" err="1" smtClean="0"/>
-              <a:t>jqql:greater</a:t>
-            </a:r>
-            <a:r>
-              <a:rPr lang="en-US" dirty="0" smtClean="0"/>
-              <a:t>-than": 50 }</a:t>
-            </a:r>
-            <a:endParaRPr lang="el-GR" dirty="0" smtClean="0"/>
-          </a:p>
-          <a:p>
-            <a:pPr>
-              <a:buNone/>
-            </a:pPr>
-            <a:r>
-              <a:rPr lang="en-US" dirty="0" smtClean="0"/>
-              <a:t>  },</a:t>
-            </a:r>
-            <a:endParaRPr lang="el-GR" dirty="0" smtClean="0"/>
-          </a:p>
-          <a:p>
-            <a:pPr>
-              <a:buNone/>
-            </a:pPr>
-            <a:r>
-              <a:rPr lang="en-US" dirty="0" smtClean="0"/>
-              <a:t>  "</a:t>
-            </a:r>
-            <a:r>
-              <a:rPr lang="en-US" dirty="0" err="1" smtClean="0"/>
-              <a:t>jqql:order</a:t>
-            </a:r>
-            <a:r>
-              <a:rPr lang="en-US" dirty="0" smtClean="0"/>
-              <a:t>": {</a:t>
-            </a:r>
-            <a:endParaRPr lang="el-GR" dirty="0" smtClean="0"/>
-          </a:p>
-          <a:p>
-            <a:pPr>
-              <a:buNone/>
-            </a:pPr>
-            <a:r>
-              <a:rPr lang="en-US" dirty="0" smtClean="0"/>
-              <a:t>    "</a:t>
-            </a:r>
-            <a:r>
-              <a:rPr lang="en-US" dirty="0" err="1" smtClean="0"/>
-              <a:t>dimension:refPeriod</a:t>
-            </a:r>
-            <a:r>
-              <a:rPr lang="en-US" dirty="0" smtClean="0"/>
-              <a:t>": { "</a:t>
-            </a:r>
-            <a:r>
-              <a:rPr lang="en-US" dirty="0" err="1" smtClean="0"/>
-              <a:t>jqql:order</a:t>
-            </a:r>
-            <a:r>
-              <a:rPr lang="en-US" dirty="0" smtClean="0"/>
-              <a:t>-predicate": "</a:t>
-            </a:r>
-            <a:r>
-              <a:rPr lang="en-US" dirty="0" err="1" smtClean="0"/>
-              <a:t>ui:sortPriority</a:t>
-            </a:r>
-            <a:r>
-              <a:rPr lang="en-US" dirty="0" smtClean="0"/>
-              <a:t>", "</a:t>
-            </a:r>
-            <a:r>
-              <a:rPr lang="en-US" dirty="0" err="1" smtClean="0"/>
-              <a:t>jqql:direction</a:t>
-            </a:r>
-            <a:r>
-              <a:rPr lang="en-US" dirty="0" smtClean="0"/>
-              <a:t>": "</a:t>
-            </a:r>
-            <a:r>
-              <a:rPr lang="en-US" dirty="0" err="1" smtClean="0"/>
-              <a:t>jqql:asc</a:t>
-            </a:r>
-            <a:r>
-              <a:rPr lang="en-US" dirty="0" smtClean="0"/>
-              <a:t>"}</a:t>
-            </a:r>
-            <a:endParaRPr lang="el-GR" dirty="0" smtClean="0"/>
-          </a:p>
-          <a:p>
-            <a:pPr>
-              <a:buNone/>
-            </a:pPr>
-            <a:r>
-              <a:rPr lang="en-US" dirty="0" smtClean="0"/>
-              <a:t>  },</a:t>
-            </a:r>
-            <a:endParaRPr lang="el-GR" dirty="0" smtClean="0"/>
-          </a:p>
-          <a:p>
-            <a:pPr>
-              <a:buNone/>
-            </a:pPr>
-            <a:r>
-              <a:rPr lang="en-US" dirty="0" smtClean="0"/>
-              <a:t>  "</a:t>
-            </a:r>
-            <a:r>
-              <a:rPr lang="en-US" dirty="0" err="1" smtClean="0"/>
-              <a:t>jqql:page</a:t>
-            </a:r>
-            <a:r>
-              <a:rPr lang="en-US" dirty="0" smtClean="0"/>
-              <a:t>": {</a:t>
-            </a:r>
-            <a:endParaRPr lang="el-GR" dirty="0" smtClean="0"/>
-          </a:p>
-          <a:p>
-            <a:pPr>
-              <a:buNone/>
-            </a:pPr>
-            <a:r>
-              <a:rPr lang="en-US" dirty="0" smtClean="0"/>
-              <a:t>    "</a:t>
-            </a:r>
-            <a:r>
-              <a:rPr lang="en-US" dirty="0" err="1" smtClean="0"/>
-              <a:t>jqql:limit</a:t>
-            </a:r>
-            <a:r>
-              <a:rPr lang="en-US" dirty="0" smtClean="0"/>
-              <a:t>": 10,</a:t>
-            </a:r>
-            <a:endParaRPr lang="el-GR" dirty="0" smtClean="0"/>
-          </a:p>
-          <a:p>
-            <a:pPr>
-              <a:buNone/>
-            </a:pPr>
-            <a:r>
-              <a:rPr lang="en-US" dirty="0" smtClean="0"/>
-              <a:t>    "</a:t>
-            </a:r>
-            <a:r>
-              <a:rPr lang="en-US" dirty="0" err="1" smtClean="0"/>
-              <a:t>jqql:offset</a:t>
-            </a:r>
-            <a:r>
-              <a:rPr lang="en-US" dirty="0" smtClean="0"/>
-              <a:t>": 0</a:t>
-            </a:r>
-            <a:endParaRPr lang="el-GR" dirty="0" smtClean="0"/>
-          </a:p>
-          <a:p>
-            <a:pPr>
-              <a:buNone/>
-            </a:pPr>
-            <a:r>
-              <a:rPr lang="en-US" dirty="0" smtClean="0"/>
-              <a:t>  }</a:t>
-            </a:r>
-            <a:endParaRPr lang="el-GR" dirty="0" smtClean="0"/>
-          </a:p>
-          <a:p>
-            <a:pPr>
-              <a:buNone/>
-            </a:pPr>
-            <a:r>
-              <a:rPr lang="en-US" dirty="0" smtClean="0"/>
-              <a:t>}</a:t>
-            </a:r>
-          </a:p>
-          <a:p>
-            <a:pPr>
-              <a:buNone/>
-            </a:pPr>
-            <a:endParaRPr lang="en-US" dirty="0" smtClean="0"/>
-          </a:p>
-          <a:p>
-            <a:pPr>
-              <a:buNone/>
-            </a:pPr>
-            <a:endParaRPr lang="el-GR" dirty="0"/>
-          </a:p>
-        </p:txBody>
-      </p:sp>
-      <p:sp>
-        <p:nvSpPr>
-          <p:cNvPr id="3" name="2 - Τίτλος"/>
-          <p:cNvSpPr>
-            <a:spLocks noGrp="1"/>
-          </p:cNvSpPr>
-          <p:nvPr>
-            <p:ph type="title"/>
-          </p:nvPr>
-        </p:nvSpPr>
-        <p:spPr/>
-        <p:txBody>
-          <a:bodyPr>
-            <a:normAutofit/>
-          </a:bodyPr>
-          <a:lstStyle/>
-          <a:p>
-            <a:r>
-              <a:rPr lang="en-US" dirty="0" smtClean="0"/>
-              <a:t>5.1 Input specification (cont.)</a:t>
-            </a:r>
-            <a:endParaRPr lang="el-GR" dirty="0"/>
-          </a:p>
-        </p:txBody>
-      </p:sp>
-    </p:spTree>
-  </p:cSld>
-  <p:clrMapOvr>
-    <a:masterClrMapping/>
-  </p:clrMapOvr>
-  <mc:AlternateContent xmlns:mc="http://schemas.openxmlformats.org/markup-compatibility/2006">
-    <mc:Choice xmlns="" xmlns:p14="http://schemas.microsoft.com/office/powerpoint/2010/main" Requires="p14">
-      <p:transition spd="med" p14:dur="700">
-        <p:fade/>
-      </p:transition>
-    </mc:Choice>
-    <mc:Fallback>
-      <p:transition spd="med">
-        <p:fade/>
-      </p:transition>
-    </mc:Fallback>
-  </mc:AlternateContent>
 </p:sld>
 </file>
 
